--- a/Evolve Power BI Architecture/Evolving your Power BI Architecture using Dataflows and Shared Datasets.pptx
+++ b/Evolve Power BI Architecture/Evolving your Power BI Architecture using Dataflows and Shared Datasets.pptx
@@ -5,20 +5,21 @@
     <p:sldMasterId id="2147483648" r:id="rId1"/>
   </p:sldMasterIdLst>
   <p:notesMasterIdLst>
-    <p:notesMasterId r:id="rId13"/>
+    <p:notesMasterId r:id="rId14"/>
   </p:notesMasterIdLst>
   <p:sldIdLst>
     <p:sldId id="266" r:id="rId2"/>
     <p:sldId id="258" r:id="rId3"/>
     <p:sldId id="268" r:id="rId4"/>
     <p:sldId id="274" r:id="rId5"/>
-    <p:sldId id="271" r:id="rId6"/>
-    <p:sldId id="276" r:id="rId7"/>
-    <p:sldId id="272" r:id="rId8"/>
-    <p:sldId id="277" r:id="rId9"/>
-    <p:sldId id="275" r:id="rId10"/>
-    <p:sldId id="278" r:id="rId11"/>
-    <p:sldId id="269" r:id="rId12"/>
+    <p:sldId id="279" r:id="rId6"/>
+    <p:sldId id="271" r:id="rId7"/>
+    <p:sldId id="276" r:id="rId8"/>
+    <p:sldId id="272" r:id="rId9"/>
+    <p:sldId id="277" r:id="rId10"/>
+    <p:sldId id="275" r:id="rId11"/>
+    <p:sldId id="278" r:id="rId12"/>
+    <p:sldId id="269" r:id="rId13"/>
   </p:sldIdLst>
   <p:sldSz cx="12192000" cy="6858000"/>
   <p:notesSz cx="6858000" cy="9144000"/>
@@ -2662,10 +2663,10 @@
     </pc:docChg>
   </pc:docChgLst>
   <pc:docChgLst>
-    <pc:chgData name="Ben Watt" userId="7fa9f06a-a546-48ff-af4f-bb3212c14f8c" providerId="ADAL" clId="{7476A51F-2A55-41BB-81CD-1929EA60F282}"/>
+    <pc:chgData name="Ben Watt" userId="7fa9f06a-a546-48ff-af4f-bb3212c14f8c" providerId="ADAL" clId="{AE5B3BC2-F4B2-477C-AB5E-E04B6BCD6E80}"/>
   </pc:docChgLst>
   <pc:docChgLst>
-    <pc:chgData name="Ben Watt" userId="7fa9f06a-a546-48ff-af4f-bb3212c14f8c" providerId="ADAL" clId="{AE5B3BC2-F4B2-477C-AB5E-E04B6BCD6E80}"/>
+    <pc:chgData name="Ben Watt" userId="7fa9f06a-a546-48ff-af4f-bb3212c14f8c" providerId="ADAL" clId="{7476A51F-2A55-41BB-81CD-1929EA60F282}"/>
   </pc:docChgLst>
 </pc:chgInfo>
 </file>
@@ -3667,8 +3668,8 @@
       </dsp:nvSpPr>
       <dsp:spPr>
         <a:xfrm>
-          <a:off x="1611944" y="1628722"/>
-          <a:ext cx="1970153" cy="1970153"/>
+          <a:off x="980786" y="1142758"/>
+          <a:ext cx="1198738" cy="1198738"/>
         </a:xfrm>
         <a:prstGeom prst="gear9">
           <a:avLst/>
@@ -3710,12 +3711,12 @@
         </a:fontRef>
       </dsp:style>
       <dsp:txBody>
-        <a:bodyPr spcFirstLastPara="0" vert="horz" wrap="square" lIns="20320" tIns="20320" rIns="20320" bIns="20320" numCol="1" spcCol="1270" anchor="ctr" anchorCtr="0">
+        <a:bodyPr spcFirstLastPara="0" vert="horz" wrap="square" lIns="11430" tIns="11430" rIns="11430" bIns="11430" numCol="1" spcCol="1270" anchor="ctr" anchorCtr="0">
           <a:noAutofit/>
         </a:bodyPr>
         <a:lstStyle/>
         <a:p>
-          <a:pPr marL="0" lvl="0" indent="0" algn="ctr" defTabSz="711200">
+          <a:pPr marL="0" lvl="0" indent="0" algn="ctr" defTabSz="400050">
             <a:lnSpc>
               <a:spcPct val="90000"/>
             </a:lnSpc>
@@ -3728,14 +3729,14 @@
             <a:buNone/>
           </a:pPr>
           <a:r>
-            <a:rPr lang="en-IE" sz="1600" kern="1200" dirty="0"/>
+            <a:rPr lang="en-IE" sz="900" kern="1200" dirty="0"/>
             <a:t>Report</a:t>
           </a:r>
         </a:p>
       </dsp:txBody>
       <dsp:txXfrm>
-        <a:off x="2008032" y="2090221"/>
-        <a:ext cx="1177977" cy="1012699"/>
+        <a:off x="1221786" y="1423557"/>
+        <a:ext cx="716738" cy="616176"/>
       </dsp:txXfrm>
     </dsp:sp>
     <dsp:sp modelId="{AE712CB8-3CDE-44C5-A2A7-DE8892E2B3BA}">
@@ -3745,8 +3746,8 @@
       </dsp:nvSpPr>
       <dsp:spPr>
         <a:xfrm>
-          <a:off x="465672" y="1163049"/>
-          <a:ext cx="1432839" cy="1432839"/>
+          <a:off x="283338" y="859419"/>
+          <a:ext cx="871810" cy="871810"/>
         </a:xfrm>
         <a:prstGeom prst="gear6">
           <a:avLst/>
@@ -3788,12 +3789,12 @@
         </a:fontRef>
       </dsp:style>
       <dsp:txBody>
-        <a:bodyPr spcFirstLastPara="0" vert="horz" wrap="square" lIns="20320" tIns="20320" rIns="20320" bIns="20320" numCol="1" spcCol="1270" anchor="ctr" anchorCtr="0">
+        <a:bodyPr spcFirstLastPara="0" vert="horz" wrap="square" lIns="11430" tIns="11430" rIns="11430" bIns="11430" numCol="1" spcCol="1270" anchor="ctr" anchorCtr="0">
           <a:noAutofit/>
         </a:bodyPr>
         <a:lstStyle/>
         <a:p>
-          <a:pPr marL="0" lvl="0" indent="0" algn="ctr" defTabSz="711200">
+          <a:pPr marL="0" lvl="0" indent="0" algn="ctr" defTabSz="400050">
             <a:lnSpc>
               <a:spcPct val="90000"/>
             </a:lnSpc>
@@ -3806,14 +3807,14 @@
             <a:buNone/>
           </a:pPr>
           <a:r>
-            <a:rPr lang="en-IE" sz="1600" kern="1200" dirty="0"/>
+            <a:rPr lang="en-IE" sz="900" kern="1200" dirty="0"/>
             <a:t>Dataset</a:t>
           </a:r>
         </a:p>
       </dsp:txBody>
       <dsp:txXfrm>
-        <a:off x="826394" y="1525951"/>
-        <a:ext cx="711395" cy="707035"/>
+        <a:off x="502819" y="1080226"/>
+        <a:ext cx="432848" cy="430196"/>
       </dsp:txXfrm>
     </dsp:sp>
     <dsp:sp modelId="{0C1F9930-4B59-4789-B0AD-4963AF9A85E7}">
@@ -3823,8 +3824,8 @@
       </dsp:nvSpPr>
       <dsp:spPr>
         <a:xfrm rot="20700000">
-          <a:off x="1268208" y="174537"/>
-          <a:ext cx="1403889" cy="1403889"/>
+          <a:off x="771640" y="257960"/>
+          <a:ext cx="854195" cy="854195"/>
         </a:xfrm>
         <a:prstGeom prst="gear6">
           <a:avLst/>
@@ -3866,12 +3867,12 @@
         </a:fontRef>
       </dsp:style>
       <dsp:txBody>
-        <a:bodyPr spcFirstLastPara="0" vert="horz" wrap="square" lIns="20320" tIns="20320" rIns="20320" bIns="20320" numCol="1" spcCol="1270" anchor="ctr" anchorCtr="0">
+        <a:bodyPr spcFirstLastPara="0" vert="horz" wrap="square" lIns="11430" tIns="11430" rIns="11430" bIns="11430" numCol="1" spcCol="1270" anchor="ctr" anchorCtr="0">
           <a:noAutofit/>
         </a:bodyPr>
         <a:lstStyle/>
         <a:p>
-          <a:pPr marL="0" lvl="0" indent="0" algn="ctr" defTabSz="711200">
+          <a:pPr marL="0" lvl="0" indent="0" algn="ctr" defTabSz="400050">
             <a:lnSpc>
               <a:spcPct val="90000"/>
             </a:lnSpc>
@@ -3884,14 +3885,14 @@
             <a:buNone/>
           </a:pPr>
           <a:r>
-            <a:rPr lang="en-IE" sz="1600" kern="1200" dirty="0"/>
+            <a:rPr lang="en-IE" sz="900" kern="1200" dirty="0"/>
             <a:t>Dataflow</a:t>
           </a:r>
         </a:p>
       </dsp:txBody>
       <dsp:txXfrm rot="-20700000">
-        <a:off x="1576123" y="482451"/>
-        <a:ext cx="788061" cy="788061"/>
+        <a:off x="958991" y="445310"/>
+        <a:ext cx="479495" cy="479495"/>
       </dsp:txXfrm>
     </dsp:sp>
     <dsp:sp modelId="{20BB9EE0-F85F-4BAA-BBAB-C729157039D3}">
@@ -3901,15 +3902,15 @@
       </dsp:nvSpPr>
       <dsp:spPr>
         <a:xfrm>
-          <a:off x="1453847" y="1335167"/>
-          <a:ext cx="2521796" cy="2521796"/>
+          <a:off x="868126" y="973208"/>
+          <a:ext cx="1534385" cy="1534385"/>
         </a:xfrm>
         <a:prstGeom prst="circularArrow">
           <a:avLst>
             <a:gd name="adj1" fmla="val 4687"/>
             <a:gd name="adj2" fmla="val 299029"/>
-            <a:gd name="adj3" fmla="val 2499683"/>
-            <a:gd name="adj4" fmla="val 15897251"/>
+            <a:gd name="adj3" fmla="val 2434490"/>
+            <a:gd name="adj4" fmla="val 16050024"/>
             <a:gd name="adj5" fmla="val 5469"/>
           </a:avLst>
         </a:prstGeom>
@@ -3949,8 +3950,8 @@
       </dsp:nvSpPr>
       <dsp:spPr>
         <a:xfrm>
-          <a:off x="211919" y="848644"/>
-          <a:ext cx="1832243" cy="1832243"/>
+          <a:off x="128942" y="675167"/>
+          <a:ext cx="1114827" cy="1114827"/>
         </a:xfrm>
         <a:prstGeom prst="leftCircularArrow">
           <a:avLst>
@@ -3997,8 +3998,8 @@
       </dsp:nvSpPr>
       <dsp:spPr>
         <a:xfrm>
-          <a:off x="943474" y="-130340"/>
-          <a:ext cx="1975527" cy="1975527"/>
+          <a:off x="574056" y="79505"/>
+          <a:ext cx="1202008" cy="1202008"/>
         </a:xfrm>
         <a:prstGeom prst="circularArrow">
           <a:avLst>
@@ -5631,7 +5632,7 @@
           <a:p>
             <a:fld id="{CBDEC4AF-5EC3-4332-B5BE-A74D3F82A558}" type="datetimeFigureOut">
               <a:rPr lang="en-IE" smtClean="0"/>
-              <a:t>24/10/2019</a:t>
+              <a:t>28/10/2019</a:t>
             </a:fld>
             <a:endParaRPr lang="en-IE"/>
           </a:p>
@@ -6048,7 +6049,7 @@
           <a:p>
             <a:fld id="{051F97A3-C435-481F-BB0A-06AF71E78BCB}" type="datetimeFigureOut">
               <a:rPr lang="en-IE" smtClean="0"/>
-              <a:t>24/10/2019</a:t>
+              <a:t>28/10/2019</a:t>
             </a:fld>
             <a:endParaRPr lang="en-IE"/>
           </a:p>
@@ -6248,7 +6249,7 @@
           <a:p>
             <a:fld id="{051F97A3-C435-481F-BB0A-06AF71E78BCB}" type="datetimeFigureOut">
               <a:rPr lang="en-IE" smtClean="0"/>
-              <a:t>24/10/2019</a:t>
+              <a:t>28/10/2019</a:t>
             </a:fld>
             <a:endParaRPr lang="en-IE"/>
           </a:p>
@@ -6458,7 +6459,7 @@
           <a:p>
             <a:fld id="{051F97A3-C435-481F-BB0A-06AF71E78BCB}" type="datetimeFigureOut">
               <a:rPr lang="en-IE" smtClean="0"/>
-              <a:t>24/10/2019</a:t>
+              <a:t>28/10/2019</a:t>
             </a:fld>
             <a:endParaRPr lang="en-IE"/>
           </a:p>
@@ -6658,7 +6659,7 @@
           <a:p>
             <a:fld id="{051F97A3-C435-481F-BB0A-06AF71E78BCB}" type="datetimeFigureOut">
               <a:rPr lang="en-IE" smtClean="0"/>
-              <a:t>24/10/2019</a:t>
+              <a:t>28/10/2019</a:t>
             </a:fld>
             <a:endParaRPr lang="en-IE"/>
           </a:p>
@@ -6934,7 +6935,7 @@
           <a:p>
             <a:fld id="{051F97A3-C435-481F-BB0A-06AF71E78BCB}" type="datetimeFigureOut">
               <a:rPr lang="en-IE" smtClean="0"/>
-              <a:t>24/10/2019</a:t>
+              <a:t>28/10/2019</a:t>
             </a:fld>
             <a:endParaRPr lang="en-IE"/>
           </a:p>
@@ -7202,7 +7203,7 @@
           <a:p>
             <a:fld id="{051F97A3-C435-481F-BB0A-06AF71E78BCB}" type="datetimeFigureOut">
               <a:rPr lang="en-IE" smtClean="0"/>
-              <a:t>24/10/2019</a:t>
+              <a:t>28/10/2019</a:t>
             </a:fld>
             <a:endParaRPr lang="en-IE"/>
           </a:p>
@@ -7617,7 +7618,7 @@
           <a:p>
             <a:fld id="{051F97A3-C435-481F-BB0A-06AF71E78BCB}" type="datetimeFigureOut">
               <a:rPr lang="en-IE" smtClean="0"/>
-              <a:t>24/10/2019</a:t>
+              <a:t>28/10/2019</a:t>
             </a:fld>
             <a:endParaRPr lang="en-IE"/>
           </a:p>
@@ -7759,7 +7760,7 @@
           <a:p>
             <a:fld id="{051F97A3-C435-481F-BB0A-06AF71E78BCB}" type="datetimeFigureOut">
               <a:rPr lang="en-IE" smtClean="0"/>
-              <a:t>24/10/2019</a:t>
+              <a:t>28/10/2019</a:t>
             </a:fld>
             <a:endParaRPr lang="en-IE"/>
           </a:p>
@@ -7872,7 +7873,7 @@
           <a:p>
             <a:fld id="{051F97A3-C435-481F-BB0A-06AF71E78BCB}" type="datetimeFigureOut">
               <a:rPr lang="en-IE" smtClean="0"/>
-              <a:t>24/10/2019</a:t>
+              <a:t>28/10/2019</a:t>
             </a:fld>
             <a:endParaRPr lang="en-IE"/>
           </a:p>
@@ -8185,7 +8186,7 @@
           <a:p>
             <a:fld id="{051F97A3-C435-481F-BB0A-06AF71E78BCB}" type="datetimeFigureOut">
               <a:rPr lang="en-IE" smtClean="0"/>
-              <a:t>24/10/2019</a:t>
+              <a:t>28/10/2019</a:t>
             </a:fld>
             <a:endParaRPr lang="en-IE"/>
           </a:p>
@@ -8474,7 +8475,7 @@
           <a:p>
             <a:fld id="{051F97A3-C435-481F-BB0A-06AF71E78BCB}" type="datetimeFigureOut">
               <a:rPr lang="en-IE" smtClean="0"/>
-              <a:t>24/10/2019</a:t>
+              <a:t>28/10/2019</a:t>
             </a:fld>
             <a:endParaRPr lang="en-IE"/>
           </a:p>
@@ -8717,7 +8718,7 @@
           <a:p>
             <a:fld id="{051F97A3-C435-481F-BB0A-06AF71E78BCB}" type="datetimeFigureOut">
               <a:rPr lang="en-IE" smtClean="0"/>
-              <a:t>24/10/2019</a:t>
+              <a:t>28/10/2019</a:t>
             </a:fld>
             <a:endParaRPr lang="en-IE"/>
           </a:p>
@@ -9618,6 +9619,2279 @@
 </file>
 
 <file path=ppt/slides/slide10.xml><?xml version="1.0" encoding="utf-8"?>
+<p:sld xmlns:a="http://schemas.openxmlformats.org/drawingml/2006/main" xmlns:r="http://schemas.openxmlformats.org/officeDocument/2006/relationships" xmlns:p="http://schemas.openxmlformats.org/presentationml/2006/main">
+  <p:cSld>
+    <p:spTree>
+      <p:nvGrpSpPr>
+        <p:cNvPr id="1" name=""/>
+        <p:cNvGrpSpPr/>
+        <p:nvPr/>
+      </p:nvGrpSpPr>
+      <p:grpSpPr>
+        <a:xfrm>
+          <a:off x="0" y="0"/>
+          <a:ext cx="0" cy="0"/>
+          <a:chOff x="0" y="0"/>
+          <a:chExt cx="0" cy="0"/>
+        </a:xfrm>
+      </p:grpSpPr>
+      <p:sp>
+        <p:nvSpPr>
+          <p:cNvPr id="34" name="Rectangle 33">
+            <a:extLst>
+              <a:ext uri="{FF2B5EF4-FFF2-40B4-BE49-F238E27FC236}">
+                <a16:creationId xmlns:a16="http://schemas.microsoft.com/office/drawing/2014/main" id="{DAC387D7-427A-4BF3-AA4B-9A008DD0B8D3}"/>
+              </a:ext>
+            </a:extLst>
+          </p:cNvPr>
+          <p:cNvSpPr/>
+          <p:nvPr/>
+        </p:nvSpPr>
+        <p:spPr>
+          <a:xfrm>
+            <a:off x="392306" y="2419369"/>
+            <a:ext cx="8531604" cy="353420"/>
+          </a:xfrm>
+          <a:prstGeom prst="rect">
+            <a:avLst/>
+          </a:prstGeom>
+          <a:ln w="3175"/>
+        </p:spPr>
+        <p:style>
+          <a:lnRef idx="2">
+            <a:schemeClr val="accent3"/>
+          </a:lnRef>
+          <a:fillRef idx="1">
+            <a:schemeClr val="lt1"/>
+          </a:fillRef>
+          <a:effectRef idx="0">
+            <a:schemeClr val="accent3"/>
+          </a:effectRef>
+          <a:fontRef idx="minor">
+            <a:schemeClr val="dk1"/>
+          </a:fontRef>
+        </p:style>
+        <p:txBody>
+          <a:bodyPr rtlCol="0" anchor="ctr"/>
+          <a:lstStyle/>
+          <a:p>
+            <a:pPr algn="ctr"/>
+            <a:endParaRPr lang="en-IE"/>
+          </a:p>
+        </p:txBody>
+      </p:sp>
+      <p:sp>
+        <p:nvSpPr>
+          <p:cNvPr id="2" name="Title 1">
+            <a:extLst>
+              <a:ext uri="{FF2B5EF4-FFF2-40B4-BE49-F238E27FC236}">
+                <a16:creationId xmlns:a16="http://schemas.microsoft.com/office/drawing/2014/main" id="{04996413-E52C-4AE0-AD87-50F958A08142}"/>
+              </a:ext>
+            </a:extLst>
+          </p:cNvPr>
+          <p:cNvSpPr>
+            <a:spLocks noGrp="1"/>
+          </p:cNvSpPr>
+          <p:nvPr>
+            <p:ph type="title"/>
+          </p:nvPr>
+        </p:nvSpPr>
+        <p:spPr>
+          <a:xfrm>
+            <a:off x="0" y="18255"/>
+            <a:ext cx="12192000" cy="781845"/>
+          </a:xfrm>
+        </p:spPr>
+        <p:txBody>
+          <a:bodyPr>
+            <a:normAutofit/>
+          </a:bodyPr>
+          <a:lstStyle/>
+          <a:p>
+            <a:r>
+              <a:rPr lang="en-IE" sz="3600" b="1" dirty="0">
+                <a:solidFill>
+                  <a:schemeClr val="tx1">
+                    <a:lumMod val="65000"/>
+                    <a:lumOff val="35000"/>
+                  </a:schemeClr>
+                </a:solidFill>
+                <a:latin typeface="Segoe UI" panose="020B0502040204020203" pitchFamily="34" charset="0"/>
+                <a:cs typeface="Segoe UI" panose="020B0502040204020203" pitchFamily="34" charset="0"/>
+              </a:rPr>
+              <a:t>Power BI Solution. Evolved.</a:t>
+            </a:r>
+          </a:p>
+        </p:txBody>
+      </p:sp>
+      <p:pic>
+        <p:nvPicPr>
+          <p:cNvPr id="4" name="Picture 3" descr="A drawing of a face&#10;&#10;Description automatically generated">
+            <a:extLst>
+              <a:ext uri="{FF2B5EF4-FFF2-40B4-BE49-F238E27FC236}">
+                <a16:creationId xmlns:a16="http://schemas.microsoft.com/office/drawing/2014/main" id="{4CA46CC1-7499-4668-A9BA-0AC7B51E790D}"/>
+              </a:ext>
+            </a:extLst>
+          </p:cNvPr>
+          <p:cNvPicPr>
+            <a:picLocks noChangeAspect="1"/>
+          </p:cNvPicPr>
+          <p:nvPr/>
+        </p:nvPicPr>
+        <p:blipFill>
+          <a:blip r:embed="rId2">
+            <a:extLst>
+              <a:ext uri="{28A0092B-C50C-407E-A947-70E740481C1C}">
+                <a14:useLocalDpi xmlns:a14="http://schemas.microsoft.com/office/drawing/2010/main" val="0"/>
+              </a:ext>
+            </a:extLst>
+          </a:blip>
+          <a:stretch>
+            <a:fillRect/>
+          </a:stretch>
+        </p:blipFill>
+        <p:spPr>
+          <a:xfrm>
+            <a:off x="10937631" y="240742"/>
+            <a:ext cx="1166446" cy="336869"/>
+          </a:xfrm>
+          <a:prstGeom prst="rect">
+            <a:avLst/>
+          </a:prstGeom>
+        </p:spPr>
+      </p:pic>
+      <p:sp>
+        <p:nvSpPr>
+          <p:cNvPr id="5" name="Rectangle 4">
+            <a:extLst>
+              <a:ext uri="{FF2B5EF4-FFF2-40B4-BE49-F238E27FC236}">
+                <a16:creationId xmlns:a16="http://schemas.microsoft.com/office/drawing/2014/main" id="{B4A3DC45-946A-4405-B045-3FC0FEE1102A}"/>
+              </a:ext>
+            </a:extLst>
+          </p:cNvPr>
+          <p:cNvSpPr/>
+          <p:nvPr/>
+        </p:nvSpPr>
+        <p:spPr>
+          <a:xfrm>
+            <a:off x="0" y="6435969"/>
+            <a:ext cx="12192000" cy="422031"/>
+          </a:xfrm>
+          <a:prstGeom prst="rect">
+            <a:avLst/>
+          </a:prstGeom>
+          <a:solidFill>
+            <a:srgbClr val="0271AF"/>
+          </a:solidFill>
+          <a:ln>
+            <a:solidFill>
+              <a:srgbClr val="0271AF"/>
+            </a:solidFill>
+          </a:ln>
+        </p:spPr>
+        <p:style>
+          <a:lnRef idx="2">
+            <a:schemeClr val="accent1">
+              <a:shade val="50000"/>
+            </a:schemeClr>
+          </a:lnRef>
+          <a:fillRef idx="1">
+            <a:schemeClr val="accent1"/>
+          </a:fillRef>
+          <a:effectRef idx="0">
+            <a:schemeClr val="accent1"/>
+          </a:effectRef>
+          <a:fontRef idx="minor">
+            <a:schemeClr val="lt1"/>
+          </a:fontRef>
+        </p:style>
+        <p:txBody>
+          <a:bodyPr rtlCol="0" anchor="ctr"/>
+          <a:lstStyle/>
+          <a:p>
+            <a:pPr algn="ctr"/>
+            <a:endParaRPr lang="en-IE"/>
+          </a:p>
+        </p:txBody>
+      </p:sp>
+      <p:sp>
+        <p:nvSpPr>
+          <p:cNvPr id="6" name="Rectangle 5">
+            <a:extLst>
+              <a:ext uri="{FF2B5EF4-FFF2-40B4-BE49-F238E27FC236}">
+                <a16:creationId xmlns:a16="http://schemas.microsoft.com/office/drawing/2014/main" id="{43BA60CC-8488-49F1-B29A-53114FE922FE}"/>
+              </a:ext>
+            </a:extLst>
+          </p:cNvPr>
+          <p:cNvSpPr/>
+          <p:nvPr/>
+        </p:nvSpPr>
+        <p:spPr>
+          <a:xfrm>
+            <a:off x="0" y="6330462"/>
+            <a:ext cx="12192000" cy="105507"/>
+          </a:xfrm>
+          <a:prstGeom prst="rect">
+            <a:avLst/>
+          </a:prstGeom>
+          <a:solidFill>
+            <a:srgbClr val="ED9800"/>
+          </a:solidFill>
+          <a:ln>
+            <a:solidFill>
+              <a:srgbClr val="ED9800"/>
+            </a:solidFill>
+          </a:ln>
+        </p:spPr>
+        <p:style>
+          <a:lnRef idx="2">
+            <a:schemeClr val="accent1">
+              <a:shade val="50000"/>
+            </a:schemeClr>
+          </a:lnRef>
+          <a:fillRef idx="1">
+            <a:schemeClr val="accent1"/>
+          </a:fillRef>
+          <a:effectRef idx="0">
+            <a:schemeClr val="accent1"/>
+          </a:effectRef>
+          <a:fontRef idx="minor">
+            <a:schemeClr val="lt1"/>
+          </a:fontRef>
+        </p:style>
+        <p:txBody>
+          <a:bodyPr rtlCol="0" anchor="ctr"/>
+          <a:lstStyle/>
+          <a:p>
+            <a:pPr algn="ctr"/>
+            <a:endParaRPr lang="en-IE"/>
+          </a:p>
+        </p:txBody>
+      </p:sp>
+      <p:pic>
+        <p:nvPicPr>
+          <p:cNvPr id="14" name="Graphic 13" descr="Database">
+            <a:extLst>
+              <a:ext uri="{FF2B5EF4-FFF2-40B4-BE49-F238E27FC236}">
+                <a16:creationId xmlns:a16="http://schemas.microsoft.com/office/drawing/2014/main" id="{3BA5BE85-5E27-4FDA-9C43-4BE275BD18A8}"/>
+              </a:ext>
+            </a:extLst>
+          </p:cNvPr>
+          <p:cNvPicPr>
+            <a:picLocks noChangeAspect="1"/>
+          </p:cNvPicPr>
+          <p:nvPr/>
+        </p:nvPicPr>
+        <p:blipFill>
+          <a:blip r:embed="rId3">
+            <a:extLst>
+              <a:ext uri="{28A0092B-C50C-407E-A947-70E740481C1C}">
+                <a14:useLocalDpi xmlns:a14="http://schemas.microsoft.com/office/drawing/2010/main" val="0"/>
+              </a:ext>
+              <a:ext uri="{96DAC541-7B7A-43D3-8B79-37D633B846F1}">
+                <asvg:svgBlip xmlns:asvg="http://schemas.microsoft.com/office/drawing/2016/SVG/main" r:embed="rId4"/>
+              </a:ext>
+            </a:extLst>
+          </a:blip>
+          <a:stretch>
+            <a:fillRect/>
+          </a:stretch>
+        </p:blipFill>
+        <p:spPr>
+          <a:xfrm>
+            <a:off x="4089631" y="1414328"/>
+            <a:ext cx="914400" cy="914400"/>
+          </a:xfrm>
+          <a:prstGeom prst="rect">
+            <a:avLst/>
+          </a:prstGeom>
+        </p:spPr>
+      </p:pic>
+      <p:sp>
+        <p:nvSpPr>
+          <p:cNvPr id="15" name="Cube 14">
+            <a:extLst>
+              <a:ext uri="{FF2B5EF4-FFF2-40B4-BE49-F238E27FC236}">
+                <a16:creationId xmlns:a16="http://schemas.microsoft.com/office/drawing/2014/main" id="{ACB6FBA2-9A27-42E1-B2EA-7D170A069B92}"/>
+              </a:ext>
+            </a:extLst>
+          </p:cNvPr>
+          <p:cNvSpPr/>
+          <p:nvPr/>
+        </p:nvSpPr>
+        <p:spPr>
+          <a:xfrm>
+            <a:off x="5794788" y="1480155"/>
+            <a:ext cx="752817" cy="749767"/>
+          </a:xfrm>
+          <a:prstGeom prst="cube">
+            <a:avLst>
+              <a:gd name="adj" fmla="val 14691"/>
+            </a:avLst>
+          </a:prstGeom>
+          <a:ln w="9525"/>
+        </p:spPr>
+        <p:style>
+          <a:lnRef idx="2">
+            <a:schemeClr val="accent5"/>
+          </a:lnRef>
+          <a:fillRef idx="1">
+            <a:schemeClr val="lt1"/>
+          </a:fillRef>
+          <a:effectRef idx="0">
+            <a:schemeClr val="accent5"/>
+          </a:effectRef>
+          <a:fontRef idx="minor">
+            <a:schemeClr val="dk1"/>
+          </a:fontRef>
+        </p:style>
+        <p:txBody>
+          <a:bodyPr rtlCol="0" anchor="ctr"/>
+          <a:lstStyle/>
+          <a:p>
+            <a:pPr algn="ctr"/>
+            <a:endParaRPr lang="en-IE"/>
+          </a:p>
+        </p:txBody>
+      </p:sp>
+      <p:pic>
+        <p:nvPicPr>
+          <p:cNvPr id="17" name="Graphic 16" descr="Bar graph with upward trend">
+            <a:extLst>
+              <a:ext uri="{FF2B5EF4-FFF2-40B4-BE49-F238E27FC236}">
+                <a16:creationId xmlns:a16="http://schemas.microsoft.com/office/drawing/2014/main" id="{AFD70EC8-D700-4B6C-B3FD-A32144E93D39}"/>
+              </a:ext>
+            </a:extLst>
+          </p:cNvPr>
+          <p:cNvPicPr>
+            <a:picLocks noChangeAspect="1"/>
+          </p:cNvPicPr>
+          <p:nvPr/>
+        </p:nvPicPr>
+        <p:blipFill>
+          <a:blip r:embed="rId5">
+            <a:extLst>
+              <a:ext uri="{28A0092B-C50C-407E-A947-70E740481C1C}">
+                <a14:useLocalDpi xmlns:a14="http://schemas.microsoft.com/office/drawing/2010/main" val="0"/>
+              </a:ext>
+              <a:ext uri="{96DAC541-7B7A-43D3-8B79-37D633B846F1}">
+                <asvg:svgBlip xmlns:asvg="http://schemas.microsoft.com/office/drawing/2016/SVG/main" r:embed="rId6"/>
+              </a:ext>
+            </a:extLst>
+          </a:blip>
+          <a:stretch>
+            <a:fillRect/>
+          </a:stretch>
+        </p:blipFill>
+        <p:spPr>
+          <a:xfrm>
+            <a:off x="7294899" y="1437784"/>
+            <a:ext cx="668269" cy="668269"/>
+          </a:xfrm>
+          <a:prstGeom prst="rect">
+            <a:avLst/>
+          </a:prstGeom>
+        </p:spPr>
+      </p:pic>
+      <p:pic>
+        <p:nvPicPr>
+          <p:cNvPr id="19" name="Graphic 18" descr="Statistics">
+            <a:extLst>
+              <a:ext uri="{FF2B5EF4-FFF2-40B4-BE49-F238E27FC236}">
+                <a16:creationId xmlns:a16="http://schemas.microsoft.com/office/drawing/2014/main" id="{98797CAB-620A-4CC5-865E-41BAD2912DF9}"/>
+              </a:ext>
+            </a:extLst>
+          </p:cNvPr>
+          <p:cNvPicPr>
+            <a:picLocks noChangeAspect="1"/>
+          </p:cNvPicPr>
+          <p:nvPr/>
+        </p:nvPicPr>
+        <p:blipFill>
+          <a:blip r:embed="rId7">
+            <a:extLst>
+              <a:ext uri="{28A0092B-C50C-407E-A947-70E740481C1C}">
+                <a14:useLocalDpi xmlns:a14="http://schemas.microsoft.com/office/drawing/2010/main" val="0"/>
+              </a:ext>
+              <a:ext uri="{96DAC541-7B7A-43D3-8B79-37D633B846F1}">
+                <asvg:svgBlip xmlns:asvg="http://schemas.microsoft.com/office/drawing/2016/SVG/main" r:embed="rId8"/>
+              </a:ext>
+            </a:extLst>
+          </a:blip>
+          <a:stretch>
+            <a:fillRect/>
+          </a:stretch>
+        </p:blipFill>
+        <p:spPr>
+          <a:xfrm>
+            <a:off x="7809571" y="1691121"/>
+            <a:ext cx="668269" cy="668269"/>
+          </a:xfrm>
+          <a:prstGeom prst="rect">
+            <a:avLst/>
+          </a:prstGeom>
+        </p:spPr>
+      </p:pic>
+      <p:pic>
+        <p:nvPicPr>
+          <p:cNvPr id="21" name="Graphic 20" descr="Table">
+            <a:extLst>
+              <a:ext uri="{FF2B5EF4-FFF2-40B4-BE49-F238E27FC236}">
+                <a16:creationId xmlns:a16="http://schemas.microsoft.com/office/drawing/2014/main" id="{4C1FC34C-D967-41A6-BC15-90086B24821F}"/>
+              </a:ext>
+            </a:extLst>
+          </p:cNvPr>
+          <p:cNvPicPr>
+            <a:picLocks noChangeAspect="1"/>
+          </p:cNvPicPr>
+          <p:nvPr/>
+        </p:nvPicPr>
+        <p:blipFill>
+          <a:blip r:embed="rId9">
+            <a:extLst>
+              <a:ext uri="{28A0092B-C50C-407E-A947-70E740481C1C}">
+                <a14:useLocalDpi xmlns:a14="http://schemas.microsoft.com/office/drawing/2010/main" val="0"/>
+              </a:ext>
+              <a:ext uri="{96DAC541-7B7A-43D3-8B79-37D633B846F1}">
+                <asvg:svgBlip xmlns:asvg="http://schemas.microsoft.com/office/drawing/2016/SVG/main" r:embed="rId10"/>
+              </a:ext>
+            </a:extLst>
+          </a:blip>
+          <a:stretch>
+            <a:fillRect/>
+          </a:stretch>
+        </p:blipFill>
+        <p:spPr>
+          <a:xfrm>
+            <a:off x="1803215" y="1034935"/>
+            <a:ext cx="668269" cy="668269"/>
+          </a:xfrm>
+          <a:prstGeom prst="rect">
+            <a:avLst/>
+          </a:prstGeom>
+        </p:spPr>
+      </p:pic>
+      <p:pic>
+        <p:nvPicPr>
+          <p:cNvPr id="23" name="Graphic 22" descr="Server">
+            <a:extLst>
+              <a:ext uri="{FF2B5EF4-FFF2-40B4-BE49-F238E27FC236}">
+                <a16:creationId xmlns:a16="http://schemas.microsoft.com/office/drawing/2014/main" id="{C66D62E1-6C49-4BED-99FB-63FFC6CFAFD2}"/>
+              </a:ext>
+            </a:extLst>
+          </p:cNvPr>
+          <p:cNvPicPr>
+            <a:picLocks noChangeAspect="1"/>
+          </p:cNvPicPr>
+          <p:nvPr/>
+        </p:nvPicPr>
+        <p:blipFill>
+          <a:blip r:embed="rId11">
+            <a:extLst>
+              <a:ext uri="{28A0092B-C50C-407E-A947-70E740481C1C}">
+                <a14:useLocalDpi xmlns:a14="http://schemas.microsoft.com/office/drawing/2010/main" val="0"/>
+              </a:ext>
+              <a:ext uri="{96DAC541-7B7A-43D3-8B79-37D633B846F1}">
+                <asvg:svgBlip xmlns:asvg="http://schemas.microsoft.com/office/drawing/2016/SVG/main" r:embed="rId12"/>
+              </a:ext>
+            </a:extLst>
+          </a:blip>
+          <a:stretch>
+            <a:fillRect/>
+          </a:stretch>
+        </p:blipFill>
+        <p:spPr>
+          <a:xfrm>
+            <a:off x="2060551" y="1579379"/>
+            <a:ext cx="668269" cy="668269"/>
+          </a:xfrm>
+          <a:prstGeom prst="rect">
+            <a:avLst/>
+          </a:prstGeom>
+        </p:spPr>
+      </p:pic>
+      <p:sp>
+        <p:nvSpPr>
+          <p:cNvPr id="24" name="TextBox 23">
+            <a:extLst>
+              <a:ext uri="{FF2B5EF4-FFF2-40B4-BE49-F238E27FC236}">
+                <a16:creationId xmlns:a16="http://schemas.microsoft.com/office/drawing/2014/main" id="{57F18584-3A5A-421E-9259-1ACD0AE89894}"/>
+              </a:ext>
+            </a:extLst>
+          </p:cNvPr>
+          <p:cNvSpPr txBox="1"/>
+          <p:nvPr/>
+        </p:nvSpPr>
+        <p:spPr>
+          <a:xfrm>
+            <a:off x="3093246" y="2412999"/>
+            <a:ext cx="566181" cy="338554"/>
+          </a:xfrm>
+          <a:prstGeom prst="rect">
+            <a:avLst/>
+          </a:prstGeom>
+          <a:noFill/>
+        </p:spPr>
+        <p:txBody>
+          <a:bodyPr wrap="none" rtlCol="0">
+            <a:spAutoFit/>
+          </a:bodyPr>
+          <a:lstStyle/>
+          <a:p>
+            <a:pPr algn="ctr"/>
+            <a:r>
+              <a:rPr lang="en-IE" sz="1600" dirty="0">
+                <a:solidFill>
+                  <a:schemeClr val="bg2">
+                    <a:lumMod val="50000"/>
+                  </a:schemeClr>
+                </a:solidFill>
+                <a:latin typeface="Segoe UI" panose="020B0502040204020203" pitchFamily="34" charset="0"/>
+                <a:cs typeface="Segoe UI" panose="020B0502040204020203" pitchFamily="34" charset="0"/>
+              </a:rPr>
+              <a:t>SSIS</a:t>
+            </a:r>
+          </a:p>
+        </p:txBody>
+      </p:sp>
+      <p:sp>
+        <p:nvSpPr>
+          <p:cNvPr id="26" name="TextBox 25">
+            <a:extLst>
+              <a:ext uri="{FF2B5EF4-FFF2-40B4-BE49-F238E27FC236}">
+                <a16:creationId xmlns:a16="http://schemas.microsoft.com/office/drawing/2014/main" id="{8E33E1B0-C730-4122-B400-6956E69403F0}"/>
+              </a:ext>
+            </a:extLst>
+          </p:cNvPr>
+          <p:cNvSpPr txBox="1"/>
+          <p:nvPr/>
+        </p:nvSpPr>
+        <p:spPr>
+          <a:xfrm>
+            <a:off x="5838948" y="2419369"/>
+            <a:ext cx="644728" cy="338554"/>
+          </a:xfrm>
+          <a:prstGeom prst="rect">
+            <a:avLst/>
+          </a:prstGeom>
+          <a:noFill/>
+        </p:spPr>
+        <p:txBody>
+          <a:bodyPr wrap="none" rtlCol="0">
+            <a:spAutoFit/>
+          </a:bodyPr>
+          <a:lstStyle/>
+          <a:p>
+            <a:pPr algn="ctr"/>
+            <a:r>
+              <a:rPr lang="en-IE" sz="1600" dirty="0">
+                <a:solidFill>
+                  <a:schemeClr val="bg2">
+                    <a:lumMod val="50000"/>
+                  </a:schemeClr>
+                </a:solidFill>
+                <a:latin typeface="Segoe UI" panose="020B0502040204020203" pitchFamily="34" charset="0"/>
+                <a:cs typeface="Segoe UI" panose="020B0502040204020203" pitchFamily="34" charset="0"/>
+              </a:rPr>
+              <a:t>SSAS</a:t>
+            </a:r>
+          </a:p>
+        </p:txBody>
+      </p:sp>
+      <p:sp>
+        <p:nvSpPr>
+          <p:cNvPr id="27" name="TextBox 26">
+            <a:extLst>
+              <a:ext uri="{FF2B5EF4-FFF2-40B4-BE49-F238E27FC236}">
+                <a16:creationId xmlns:a16="http://schemas.microsoft.com/office/drawing/2014/main" id="{EB0F599C-706A-43FF-9CFD-C3E6E228CC96}"/>
+              </a:ext>
+            </a:extLst>
+          </p:cNvPr>
+          <p:cNvSpPr txBox="1"/>
+          <p:nvPr/>
+        </p:nvSpPr>
+        <p:spPr>
+          <a:xfrm>
+            <a:off x="7683228" y="2419369"/>
+            <a:ext cx="635110" cy="338554"/>
+          </a:xfrm>
+          <a:prstGeom prst="rect">
+            <a:avLst/>
+          </a:prstGeom>
+          <a:noFill/>
+        </p:spPr>
+        <p:txBody>
+          <a:bodyPr wrap="none" rtlCol="0">
+            <a:spAutoFit/>
+          </a:bodyPr>
+          <a:lstStyle>
+            <a:defPPr>
+              <a:defRPr lang="en-US"/>
+            </a:defPPr>
+            <a:lvl1pPr>
+              <a:defRPr sz="1600">
+                <a:solidFill>
+                  <a:schemeClr val="bg2">
+                    <a:lumMod val="50000"/>
+                  </a:schemeClr>
+                </a:solidFill>
+                <a:latin typeface="Segoe UI" panose="020B0502040204020203" pitchFamily="34" charset="0"/>
+                <a:cs typeface="Segoe UI" panose="020B0502040204020203" pitchFamily="34" charset="0"/>
+              </a:defRPr>
+            </a:lvl1pPr>
+          </a:lstStyle>
+          <a:p>
+            <a:pPr algn="ctr"/>
+            <a:r>
+              <a:rPr lang="en-IE" dirty="0"/>
+              <a:t>SSRS</a:t>
+            </a:r>
+          </a:p>
+        </p:txBody>
+      </p:sp>
+      <p:sp>
+        <p:nvSpPr>
+          <p:cNvPr id="28" name="TextBox 27">
+            <a:extLst>
+              <a:ext uri="{FF2B5EF4-FFF2-40B4-BE49-F238E27FC236}">
+                <a16:creationId xmlns:a16="http://schemas.microsoft.com/office/drawing/2014/main" id="{CDACF08E-1AD3-4407-AA76-44CB31FD2B67}"/>
+              </a:ext>
+            </a:extLst>
+          </p:cNvPr>
+          <p:cNvSpPr txBox="1"/>
+          <p:nvPr/>
+        </p:nvSpPr>
+        <p:spPr>
+          <a:xfrm>
+            <a:off x="4114854" y="2433494"/>
+            <a:ext cx="862737" cy="338554"/>
+          </a:xfrm>
+          <a:prstGeom prst="rect">
+            <a:avLst/>
+          </a:prstGeom>
+          <a:noFill/>
+        </p:spPr>
+        <p:txBody>
+          <a:bodyPr wrap="none" rtlCol="0">
+            <a:spAutoFit/>
+          </a:bodyPr>
+          <a:lstStyle>
+            <a:defPPr>
+              <a:defRPr lang="en-US"/>
+            </a:defPPr>
+            <a:lvl1pPr>
+              <a:defRPr sz="1600">
+                <a:solidFill>
+                  <a:schemeClr val="bg2">
+                    <a:lumMod val="50000"/>
+                  </a:schemeClr>
+                </a:solidFill>
+                <a:latin typeface="Segoe UI" panose="020B0502040204020203" pitchFamily="34" charset="0"/>
+                <a:cs typeface="Segoe UI" panose="020B0502040204020203" pitchFamily="34" charset="0"/>
+              </a:defRPr>
+            </a:lvl1pPr>
+          </a:lstStyle>
+          <a:p>
+            <a:pPr algn="ctr"/>
+            <a:r>
+              <a:rPr lang="en-IE" dirty="0"/>
+              <a:t>RDBMS</a:t>
+            </a:r>
+          </a:p>
+        </p:txBody>
+      </p:sp>
+      <p:sp>
+        <p:nvSpPr>
+          <p:cNvPr id="36" name="Rectangle 35">
+            <a:extLst>
+              <a:ext uri="{FF2B5EF4-FFF2-40B4-BE49-F238E27FC236}">
+                <a16:creationId xmlns:a16="http://schemas.microsoft.com/office/drawing/2014/main" id="{32323F94-8B0B-4AFD-86B0-17FE59C1244A}"/>
+              </a:ext>
+            </a:extLst>
+          </p:cNvPr>
+          <p:cNvSpPr/>
+          <p:nvPr/>
+        </p:nvSpPr>
+        <p:spPr>
+          <a:xfrm>
+            <a:off x="392306" y="2762811"/>
+            <a:ext cx="8531604" cy="353420"/>
+          </a:xfrm>
+          <a:prstGeom prst="rect">
+            <a:avLst/>
+          </a:prstGeom>
+          <a:ln w="3175"/>
+        </p:spPr>
+        <p:style>
+          <a:lnRef idx="2">
+            <a:schemeClr val="accent3"/>
+          </a:lnRef>
+          <a:fillRef idx="1">
+            <a:schemeClr val="lt1"/>
+          </a:fillRef>
+          <a:effectRef idx="0">
+            <a:schemeClr val="accent3"/>
+          </a:effectRef>
+          <a:fontRef idx="minor">
+            <a:schemeClr val="dk1"/>
+          </a:fontRef>
+        </p:style>
+        <p:txBody>
+          <a:bodyPr rtlCol="0" anchor="ctr"/>
+          <a:lstStyle/>
+          <a:p>
+            <a:pPr algn="ctr"/>
+            <a:endParaRPr lang="en-IE"/>
+          </a:p>
+        </p:txBody>
+      </p:sp>
+      <p:sp>
+        <p:nvSpPr>
+          <p:cNvPr id="29" name="TextBox 28">
+            <a:extLst>
+              <a:ext uri="{FF2B5EF4-FFF2-40B4-BE49-F238E27FC236}">
+                <a16:creationId xmlns:a16="http://schemas.microsoft.com/office/drawing/2014/main" id="{A99850E4-FBED-44CD-9A1C-0550B5B4C2F4}"/>
+              </a:ext>
+            </a:extLst>
+          </p:cNvPr>
+          <p:cNvSpPr txBox="1"/>
+          <p:nvPr/>
+        </p:nvSpPr>
+        <p:spPr>
+          <a:xfrm>
+            <a:off x="3110109" y="2771771"/>
+            <a:ext cx="562975" cy="338554"/>
+          </a:xfrm>
+          <a:prstGeom prst="rect">
+            <a:avLst/>
+          </a:prstGeom>
+          <a:noFill/>
+        </p:spPr>
+        <p:txBody>
+          <a:bodyPr wrap="none" rtlCol="0">
+            <a:spAutoFit/>
+          </a:bodyPr>
+          <a:lstStyle>
+            <a:defPPr>
+              <a:defRPr lang="en-US"/>
+            </a:defPPr>
+            <a:lvl1pPr>
+              <a:defRPr sz="1600">
+                <a:solidFill>
+                  <a:schemeClr val="bg2">
+                    <a:lumMod val="50000"/>
+                  </a:schemeClr>
+                </a:solidFill>
+                <a:latin typeface="Segoe UI" panose="020B0502040204020203" pitchFamily="34" charset="0"/>
+                <a:cs typeface="Segoe UI" panose="020B0502040204020203" pitchFamily="34" charset="0"/>
+              </a:defRPr>
+            </a:lvl1pPr>
+          </a:lstStyle>
+          <a:p>
+            <a:pPr algn="ctr"/>
+            <a:r>
+              <a:rPr lang="en-IE" dirty="0"/>
+              <a:t>ADF</a:t>
+            </a:r>
+          </a:p>
+        </p:txBody>
+      </p:sp>
+      <p:sp>
+        <p:nvSpPr>
+          <p:cNvPr id="30" name="TextBox 29">
+            <a:extLst>
+              <a:ext uri="{FF2B5EF4-FFF2-40B4-BE49-F238E27FC236}">
+                <a16:creationId xmlns:a16="http://schemas.microsoft.com/office/drawing/2014/main" id="{0F0FF615-7EB2-4BF1-A8CE-36BA8553B290}"/>
+              </a:ext>
+            </a:extLst>
+          </p:cNvPr>
+          <p:cNvSpPr txBox="1"/>
+          <p:nvPr/>
+        </p:nvSpPr>
+        <p:spPr>
+          <a:xfrm>
+            <a:off x="4101248" y="2775233"/>
+            <a:ext cx="862737" cy="338554"/>
+          </a:xfrm>
+          <a:prstGeom prst="rect">
+            <a:avLst/>
+          </a:prstGeom>
+          <a:noFill/>
+        </p:spPr>
+        <p:txBody>
+          <a:bodyPr wrap="none" rtlCol="0">
+            <a:spAutoFit/>
+          </a:bodyPr>
+          <a:lstStyle>
+            <a:defPPr>
+              <a:defRPr lang="en-US"/>
+            </a:defPPr>
+            <a:lvl1pPr>
+              <a:defRPr sz="1600">
+                <a:solidFill>
+                  <a:schemeClr val="bg2">
+                    <a:lumMod val="50000"/>
+                  </a:schemeClr>
+                </a:solidFill>
+                <a:latin typeface="Segoe UI" panose="020B0502040204020203" pitchFamily="34" charset="0"/>
+                <a:cs typeface="Segoe UI" panose="020B0502040204020203" pitchFamily="34" charset="0"/>
+              </a:defRPr>
+            </a:lvl1pPr>
+          </a:lstStyle>
+          <a:p>
+            <a:pPr algn="ctr"/>
+            <a:r>
+              <a:rPr lang="en-IE" dirty="0"/>
+              <a:t>SQL DB</a:t>
+            </a:r>
+          </a:p>
+        </p:txBody>
+      </p:sp>
+      <p:sp>
+        <p:nvSpPr>
+          <p:cNvPr id="31" name="TextBox 30">
+            <a:extLst>
+              <a:ext uri="{FF2B5EF4-FFF2-40B4-BE49-F238E27FC236}">
+                <a16:creationId xmlns:a16="http://schemas.microsoft.com/office/drawing/2014/main" id="{F4111969-61AE-4AA0-934C-7E119F63CD58}"/>
+              </a:ext>
+            </a:extLst>
+          </p:cNvPr>
+          <p:cNvSpPr txBox="1"/>
+          <p:nvPr/>
+        </p:nvSpPr>
+        <p:spPr>
+          <a:xfrm>
+            <a:off x="5698695" y="2787360"/>
+            <a:ext cx="945002" cy="338554"/>
+          </a:xfrm>
+          <a:prstGeom prst="rect">
+            <a:avLst/>
+          </a:prstGeom>
+          <a:noFill/>
+        </p:spPr>
+        <p:txBody>
+          <a:bodyPr wrap="none" rtlCol="0">
+            <a:spAutoFit/>
+          </a:bodyPr>
+          <a:lstStyle/>
+          <a:p>
+            <a:pPr algn="ctr"/>
+            <a:r>
+              <a:rPr lang="en-IE" sz="1600" dirty="0" err="1">
+                <a:solidFill>
+                  <a:schemeClr val="bg2">
+                    <a:lumMod val="50000"/>
+                  </a:schemeClr>
+                </a:solidFill>
+                <a:latin typeface="Segoe UI" panose="020B0502040204020203" pitchFamily="34" charset="0"/>
+                <a:cs typeface="Segoe UI" panose="020B0502040204020203" pitchFamily="34" charset="0"/>
+              </a:rPr>
+              <a:t>AzureAS</a:t>
+            </a:r>
+            <a:endParaRPr lang="en-IE" sz="1600" dirty="0">
+              <a:solidFill>
+                <a:schemeClr val="bg2">
+                  <a:lumMod val="50000"/>
+                </a:schemeClr>
+              </a:solidFill>
+              <a:latin typeface="Segoe UI" panose="020B0502040204020203" pitchFamily="34" charset="0"/>
+              <a:cs typeface="Segoe UI" panose="020B0502040204020203" pitchFamily="34" charset="0"/>
+            </a:endParaRPr>
+          </a:p>
+        </p:txBody>
+      </p:sp>
+      <p:sp>
+        <p:nvSpPr>
+          <p:cNvPr id="32" name="TextBox 31">
+            <a:extLst>
+              <a:ext uri="{FF2B5EF4-FFF2-40B4-BE49-F238E27FC236}">
+                <a16:creationId xmlns:a16="http://schemas.microsoft.com/office/drawing/2014/main" id="{88BDCF24-88FF-4C01-A276-B73BEC4A124B}"/>
+              </a:ext>
+            </a:extLst>
+          </p:cNvPr>
+          <p:cNvSpPr txBox="1"/>
+          <p:nvPr/>
+        </p:nvSpPr>
+        <p:spPr>
+          <a:xfrm>
+            <a:off x="7516836" y="2762811"/>
+            <a:ext cx="967894" cy="338554"/>
+          </a:xfrm>
+          <a:prstGeom prst="rect">
+            <a:avLst/>
+          </a:prstGeom>
+          <a:noFill/>
+        </p:spPr>
+        <p:txBody>
+          <a:bodyPr wrap="none" rtlCol="0">
+            <a:spAutoFit/>
+          </a:bodyPr>
+          <a:lstStyle/>
+          <a:p>
+            <a:pPr algn="ctr"/>
+            <a:r>
+              <a:rPr lang="en-IE" sz="1600" dirty="0">
+                <a:solidFill>
+                  <a:schemeClr val="bg2">
+                    <a:lumMod val="50000"/>
+                  </a:schemeClr>
+                </a:solidFill>
+                <a:latin typeface="Segoe UI" panose="020B0502040204020203" pitchFamily="34" charset="0"/>
+                <a:cs typeface="Segoe UI" panose="020B0502040204020203" pitchFamily="34" charset="0"/>
+              </a:rPr>
+              <a:t>Power BI</a:t>
+            </a:r>
+          </a:p>
+        </p:txBody>
+      </p:sp>
+      <p:sp>
+        <p:nvSpPr>
+          <p:cNvPr id="37" name="TextBox 36">
+            <a:extLst>
+              <a:ext uri="{FF2B5EF4-FFF2-40B4-BE49-F238E27FC236}">
+                <a16:creationId xmlns:a16="http://schemas.microsoft.com/office/drawing/2014/main" id="{995A6D46-5D44-4107-8CDF-0A9462FF5273}"/>
+              </a:ext>
+            </a:extLst>
+          </p:cNvPr>
+          <p:cNvSpPr txBox="1"/>
+          <p:nvPr/>
+        </p:nvSpPr>
+        <p:spPr>
+          <a:xfrm>
+            <a:off x="384179" y="2431535"/>
+            <a:ext cx="2075696" cy="338554"/>
+          </a:xfrm>
+          <a:prstGeom prst="rect">
+            <a:avLst/>
+          </a:prstGeom>
+          <a:noFill/>
+        </p:spPr>
+        <p:txBody>
+          <a:bodyPr wrap="none" rtlCol="0">
+            <a:spAutoFit/>
+          </a:bodyPr>
+          <a:lstStyle/>
+          <a:p>
+            <a:r>
+              <a:rPr lang="en-IE" sz="1600" dirty="0">
+                <a:solidFill>
+                  <a:schemeClr val="tx2"/>
+                </a:solidFill>
+                <a:latin typeface="Segoe UI" panose="020B0502040204020203" pitchFamily="34" charset="0"/>
+                <a:cs typeface="Segoe UI" panose="020B0502040204020203" pitchFamily="34" charset="0"/>
+              </a:rPr>
+              <a:t>SQL Server/On-Prem</a:t>
+            </a:r>
+          </a:p>
+        </p:txBody>
+      </p:sp>
+      <p:sp>
+        <p:nvSpPr>
+          <p:cNvPr id="38" name="TextBox 37">
+            <a:extLst>
+              <a:ext uri="{FF2B5EF4-FFF2-40B4-BE49-F238E27FC236}">
+                <a16:creationId xmlns:a16="http://schemas.microsoft.com/office/drawing/2014/main" id="{186DDA69-5957-4091-A14D-F019314011BA}"/>
+              </a:ext>
+            </a:extLst>
+          </p:cNvPr>
+          <p:cNvSpPr txBox="1"/>
+          <p:nvPr/>
+        </p:nvSpPr>
+        <p:spPr>
+          <a:xfrm>
+            <a:off x="384179" y="2784955"/>
+            <a:ext cx="1315296" cy="338554"/>
+          </a:xfrm>
+          <a:prstGeom prst="rect">
+            <a:avLst/>
+          </a:prstGeom>
+          <a:noFill/>
+        </p:spPr>
+        <p:txBody>
+          <a:bodyPr wrap="none" rtlCol="0">
+            <a:spAutoFit/>
+          </a:bodyPr>
+          <a:lstStyle/>
+          <a:p>
+            <a:r>
+              <a:rPr lang="en-IE" sz="1600" dirty="0">
+                <a:solidFill>
+                  <a:schemeClr val="tx2"/>
+                </a:solidFill>
+                <a:latin typeface="Segoe UI" panose="020B0502040204020203" pitchFamily="34" charset="0"/>
+                <a:cs typeface="Segoe UI" panose="020B0502040204020203" pitchFamily="34" charset="0"/>
+              </a:rPr>
+              <a:t>Azure/Cloud</a:t>
+            </a:r>
+          </a:p>
+        </p:txBody>
+      </p:sp>
+      <p:sp>
+        <p:nvSpPr>
+          <p:cNvPr id="35" name="TextBox 34">
+            <a:extLst>
+              <a:ext uri="{FF2B5EF4-FFF2-40B4-BE49-F238E27FC236}">
+                <a16:creationId xmlns:a16="http://schemas.microsoft.com/office/drawing/2014/main" id="{C92E9614-BF98-4D81-A567-856AF6F147B0}"/>
+              </a:ext>
+            </a:extLst>
+          </p:cNvPr>
+          <p:cNvSpPr txBox="1"/>
+          <p:nvPr/>
+        </p:nvSpPr>
+        <p:spPr>
+          <a:xfrm>
+            <a:off x="3088251" y="949135"/>
+            <a:ext cx="574768" cy="307777"/>
+          </a:xfrm>
+          <a:prstGeom prst="rect">
+            <a:avLst/>
+          </a:prstGeom>
+          <a:noFill/>
+        </p:spPr>
+        <p:txBody>
+          <a:bodyPr wrap="square" rtlCol="0">
+            <a:spAutoFit/>
+          </a:bodyPr>
+          <a:lstStyle/>
+          <a:p>
+            <a:pPr algn="ctr"/>
+            <a:r>
+              <a:rPr lang="en-IE" sz="1400" dirty="0">
+                <a:solidFill>
+                  <a:schemeClr val="tx2"/>
+                </a:solidFill>
+                <a:latin typeface="Segoe UI" panose="020B0502040204020203" pitchFamily="34" charset="0"/>
+                <a:cs typeface="Segoe UI" panose="020B0502040204020203" pitchFamily="34" charset="0"/>
+              </a:rPr>
+              <a:t>Get</a:t>
+            </a:r>
+          </a:p>
+        </p:txBody>
+      </p:sp>
+      <p:sp>
+        <p:nvSpPr>
+          <p:cNvPr id="40" name="TextBox 39">
+            <a:extLst>
+              <a:ext uri="{FF2B5EF4-FFF2-40B4-BE49-F238E27FC236}">
+                <a16:creationId xmlns:a16="http://schemas.microsoft.com/office/drawing/2014/main" id="{F1D5EFF1-05C1-4F26-A885-71FA0750C7DE}"/>
+              </a:ext>
+            </a:extLst>
+          </p:cNvPr>
+          <p:cNvSpPr txBox="1"/>
+          <p:nvPr/>
+        </p:nvSpPr>
+        <p:spPr>
+          <a:xfrm>
+            <a:off x="4198735" y="927842"/>
+            <a:ext cx="667764" cy="307777"/>
+          </a:xfrm>
+          <a:prstGeom prst="rect">
+            <a:avLst/>
+          </a:prstGeom>
+          <a:noFill/>
+        </p:spPr>
+        <p:txBody>
+          <a:bodyPr wrap="square" rtlCol="0">
+            <a:spAutoFit/>
+          </a:bodyPr>
+          <a:lstStyle/>
+          <a:p>
+            <a:pPr algn="ctr"/>
+            <a:r>
+              <a:rPr lang="en-IE" sz="1400" dirty="0">
+                <a:solidFill>
+                  <a:schemeClr val="tx2"/>
+                </a:solidFill>
+                <a:latin typeface="Segoe UI" panose="020B0502040204020203" pitchFamily="34" charset="0"/>
+                <a:cs typeface="Segoe UI" panose="020B0502040204020203" pitchFamily="34" charset="0"/>
+              </a:rPr>
+              <a:t>Store</a:t>
+            </a:r>
+          </a:p>
+        </p:txBody>
+      </p:sp>
+      <p:sp>
+        <p:nvSpPr>
+          <p:cNvPr id="41" name="TextBox 40">
+            <a:extLst>
+              <a:ext uri="{FF2B5EF4-FFF2-40B4-BE49-F238E27FC236}">
+                <a16:creationId xmlns:a16="http://schemas.microsoft.com/office/drawing/2014/main" id="{61D6C268-D9E1-4FFB-8164-20D2EA072A4B}"/>
+              </a:ext>
+            </a:extLst>
+          </p:cNvPr>
+          <p:cNvSpPr txBox="1"/>
+          <p:nvPr/>
+        </p:nvSpPr>
+        <p:spPr>
+          <a:xfrm>
+            <a:off x="5723499" y="808627"/>
+            <a:ext cx="945002" cy="523220"/>
+          </a:xfrm>
+          <a:prstGeom prst="rect">
+            <a:avLst/>
+          </a:prstGeom>
+          <a:noFill/>
+        </p:spPr>
+        <p:txBody>
+          <a:bodyPr wrap="square" rtlCol="0">
+            <a:spAutoFit/>
+          </a:bodyPr>
+          <a:lstStyle/>
+          <a:p>
+            <a:pPr algn="ctr"/>
+            <a:r>
+              <a:rPr lang="en-IE" sz="1400" dirty="0">
+                <a:solidFill>
+                  <a:schemeClr val="tx2"/>
+                </a:solidFill>
+                <a:latin typeface="Segoe UI" panose="020B0502040204020203" pitchFamily="34" charset="0"/>
+                <a:cs typeface="Segoe UI" panose="020B0502040204020203" pitchFamily="34" charset="0"/>
+              </a:rPr>
+              <a:t>Semantic</a:t>
+            </a:r>
+          </a:p>
+          <a:p>
+            <a:pPr algn="ctr"/>
+            <a:r>
+              <a:rPr lang="en-IE" sz="1400" dirty="0">
+                <a:solidFill>
+                  <a:schemeClr val="tx2"/>
+                </a:solidFill>
+                <a:latin typeface="Segoe UI" panose="020B0502040204020203" pitchFamily="34" charset="0"/>
+                <a:cs typeface="Segoe UI" panose="020B0502040204020203" pitchFamily="34" charset="0"/>
+              </a:rPr>
+              <a:t>Model</a:t>
+            </a:r>
+          </a:p>
+        </p:txBody>
+      </p:sp>
+      <p:sp>
+        <p:nvSpPr>
+          <p:cNvPr id="42" name="TextBox 41">
+            <a:extLst>
+              <a:ext uri="{FF2B5EF4-FFF2-40B4-BE49-F238E27FC236}">
+                <a16:creationId xmlns:a16="http://schemas.microsoft.com/office/drawing/2014/main" id="{8694B7E8-7285-4A9A-BFAA-A20024309646}"/>
+              </a:ext>
+            </a:extLst>
+          </p:cNvPr>
+          <p:cNvSpPr txBox="1"/>
+          <p:nvPr/>
+        </p:nvSpPr>
+        <p:spPr>
+          <a:xfrm>
+            <a:off x="7629033" y="824459"/>
+            <a:ext cx="668269" cy="523220"/>
+          </a:xfrm>
+          <a:prstGeom prst="rect">
+            <a:avLst/>
+          </a:prstGeom>
+          <a:noFill/>
+        </p:spPr>
+        <p:txBody>
+          <a:bodyPr wrap="square" rtlCol="0">
+            <a:spAutoFit/>
+          </a:bodyPr>
+          <a:lstStyle/>
+          <a:p>
+            <a:pPr algn="ctr"/>
+            <a:r>
+              <a:rPr lang="en-IE" sz="1400" dirty="0">
+                <a:solidFill>
+                  <a:schemeClr val="tx2"/>
+                </a:solidFill>
+                <a:latin typeface="Segoe UI" panose="020B0502040204020203" pitchFamily="34" charset="0"/>
+                <a:cs typeface="Segoe UI" panose="020B0502040204020203" pitchFamily="34" charset="0"/>
+              </a:rPr>
+              <a:t>Data Viz</a:t>
+            </a:r>
+          </a:p>
+        </p:txBody>
+      </p:sp>
+      <p:pic>
+        <p:nvPicPr>
+          <p:cNvPr id="43" name="Graphic 42" descr="Line arrow: Slight curve">
+            <a:extLst>
+              <a:ext uri="{FF2B5EF4-FFF2-40B4-BE49-F238E27FC236}">
+                <a16:creationId xmlns:a16="http://schemas.microsoft.com/office/drawing/2014/main" id="{07BE645B-E9F0-41CA-9E03-B347A9573F4C}"/>
+              </a:ext>
+            </a:extLst>
+          </p:cNvPr>
+          <p:cNvPicPr>
+            <a:picLocks noChangeAspect="1"/>
+          </p:cNvPicPr>
+          <p:nvPr/>
+        </p:nvPicPr>
+        <p:blipFill>
+          <a:blip r:embed="rId13">
+            <a:extLst>
+              <a:ext uri="{28A0092B-C50C-407E-A947-70E740481C1C}">
+                <a14:useLocalDpi xmlns:a14="http://schemas.microsoft.com/office/drawing/2010/main" val="0"/>
+              </a:ext>
+              <a:ext uri="{96DAC541-7B7A-43D3-8B79-37D633B846F1}">
+                <asvg:svgBlip xmlns:asvg="http://schemas.microsoft.com/office/drawing/2016/SVG/main" r:embed="rId14"/>
+              </a:ext>
+            </a:extLst>
+          </a:blip>
+          <a:stretch>
+            <a:fillRect/>
+          </a:stretch>
+        </p:blipFill>
+        <p:spPr>
+          <a:xfrm>
+            <a:off x="3061539" y="1653601"/>
+            <a:ext cx="668269" cy="573457"/>
+          </a:xfrm>
+          <a:prstGeom prst="rect">
+            <a:avLst/>
+          </a:prstGeom>
+        </p:spPr>
+      </p:pic>
+      <p:pic>
+        <p:nvPicPr>
+          <p:cNvPr id="45" name="Graphic 44" descr="Line arrow: Slight curve">
+            <a:extLst>
+              <a:ext uri="{FF2B5EF4-FFF2-40B4-BE49-F238E27FC236}">
+                <a16:creationId xmlns:a16="http://schemas.microsoft.com/office/drawing/2014/main" id="{D7391A4A-7F95-4BE5-8857-DC3A4E2F6696}"/>
+              </a:ext>
+            </a:extLst>
+          </p:cNvPr>
+          <p:cNvPicPr>
+            <a:picLocks noChangeAspect="1"/>
+          </p:cNvPicPr>
+          <p:nvPr/>
+        </p:nvPicPr>
+        <p:blipFill>
+          <a:blip r:embed="rId13">
+            <a:extLst>
+              <a:ext uri="{28A0092B-C50C-407E-A947-70E740481C1C}">
+                <a14:useLocalDpi xmlns:a14="http://schemas.microsoft.com/office/drawing/2010/main" val="0"/>
+              </a:ext>
+              <a:ext uri="{96DAC541-7B7A-43D3-8B79-37D633B846F1}">
+                <asvg:svgBlip xmlns:asvg="http://schemas.microsoft.com/office/drawing/2016/SVG/main" r:embed="rId14"/>
+              </a:ext>
+            </a:extLst>
+          </a:blip>
+          <a:stretch>
+            <a:fillRect/>
+          </a:stretch>
+        </p:blipFill>
+        <p:spPr>
+          <a:xfrm flipV="1">
+            <a:off x="5014976" y="1392202"/>
+            <a:ext cx="573457" cy="573457"/>
+          </a:xfrm>
+          <a:prstGeom prst="rect">
+            <a:avLst/>
+          </a:prstGeom>
+        </p:spPr>
+      </p:pic>
+      <p:pic>
+        <p:nvPicPr>
+          <p:cNvPr id="46" name="Graphic 45" descr="Line arrow: Counter-clockwise curve">
+            <a:extLst>
+              <a:ext uri="{FF2B5EF4-FFF2-40B4-BE49-F238E27FC236}">
+                <a16:creationId xmlns:a16="http://schemas.microsoft.com/office/drawing/2014/main" id="{2440F495-678B-4938-9E15-FA1C25E7FFD2}"/>
+              </a:ext>
+            </a:extLst>
+          </p:cNvPr>
+          <p:cNvPicPr>
+            <a:picLocks noChangeAspect="1"/>
+          </p:cNvPicPr>
+          <p:nvPr/>
+        </p:nvPicPr>
+        <p:blipFill>
+          <a:blip r:embed="rId15">
+            <a:extLst>
+              <a:ext uri="{28A0092B-C50C-407E-A947-70E740481C1C}">
+                <a14:useLocalDpi xmlns:a14="http://schemas.microsoft.com/office/drawing/2010/main" val="0"/>
+              </a:ext>
+              <a:ext uri="{96DAC541-7B7A-43D3-8B79-37D633B846F1}">
+                <asvg:svgBlip xmlns:asvg="http://schemas.microsoft.com/office/drawing/2016/SVG/main" r:embed="rId16"/>
+              </a:ext>
+            </a:extLst>
+          </a:blip>
+          <a:stretch>
+            <a:fillRect/>
+          </a:stretch>
+        </p:blipFill>
+        <p:spPr>
+          <a:xfrm rot="5400000">
+            <a:off x="6668501" y="1796574"/>
+            <a:ext cx="567035" cy="567035"/>
+          </a:xfrm>
+          <a:prstGeom prst="rect">
+            <a:avLst/>
+          </a:prstGeom>
+        </p:spPr>
+      </p:pic>
+      <p:sp>
+        <p:nvSpPr>
+          <p:cNvPr id="3" name="TextBox 2">
+            <a:extLst>
+              <a:ext uri="{FF2B5EF4-FFF2-40B4-BE49-F238E27FC236}">
+                <a16:creationId xmlns:a16="http://schemas.microsoft.com/office/drawing/2014/main" id="{7A47A6BA-8712-4485-BFF0-CFCA178E47C1}"/>
+              </a:ext>
+            </a:extLst>
+          </p:cNvPr>
+          <p:cNvSpPr txBox="1"/>
+          <p:nvPr/>
+        </p:nvSpPr>
+        <p:spPr>
+          <a:xfrm rot="20970401">
+            <a:off x="606028" y="942150"/>
+            <a:ext cx="1049471" cy="523220"/>
+          </a:xfrm>
+          <a:prstGeom prst="rect">
+            <a:avLst/>
+          </a:prstGeom>
+          <a:noFill/>
+          <a:ln>
+            <a:solidFill>
+              <a:srgbClr val="ED9800"/>
+            </a:solidFill>
+          </a:ln>
+        </p:spPr>
+        <p:txBody>
+          <a:bodyPr wrap="square" rtlCol="0">
+            <a:spAutoFit/>
+          </a:bodyPr>
+          <a:lstStyle/>
+          <a:p>
+            <a:pPr algn="ctr"/>
+            <a:r>
+              <a:rPr lang="en-IE" sz="1400" dirty="0">
+                <a:solidFill>
+                  <a:srgbClr val="0271AF"/>
+                </a:solidFill>
+                <a:latin typeface="Segoe UI" panose="020B0502040204020203" pitchFamily="34" charset="0"/>
+                <a:cs typeface="Segoe UI" panose="020B0502040204020203" pitchFamily="34" charset="0"/>
+              </a:rPr>
+              <a:t>Typical BI Solution</a:t>
+            </a:r>
+          </a:p>
+        </p:txBody>
+      </p:sp>
+      <p:sp>
+        <p:nvSpPr>
+          <p:cNvPr id="39" name="TextBox 38">
+            <a:extLst>
+              <a:ext uri="{FF2B5EF4-FFF2-40B4-BE49-F238E27FC236}">
+                <a16:creationId xmlns:a16="http://schemas.microsoft.com/office/drawing/2014/main" id="{DCE0DBA1-8C10-4C1C-BBA6-843A7DDDECCE}"/>
+              </a:ext>
+            </a:extLst>
+          </p:cNvPr>
+          <p:cNvSpPr txBox="1"/>
+          <p:nvPr/>
+        </p:nvSpPr>
+        <p:spPr>
+          <a:xfrm rot="371777">
+            <a:off x="8821343" y="2566939"/>
+            <a:ext cx="1217995" cy="523220"/>
+          </a:xfrm>
+          <a:prstGeom prst="rect">
+            <a:avLst/>
+          </a:prstGeom>
+          <a:solidFill>
+            <a:schemeClr val="bg1"/>
+          </a:solidFill>
+          <a:ln>
+            <a:solidFill>
+              <a:srgbClr val="ED9800"/>
+            </a:solidFill>
+          </a:ln>
+        </p:spPr>
+        <p:txBody>
+          <a:bodyPr wrap="square" rtlCol="0">
+            <a:spAutoFit/>
+          </a:bodyPr>
+          <a:lstStyle/>
+          <a:p>
+            <a:pPr algn="ctr"/>
+            <a:r>
+              <a:rPr lang="en-IE" sz="1400" dirty="0">
+                <a:solidFill>
+                  <a:srgbClr val="0271AF"/>
+                </a:solidFill>
+                <a:latin typeface="Segoe UI" panose="020B0502040204020203" pitchFamily="34" charset="0"/>
+                <a:cs typeface="Segoe UI" panose="020B0502040204020203" pitchFamily="34" charset="0"/>
+              </a:rPr>
+              <a:t>Tools &amp; Technology</a:t>
+            </a:r>
+          </a:p>
+        </p:txBody>
+      </p:sp>
+      <p:sp>
+        <p:nvSpPr>
+          <p:cNvPr id="48" name="TextBox 47">
+            <a:extLst>
+              <a:ext uri="{FF2B5EF4-FFF2-40B4-BE49-F238E27FC236}">
+                <a16:creationId xmlns:a16="http://schemas.microsoft.com/office/drawing/2014/main" id="{955E4227-A460-4108-AE95-230ADC8E4FB9}"/>
+              </a:ext>
+            </a:extLst>
+          </p:cNvPr>
+          <p:cNvSpPr txBox="1"/>
+          <p:nvPr/>
+        </p:nvSpPr>
+        <p:spPr>
+          <a:xfrm>
+            <a:off x="3563280" y="3833249"/>
+            <a:ext cx="1075936" cy="338554"/>
+          </a:xfrm>
+          <a:prstGeom prst="rect">
+            <a:avLst/>
+          </a:prstGeom>
+          <a:noFill/>
+        </p:spPr>
+        <p:txBody>
+          <a:bodyPr wrap="none" rtlCol="0">
+            <a:spAutoFit/>
+          </a:bodyPr>
+          <a:lstStyle>
+            <a:defPPr>
+              <a:defRPr lang="en-US"/>
+            </a:defPPr>
+            <a:lvl1pPr>
+              <a:defRPr sz="1600">
+                <a:solidFill>
+                  <a:schemeClr val="bg2">
+                    <a:lumMod val="50000"/>
+                  </a:schemeClr>
+                </a:solidFill>
+                <a:latin typeface="Segoe UI" panose="020B0502040204020203" pitchFamily="34" charset="0"/>
+                <a:cs typeface="Segoe UI" panose="020B0502040204020203" pitchFamily="34" charset="0"/>
+              </a:defRPr>
+            </a:lvl1pPr>
+          </a:lstStyle>
+          <a:p>
+            <a:pPr algn="ctr"/>
+            <a:r>
+              <a:rPr lang="en-IE" dirty="0">
+                <a:solidFill>
+                  <a:schemeClr val="accent1"/>
+                </a:solidFill>
+              </a:rPr>
+              <a:t>Dataflows</a:t>
+            </a:r>
+          </a:p>
+        </p:txBody>
+      </p:sp>
+      <p:sp>
+        <p:nvSpPr>
+          <p:cNvPr id="54" name="TextBox 53">
+            <a:extLst>
+              <a:ext uri="{FF2B5EF4-FFF2-40B4-BE49-F238E27FC236}">
+                <a16:creationId xmlns:a16="http://schemas.microsoft.com/office/drawing/2014/main" id="{1A89CC1C-1130-47AB-A137-E917C710D883}"/>
+              </a:ext>
+            </a:extLst>
+          </p:cNvPr>
+          <p:cNvSpPr txBox="1"/>
+          <p:nvPr/>
+        </p:nvSpPr>
+        <p:spPr>
+          <a:xfrm>
+            <a:off x="3462926" y="4409746"/>
+            <a:ext cx="1075936" cy="338554"/>
+          </a:xfrm>
+          <a:prstGeom prst="rect">
+            <a:avLst/>
+          </a:prstGeom>
+          <a:noFill/>
+        </p:spPr>
+        <p:txBody>
+          <a:bodyPr wrap="none" rtlCol="0">
+            <a:spAutoFit/>
+          </a:bodyPr>
+          <a:lstStyle>
+            <a:defPPr>
+              <a:defRPr lang="en-US"/>
+            </a:defPPr>
+            <a:lvl1pPr>
+              <a:defRPr sz="1600">
+                <a:solidFill>
+                  <a:schemeClr val="bg2">
+                    <a:lumMod val="50000"/>
+                  </a:schemeClr>
+                </a:solidFill>
+                <a:latin typeface="Segoe UI" panose="020B0502040204020203" pitchFamily="34" charset="0"/>
+                <a:cs typeface="Segoe UI" panose="020B0502040204020203" pitchFamily="34" charset="0"/>
+              </a:defRPr>
+            </a:lvl1pPr>
+          </a:lstStyle>
+          <a:p>
+            <a:pPr algn="ctr"/>
+            <a:r>
+              <a:rPr lang="en-IE" dirty="0"/>
+              <a:t>Dataflows</a:t>
+            </a:r>
+          </a:p>
+        </p:txBody>
+      </p:sp>
+      <p:sp>
+        <p:nvSpPr>
+          <p:cNvPr id="55" name="Rectangle 54">
+            <a:extLst>
+              <a:ext uri="{FF2B5EF4-FFF2-40B4-BE49-F238E27FC236}">
+                <a16:creationId xmlns:a16="http://schemas.microsoft.com/office/drawing/2014/main" id="{40121A50-09A6-4B63-BE4C-C8046065CF70}"/>
+              </a:ext>
+            </a:extLst>
+          </p:cNvPr>
+          <p:cNvSpPr/>
+          <p:nvPr/>
+        </p:nvSpPr>
+        <p:spPr>
+          <a:xfrm>
+            <a:off x="392306" y="4298103"/>
+            <a:ext cx="8531604" cy="353420"/>
+          </a:xfrm>
+          <a:prstGeom prst="rect">
+            <a:avLst/>
+          </a:prstGeom>
+          <a:ln w="3175"/>
+        </p:spPr>
+        <p:style>
+          <a:lnRef idx="2">
+            <a:schemeClr val="accent3"/>
+          </a:lnRef>
+          <a:fillRef idx="1">
+            <a:schemeClr val="lt1"/>
+          </a:fillRef>
+          <a:effectRef idx="0">
+            <a:schemeClr val="accent3"/>
+          </a:effectRef>
+          <a:fontRef idx="minor">
+            <a:schemeClr val="dk1"/>
+          </a:fontRef>
+        </p:style>
+        <p:txBody>
+          <a:bodyPr rtlCol="0" anchor="ctr"/>
+          <a:lstStyle/>
+          <a:p>
+            <a:pPr algn="ctr"/>
+            <a:endParaRPr lang="en-IE"/>
+          </a:p>
+        </p:txBody>
+      </p:sp>
+      <p:sp>
+        <p:nvSpPr>
+          <p:cNvPr id="56" name="TextBox 55">
+            <a:extLst>
+              <a:ext uri="{FF2B5EF4-FFF2-40B4-BE49-F238E27FC236}">
+                <a16:creationId xmlns:a16="http://schemas.microsoft.com/office/drawing/2014/main" id="{413C296B-A8F1-4DD9-B646-27A93142C7BD}"/>
+              </a:ext>
+            </a:extLst>
+          </p:cNvPr>
+          <p:cNvSpPr txBox="1"/>
+          <p:nvPr/>
+        </p:nvSpPr>
+        <p:spPr>
+          <a:xfrm>
+            <a:off x="2698430" y="4310159"/>
+            <a:ext cx="1354410" cy="338554"/>
+          </a:xfrm>
+          <a:prstGeom prst="rect">
+            <a:avLst/>
+          </a:prstGeom>
+          <a:noFill/>
+        </p:spPr>
+        <p:txBody>
+          <a:bodyPr wrap="none" rtlCol="0">
+            <a:spAutoFit/>
+          </a:bodyPr>
+          <a:lstStyle/>
+          <a:p>
+            <a:pPr algn="ctr"/>
+            <a:r>
+              <a:rPr lang="en-IE" sz="1600" dirty="0">
+                <a:solidFill>
+                  <a:schemeClr val="bg2">
+                    <a:lumMod val="50000"/>
+                  </a:schemeClr>
+                </a:solidFill>
+                <a:latin typeface="Segoe UI" panose="020B0502040204020203" pitchFamily="34" charset="0"/>
+                <a:cs typeface="Segoe UI" panose="020B0502040204020203" pitchFamily="34" charset="0"/>
+              </a:rPr>
+              <a:t>Power Query</a:t>
+            </a:r>
+          </a:p>
+        </p:txBody>
+      </p:sp>
+      <p:sp>
+        <p:nvSpPr>
+          <p:cNvPr id="57" name="TextBox 56">
+            <a:extLst>
+              <a:ext uri="{FF2B5EF4-FFF2-40B4-BE49-F238E27FC236}">
+                <a16:creationId xmlns:a16="http://schemas.microsoft.com/office/drawing/2014/main" id="{03EE7111-6650-4440-9331-58F53AA8BEB4}"/>
+              </a:ext>
+            </a:extLst>
+          </p:cNvPr>
+          <p:cNvSpPr txBox="1"/>
+          <p:nvPr/>
+        </p:nvSpPr>
+        <p:spPr>
+          <a:xfrm>
+            <a:off x="5677310" y="4305536"/>
+            <a:ext cx="987771" cy="338554"/>
+          </a:xfrm>
+          <a:prstGeom prst="rect">
+            <a:avLst/>
+          </a:prstGeom>
+          <a:noFill/>
+        </p:spPr>
+        <p:txBody>
+          <a:bodyPr wrap="none" rtlCol="0">
+            <a:spAutoFit/>
+          </a:bodyPr>
+          <a:lstStyle/>
+          <a:p>
+            <a:pPr algn="ctr"/>
+            <a:r>
+              <a:rPr lang="en-IE" sz="1600" dirty="0">
+                <a:solidFill>
+                  <a:schemeClr val="bg2">
+                    <a:lumMod val="50000"/>
+                  </a:schemeClr>
+                </a:solidFill>
+                <a:latin typeface="Segoe UI" panose="020B0502040204020203" pitchFamily="34" charset="0"/>
+                <a:cs typeface="Segoe UI" panose="020B0502040204020203" pitchFamily="34" charset="0"/>
+              </a:rPr>
+              <a:t>PBI SSAS</a:t>
+            </a:r>
+          </a:p>
+        </p:txBody>
+      </p:sp>
+      <p:sp>
+        <p:nvSpPr>
+          <p:cNvPr id="58" name="TextBox 57">
+            <a:extLst>
+              <a:ext uri="{FF2B5EF4-FFF2-40B4-BE49-F238E27FC236}">
+                <a16:creationId xmlns:a16="http://schemas.microsoft.com/office/drawing/2014/main" id="{863DD849-F30C-4B9C-966A-473C60AC14BF}"/>
+              </a:ext>
+            </a:extLst>
+          </p:cNvPr>
+          <p:cNvSpPr txBox="1"/>
+          <p:nvPr/>
+        </p:nvSpPr>
+        <p:spPr>
+          <a:xfrm>
+            <a:off x="7473110" y="4305536"/>
+            <a:ext cx="798617" cy="338554"/>
+          </a:xfrm>
+          <a:prstGeom prst="rect">
+            <a:avLst/>
+          </a:prstGeom>
+          <a:noFill/>
+        </p:spPr>
+        <p:txBody>
+          <a:bodyPr wrap="none" rtlCol="0">
+            <a:spAutoFit/>
+          </a:bodyPr>
+          <a:lstStyle>
+            <a:defPPr>
+              <a:defRPr lang="en-US"/>
+            </a:defPPr>
+            <a:lvl1pPr>
+              <a:defRPr sz="1600">
+                <a:solidFill>
+                  <a:schemeClr val="bg2">
+                    <a:lumMod val="50000"/>
+                  </a:schemeClr>
+                </a:solidFill>
+                <a:latin typeface="Segoe UI" panose="020B0502040204020203" pitchFamily="34" charset="0"/>
+                <a:cs typeface="Segoe UI" panose="020B0502040204020203" pitchFamily="34" charset="0"/>
+              </a:defRPr>
+            </a:lvl1pPr>
+          </a:lstStyle>
+          <a:p>
+            <a:pPr algn="ctr"/>
+            <a:r>
+              <a:rPr lang="en-IE" dirty="0"/>
+              <a:t>PBI Viz</a:t>
+            </a:r>
+          </a:p>
+        </p:txBody>
+      </p:sp>
+      <p:sp>
+        <p:nvSpPr>
+          <p:cNvPr id="59" name="TextBox 58">
+            <a:extLst>
+              <a:ext uri="{FF2B5EF4-FFF2-40B4-BE49-F238E27FC236}">
+                <a16:creationId xmlns:a16="http://schemas.microsoft.com/office/drawing/2014/main" id="{9DFEC0E8-EFEA-4B02-B660-3C735E2B1A98}"/>
+              </a:ext>
+            </a:extLst>
+          </p:cNvPr>
+          <p:cNvSpPr txBox="1"/>
+          <p:nvPr/>
+        </p:nvSpPr>
+        <p:spPr>
+          <a:xfrm>
+            <a:off x="384179" y="4310269"/>
+            <a:ext cx="1718868" cy="338554"/>
+          </a:xfrm>
+          <a:prstGeom prst="rect">
+            <a:avLst/>
+          </a:prstGeom>
+          <a:noFill/>
+        </p:spPr>
+        <p:txBody>
+          <a:bodyPr wrap="none" rtlCol="0">
+            <a:spAutoFit/>
+          </a:bodyPr>
+          <a:lstStyle/>
+          <a:p>
+            <a:r>
+              <a:rPr lang="en-IE" sz="1600" dirty="0">
+                <a:solidFill>
+                  <a:schemeClr val="tx2"/>
+                </a:solidFill>
+                <a:latin typeface="Segoe UI" panose="020B0502040204020203" pitchFamily="34" charset="0"/>
+                <a:cs typeface="Segoe UI" panose="020B0502040204020203" pitchFamily="34" charset="0"/>
+              </a:rPr>
+              <a:t>Power BI Evolved</a:t>
+            </a:r>
+          </a:p>
+        </p:txBody>
+      </p:sp>
+      <p:sp>
+        <p:nvSpPr>
+          <p:cNvPr id="60" name="TextBox 59">
+            <a:extLst>
+              <a:ext uri="{FF2B5EF4-FFF2-40B4-BE49-F238E27FC236}">
+                <a16:creationId xmlns:a16="http://schemas.microsoft.com/office/drawing/2014/main" id="{922CE69B-D550-46EC-A9E2-44C14D15E109}"/>
+              </a:ext>
+            </a:extLst>
+          </p:cNvPr>
+          <p:cNvSpPr txBox="1"/>
+          <p:nvPr/>
+        </p:nvSpPr>
+        <p:spPr>
+          <a:xfrm>
+            <a:off x="4229362" y="4305861"/>
+            <a:ext cx="639919" cy="338554"/>
+          </a:xfrm>
+          <a:prstGeom prst="rect">
+            <a:avLst/>
+          </a:prstGeom>
+          <a:noFill/>
+        </p:spPr>
+        <p:txBody>
+          <a:bodyPr wrap="none" rtlCol="0">
+            <a:spAutoFit/>
+          </a:bodyPr>
+          <a:lstStyle/>
+          <a:p>
+            <a:pPr algn="ctr"/>
+            <a:r>
+              <a:rPr lang="en-IE" sz="1600" dirty="0">
+                <a:solidFill>
+                  <a:schemeClr val="bg2">
+                    <a:lumMod val="50000"/>
+                  </a:schemeClr>
+                </a:solidFill>
+                <a:latin typeface="Segoe UI" panose="020B0502040204020203" pitchFamily="34" charset="0"/>
+                <a:cs typeface="Segoe UI" panose="020B0502040204020203" pitchFamily="34" charset="0"/>
+              </a:rPr>
+              <a:t>CDM</a:t>
+            </a:r>
+          </a:p>
+        </p:txBody>
+      </p:sp>
+      <p:sp>
+        <p:nvSpPr>
+          <p:cNvPr id="61" name="TextBox 60">
+            <a:extLst>
+              <a:ext uri="{FF2B5EF4-FFF2-40B4-BE49-F238E27FC236}">
+                <a16:creationId xmlns:a16="http://schemas.microsoft.com/office/drawing/2014/main" id="{326CD1B8-CCFB-469C-B07C-015D222A4893}"/>
+              </a:ext>
+            </a:extLst>
+          </p:cNvPr>
+          <p:cNvSpPr txBox="1"/>
+          <p:nvPr/>
+        </p:nvSpPr>
+        <p:spPr>
+          <a:xfrm>
+            <a:off x="5723499" y="3502624"/>
+            <a:ext cx="945002" cy="830997"/>
+          </a:xfrm>
+          <a:prstGeom prst="rect">
+            <a:avLst/>
+          </a:prstGeom>
+          <a:noFill/>
+        </p:spPr>
+        <p:txBody>
+          <a:bodyPr wrap="square" rtlCol="0">
+            <a:spAutoFit/>
+          </a:bodyPr>
+          <a:lstStyle>
+            <a:defPPr>
+              <a:defRPr lang="en-US"/>
+            </a:defPPr>
+            <a:lvl1pPr>
+              <a:defRPr sz="1600">
+                <a:solidFill>
+                  <a:schemeClr val="bg2">
+                    <a:lumMod val="50000"/>
+                  </a:schemeClr>
+                </a:solidFill>
+                <a:latin typeface="Segoe UI" panose="020B0502040204020203" pitchFamily="34" charset="0"/>
+                <a:cs typeface="Segoe UI" panose="020B0502040204020203" pitchFamily="34" charset="0"/>
+              </a:defRPr>
+            </a:lvl1pPr>
+          </a:lstStyle>
+          <a:p>
+            <a:pPr algn="ctr"/>
+            <a:r>
+              <a:rPr lang="en-IE" dirty="0">
+                <a:solidFill>
+                  <a:schemeClr val="accent1"/>
+                </a:solidFill>
+              </a:rPr>
+              <a:t>Shared Data Model</a:t>
+            </a:r>
+          </a:p>
+        </p:txBody>
+      </p:sp>
+      <p:sp>
+        <p:nvSpPr>
+          <p:cNvPr id="62" name="TextBox 61">
+            <a:extLst>
+              <a:ext uri="{FF2B5EF4-FFF2-40B4-BE49-F238E27FC236}">
+                <a16:creationId xmlns:a16="http://schemas.microsoft.com/office/drawing/2014/main" id="{B8CC4763-E76C-49B5-BA65-DBC22272B110}"/>
+              </a:ext>
+            </a:extLst>
+          </p:cNvPr>
+          <p:cNvSpPr txBox="1"/>
+          <p:nvPr/>
+        </p:nvSpPr>
+        <p:spPr>
+          <a:xfrm>
+            <a:off x="7305876" y="3459673"/>
+            <a:ext cx="1430058" cy="830997"/>
+          </a:xfrm>
+          <a:prstGeom prst="rect">
+            <a:avLst/>
+          </a:prstGeom>
+          <a:noFill/>
+        </p:spPr>
+        <p:txBody>
+          <a:bodyPr wrap="square" rtlCol="0">
+            <a:spAutoFit/>
+          </a:bodyPr>
+          <a:lstStyle>
+            <a:defPPr>
+              <a:defRPr lang="en-US"/>
+            </a:defPPr>
+            <a:lvl1pPr>
+              <a:defRPr sz="1600">
+                <a:solidFill>
+                  <a:schemeClr val="bg2">
+                    <a:lumMod val="50000"/>
+                  </a:schemeClr>
+                </a:solidFill>
+                <a:latin typeface="Segoe UI" panose="020B0502040204020203" pitchFamily="34" charset="0"/>
+                <a:cs typeface="Segoe UI" panose="020B0502040204020203" pitchFamily="34" charset="0"/>
+              </a:defRPr>
+            </a:lvl1pPr>
+          </a:lstStyle>
+          <a:p>
+            <a:pPr algn="ctr"/>
+            <a:r>
+              <a:rPr lang="en-IE" dirty="0">
+                <a:solidFill>
+                  <a:schemeClr val="accent1"/>
+                </a:solidFill>
+              </a:rPr>
+              <a:t>Live</a:t>
+            </a:r>
+          </a:p>
+          <a:p>
+            <a:pPr algn="ctr"/>
+            <a:r>
+              <a:rPr lang="en-IE" dirty="0">
+                <a:solidFill>
+                  <a:schemeClr val="accent1"/>
+                </a:solidFill>
+              </a:rPr>
+              <a:t>Connection Reports</a:t>
+            </a:r>
+          </a:p>
+        </p:txBody>
+      </p:sp>
+      <p:pic>
+        <p:nvPicPr>
+          <p:cNvPr id="63" name="Picture 62">
+            <a:extLst>
+              <a:ext uri="{FF2B5EF4-FFF2-40B4-BE49-F238E27FC236}">
+                <a16:creationId xmlns:a16="http://schemas.microsoft.com/office/drawing/2014/main" id="{DB4E7D3D-3E1A-4905-9165-31271319E257}"/>
+              </a:ext>
+            </a:extLst>
+          </p:cNvPr>
+          <p:cNvPicPr>
+            <a:picLocks noChangeAspect="1"/>
+          </p:cNvPicPr>
+          <p:nvPr/>
+        </p:nvPicPr>
+        <p:blipFill>
+          <a:blip r:embed="rId17"/>
+          <a:stretch>
+            <a:fillRect/>
+          </a:stretch>
+        </p:blipFill>
+        <p:spPr>
+          <a:xfrm>
+            <a:off x="5378592" y="5028691"/>
+            <a:ext cx="1620042" cy="918885"/>
+          </a:xfrm>
+          <a:prstGeom prst="rect">
+            <a:avLst/>
+          </a:prstGeom>
+        </p:spPr>
+      </p:pic>
+      <p:pic>
+        <p:nvPicPr>
+          <p:cNvPr id="64" name="Picture 63">
+            <a:extLst>
+              <a:ext uri="{FF2B5EF4-FFF2-40B4-BE49-F238E27FC236}">
+                <a16:creationId xmlns:a16="http://schemas.microsoft.com/office/drawing/2014/main" id="{87B46D08-E3BC-4B63-8F44-DDA0D5CBBD0A}"/>
+              </a:ext>
+            </a:extLst>
+          </p:cNvPr>
+          <p:cNvPicPr>
+            <a:picLocks noChangeAspect="1"/>
+          </p:cNvPicPr>
+          <p:nvPr/>
+        </p:nvPicPr>
+        <p:blipFill>
+          <a:blip r:embed="rId17"/>
+          <a:stretch>
+            <a:fillRect/>
+          </a:stretch>
+        </p:blipFill>
+        <p:spPr>
+          <a:xfrm>
+            <a:off x="7689970" y="4792781"/>
+            <a:ext cx="840059" cy="476480"/>
+          </a:xfrm>
+          <a:prstGeom prst="rect">
+            <a:avLst/>
+          </a:prstGeom>
+        </p:spPr>
+      </p:pic>
+      <p:pic>
+        <p:nvPicPr>
+          <p:cNvPr id="66" name="Picture 65">
+            <a:extLst>
+              <a:ext uri="{FF2B5EF4-FFF2-40B4-BE49-F238E27FC236}">
+                <a16:creationId xmlns:a16="http://schemas.microsoft.com/office/drawing/2014/main" id="{2CE8985B-8C64-4EE1-B53E-6C385DB7DA20}"/>
+              </a:ext>
+            </a:extLst>
+          </p:cNvPr>
+          <p:cNvPicPr>
+            <a:picLocks noChangeAspect="1"/>
+          </p:cNvPicPr>
+          <p:nvPr/>
+        </p:nvPicPr>
+        <p:blipFill>
+          <a:blip r:embed="rId17"/>
+          <a:stretch>
+            <a:fillRect/>
+          </a:stretch>
+        </p:blipFill>
+        <p:spPr>
+          <a:xfrm>
+            <a:off x="8111005" y="5198840"/>
+            <a:ext cx="840059" cy="476480"/>
+          </a:xfrm>
+          <a:prstGeom prst="rect">
+            <a:avLst/>
+          </a:prstGeom>
+        </p:spPr>
+      </p:pic>
+      <p:pic>
+        <p:nvPicPr>
+          <p:cNvPr id="68" name="Graphic 67" descr="Ethernet">
+            <a:extLst>
+              <a:ext uri="{FF2B5EF4-FFF2-40B4-BE49-F238E27FC236}">
+                <a16:creationId xmlns:a16="http://schemas.microsoft.com/office/drawing/2014/main" id="{1449B13C-C934-40E8-94E1-B2C14A5E2661}"/>
+              </a:ext>
+            </a:extLst>
+          </p:cNvPr>
+          <p:cNvPicPr>
+            <a:picLocks noChangeAspect="1"/>
+          </p:cNvPicPr>
+          <p:nvPr/>
+        </p:nvPicPr>
+        <p:blipFill>
+          <a:blip r:embed="rId18">
+            <a:extLst>
+              <a:ext uri="{28A0092B-C50C-407E-A947-70E740481C1C}">
+                <a14:useLocalDpi xmlns:a14="http://schemas.microsoft.com/office/drawing/2010/main" val="0"/>
+              </a:ext>
+              <a:ext uri="{96DAC541-7B7A-43D3-8B79-37D633B846F1}">
+                <asvg:svgBlip xmlns:asvg="http://schemas.microsoft.com/office/drawing/2016/SVG/main" r:embed="rId19"/>
+              </a:ext>
+            </a:extLst>
+          </a:blip>
+          <a:stretch>
+            <a:fillRect/>
+          </a:stretch>
+        </p:blipFill>
+        <p:spPr>
+          <a:xfrm>
+            <a:off x="2839518" y="5190358"/>
+            <a:ext cx="395681" cy="395681"/>
+          </a:xfrm>
+          <a:prstGeom prst="rect">
+            <a:avLst/>
+          </a:prstGeom>
+        </p:spPr>
+      </p:pic>
+      <p:pic>
+        <p:nvPicPr>
+          <p:cNvPr id="11" name="Graphic 10">
+            <a:extLst>
+              <a:ext uri="{FF2B5EF4-FFF2-40B4-BE49-F238E27FC236}">
+                <a16:creationId xmlns:a16="http://schemas.microsoft.com/office/drawing/2014/main" id="{4929088E-24A1-43ED-BF3B-DE6EDF072C66}"/>
+              </a:ext>
+            </a:extLst>
+          </p:cNvPr>
+          <p:cNvPicPr>
+            <a:picLocks noChangeAspect="1"/>
+          </p:cNvPicPr>
+          <p:nvPr/>
+        </p:nvPicPr>
+        <p:blipFill>
+          <a:blip r:embed="rId20">
+            <a:extLst>
+              <a:ext uri="{28A0092B-C50C-407E-A947-70E740481C1C}">
+                <a14:useLocalDpi xmlns:a14="http://schemas.microsoft.com/office/drawing/2010/main" val="0"/>
+              </a:ext>
+              <a:ext uri="{96DAC541-7B7A-43D3-8B79-37D633B846F1}">
+                <asvg:svgBlip xmlns:asvg="http://schemas.microsoft.com/office/drawing/2016/SVG/main" r:embed="rId21"/>
+              </a:ext>
+            </a:extLst>
+          </a:blip>
+          <a:stretch>
+            <a:fillRect/>
+          </a:stretch>
+        </p:blipFill>
+        <p:spPr>
+          <a:xfrm>
+            <a:off x="4241205" y="5101515"/>
+            <a:ext cx="581201" cy="581201"/>
+          </a:xfrm>
+          <a:prstGeom prst="rect">
+            <a:avLst/>
+          </a:prstGeom>
+        </p:spPr>
+      </p:pic>
+      <p:sp>
+        <p:nvSpPr>
+          <p:cNvPr id="69" name="Cube 68">
+            <a:extLst>
+              <a:ext uri="{FF2B5EF4-FFF2-40B4-BE49-F238E27FC236}">
+                <a16:creationId xmlns:a16="http://schemas.microsoft.com/office/drawing/2014/main" id="{6DFF0394-F28E-479C-B927-4B09DD4DDDF4}"/>
+              </a:ext>
+            </a:extLst>
+          </p:cNvPr>
+          <p:cNvSpPr/>
+          <p:nvPr/>
+        </p:nvSpPr>
+        <p:spPr>
+          <a:xfrm>
+            <a:off x="5463006" y="5540541"/>
+            <a:ext cx="331782" cy="334012"/>
+          </a:xfrm>
+          <a:prstGeom prst="cube">
+            <a:avLst>
+              <a:gd name="adj" fmla="val 14691"/>
+            </a:avLst>
+          </a:prstGeom>
+          <a:ln w="9525"/>
+        </p:spPr>
+        <p:style>
+          <a:lnRef idx="2">
+            <a:schemeClr val="accent5"/>
+          </a:lnRef>
+          <a:fillRef idx="1">
+            <a:schemeClr val="lt1"/>
+          </a:fillRef>
+          <a:effectRef idx="0">
+            <a:schemeClr val="accent5"/>
+          </a:effectRef>
+          <a:fontRef idx="minor">
+            <a:schemeClr val="dk1"/>
+          </a:fontRef>
+        </p:style>
+        <p:txBody>
+          <a:bodyPr rtlCol="0" anchor="ctr"/>
+          <a:lstStyle/>
+          <a:p>
+            <a:pPr algn="ctr"/>
+            <a:endParaRPr lang="en-IE"/>
+          </a:p>
+        </p:txBody>
+      </p:sp>
+      <p:pic>
+        <p:nvPicPr>
+          <p:cNvPr id="71" name="Graphic 70" descr="Statistics">
+            <a:extLst>
+              <a:ext uri="{FF2B5EF4-FFF2-40B4-BE49-F238E27FC236}">
+                <a16:creationId xmlns:a16="http://schemas.microsoft.com/office/drawing/2014/main" id="{15ED7DD8-C041-4EC9-B423-76E27A9CF9E1}"/>
+              </a:ext>
+            </a:extLst>
+          </p:cNvPr>
+          <p:cNvPicPr>
+            <a:picLocks noChangeAspect="1"/>
+          </p:cNvPicPr>
+          <p:nvPr/>
+        </p:nvPicPr>
+        <p:blipFill>
+          <a:blip r:embed="rId7">
+            <a:extLst>
+              <a:ext uri="{28A0092B-C50C-407E-A947-70E740481C1C}">
+                <a14:useLocalDpi xmlns:a14="http://schemas.microsoft.com/office/drawing/2010/main" val="0"/>
+              </a:ext>
+              <a:ext uri="{96DAC541-7B7A-43D3-8B79-37D633B846F1}">
+                <asvg:svgBlip xmlns:asvg="http://schemas.microsoft.com/office/drawing/2016/SVG/main" r:embed="rId8"/>
+              </a:ext>
+            </a:extLst>
+          </a:blip>
+          <a:stretch>
+            <a:fillRect/>
+          </a:stretch>
+        </p:blipFill>
+        <p:spPr>
+          <a:xfrm>
+            <a:off x="8115978" y="5374768"/>
+            <a:ext cx="311497" cy="311497"/>
+          </a:xfrm>
+          <a:prstGeom prst="rect">
+            <a:avLst/>
+          </a:prstGeom>
+        </p:spPr>
+      </p:pic>
+      <p:pic>
+        <p:nvPicPr>
+          <p:cNvPr id="67" name="Picture 66">
+            <a:extLst>
+              <a:ext uri="{FF2B5EF4-FFF2-40B4-BE49-F238E27FC236}">
+                <a16:creationId xmlns:a16="http://schemas.microsoft.com/office/drawing/2014/main" id="{71D20023-C1BB-4821-9294-508F317875CA}"/>
+              </a:ext>
+            </a:extLst>
+          </p:cNvPr>
+          <p:cNvPicPr>
+            <a:picLocks noChangeAspect="1"/>
+          </p:cNvPicPr>
+          <p:nvPr/>
+        </p:nvPicPr>
+        <p:blipFill>
+          <a:blip r:embed="rId17"/>
+          <a:stretch>
+            <a:fillRect/>
+          </a:stretch>
+        </p:blipFill>
+        <p:spPr>
+          <a:xfrm>
+            <a:off x="7723675" y="5604899"/>
+            <a:ext cx="840059" cy="476480"/>
+          </a:xfrm>
+          <a:prstGeom prst="rect">
+            <a:avLst/>
+          </a:prstGeom>
+        </p:spPr>
+      </p:pic>
+      <p:pic>
+        <p:nvPicPr>
+          <p:cNvPr id="70" name="Graphic 69" descr="Statistics">
+            <a:extLst>
+              <a:ext uri="{FF2B5EF4-FFF2-40B4-BE49-F238E27FC236}">
+                <a16:creationId xmlns:a16="http://schemas.microsoft.com/office/drawing/2014/main" id="{571B4731-D093-43BD-8096-C96B4D14C1CD}"/>
+              </a:ext>
+            </a:extLst>
+          </p:cNvPr>
+          <p:cNvPicPr>
+            <a:picLocks noChangeAspect="1"/>
+          </p:cNvPicPr>
+          <p:nvPr/>
+        </p:nvPicPr>
+        <p:blipFill>
+          <a:blip r:embed="rId7">
+            <a:extLst>
+              <a:ext uri="{28A0092B-C50C-407E-A947-70E740481C1C}">
+                <a14:useLocalDpi xmlns:a14="http://schemas.microsoft.com/office/drawing/2010/main" val="0"/>
+              </a:ext>
+              <a:ext uri="{96DAC541-7B7A-43D3-8B79-37D633B846F1}">
+                <asvg:svgBlip xmlns:asvg="http://schemas.microsoft.com/office/drawing/2016/SVG/main" r:embed="rId8"/>
+              </a:ext>
+            </a:extLst>
+          </a:blip>
+          <a:stretch>
+            <a:fillRect/>
+          </a:stretch>
+        </p:blipFill>
+        <p:spPr>
+          <a:xfrm>
+            <a:off x="7683228" y="4945767"/>
+            <a:ext cx="311497" cy="311497"/>
+          </a:xfrm>
+          <a:prstGeom prst="rect">
+            <a:avLst/>
+          </a:prstGeom>
+        </p:spPr>
+      </p:pic>
+      <p:pic>
+        <p:nvPicPr>
+          <p:cNvPr id="72" name="Graphic 71" descr="Statistics">
+            <a:extLst>
+              <a:ext uri="{FF2B5EF4-FFF2-40B4-BE49-F238E27FC236}">
+                <a16:creationId xmlns:a16="http://schemas.microsoft.com/office/drawing/2014/main" id="{9CE15EF4-FDB4-4787-8DA2-A7C7395EE2E4}"/>
+              </a:ext>
+            </a:extLst>
+          </p:cNvPr>
+          <p:cNvPicPr>
+            <a:picLocks noChangeAspect="1"/>
+          </p:cNvPicPr>
+          <p:nvPr/>
+        </p:nvPicPr>
+        <p:blipFill>
+          <a:blip r:embed="rId7">
+            <a:extLst>
+              <a:ext uri="{28A0092B-C50C-407E-A947-70E740481C1C}">
+                <a14:useLocalDpi xmlns:a14="http://schemas.microsoft.com/office/drawing/2010/main" val="0"/>
+              </a:ext>
+              <a:ext uri="{96DAC541-7B7A-43D3-8B79-37D633B846F1}">
+                <asvg:svgBlip xmlns:asvg="http://schemas.microsoft.com/office/drawing/2016/SVG/main" r:embed="rId8"/>
+              </a:ext>
+            </a:extLst>
+          </a:blip>
+          <a:stretch>
+            <a:fillRect/>
+          </a:stretch>
+        </p:blipFill>
+        <p:spPr>
+          <a:xfrm>
+            <a:off x="7723675" y="5759786"/>
+            <a:ext cx="311497" cy="311497"/>
+          </a:xfrm>
+          <a:prstGeom prst="rect">
+            <a:avLst/>
+          </a:prstGeom>
+        </p:spPr>
+      </p:pic>
+    </p:spTree>
+    <p:extLst>
+      <p:ext uri="{BB962C8B-B14F-4D97-AF65-F5344CB8AC3E}">
+        <p14:creationId xmlns:p14="http://schemas.microsoft.com/office/powerpoint/2010/main" val="1017425111"/>
+      </p:ext>
+    </p:extLst>
+  </p:cSld>
+  <p:clrMapOvr>
+    <a:masterClrMapping/>
+  </p:clrMapOvr>
+</p:sld>
+</file>
+
+<file path=ppt/slides/slide11.xml><?xml version="1.0" encoding="utf-8"?>
 <p:sld xmlns:a="http://schemas.openxmlformats.org/drawingml/2006/main" xmlns:r="http://schemas.openxmlformats.org/officeDocument/2006/relationships" xmlns:p="http://schemas.openxmlformats.org/presentationml/2006/main" show="0">
   <p:cSld>
     <p:spTree>
@@ -9836,8 +12110,8 @@
         </p:nvSpPr>
         <p:spPr>
           <a:xfrm>
-            <a:off x="647591" y="1493240"/>
-            <a:ext cx="6506606" cy="3046988"/>
+            <a:off x="504978" y="1086932"/>
+            <a:ext cx="8504798" cy="3785652"/>
           </a:xfrm>
           <a:prstGeom prst="rect">
             <a:avLst/>
@@ -9915,7 +12189,7 @@
                 <a:latin typeface="Segoe UI" panose="020B0502040204020203" pitchFamily="34" charset="0"/>
                 <a:cs typeface="Segoe UI" panose="020B0502040204020203" pitchFamily="34" charset="0"/>
               </a:rPr>
-              <a:t>Keep simple models simple</a:t>
+              <a:t>Keep simple models simple.</a:t>
             </a:r>
           </a:p>
           <a:p>
@@ -9939,11 +12213,30 @@
                 <a:latin typeface="Segoe UI" panose="020B0502040204020203" pitchFamily="34" charset="0"/>
                 <a:cs typeface="Segoe UI" panose="020B0502040204020203" pitchFamily="34" charset="0"/>
               </a:rPr>
-              <a:t>Use evolved architecture </a:t>
+              <a:t>Consider Shared Datasets or Dataflows:</a:t>
             </a:r>
           </a:p>
           <a:p>
             <a:pPr marL="285750" indent="-285750">
+              <a:buFont typeface="Arial" panose="020B0604020202020204" pitchFamily="34" charset="0"/>
+              <a:buChar char="•"/>
+            </a:pPr>
+            <a:r>
+              <a:rPr lang="en-US" sz="2400" dirty="0">
+                <a:solidFill>
+                  <a:schemeClr val="tx1">
+                    <a:lumMod val="65000"/>
+                    <a:lumOff val="35000"/>
+                  </a:schemeClr>
+                </a:solidFill>
+                <a:latin typeface="Segoe UI" panose="020B0502040204020203" pitchFamily="34" charset="0"/>
+                <a:cs typeface="Segoe UI" panose="020B0502040204020203" pitchFamily="34" charset="0"/>
+              </a:rPr>
+              <a:t>Shared Datasets</a:t>
+            </a:r>
+          </a:p>
+          <a:p>
+            <a:pPr marL="742950" lvl="1" indent="-285750">
               <a:buFont typeface="Arial" panose="020B0604020202020204" pitchFamily="34" charset="0"/>
               <a:buChar char="•"/>
             </a:pPr>
@@ -9962,7 +12255,7 @@
             </a:r>
           </a:p>
           <a:p>
-            <a:pPr marL="285750" indent="-285750">
+            <a:pPr marL="742950" lvl="1" indent="-285750">
               <a:buFont typeface="Arial" panose="020B0604020202020204" pitchFamily="34" charset="0"/>
               <a:buChar char="•"/>
             </a:pPr>
@@ -9981,6 +12274,35 @@
             </a:r>
           </a:p>
           <a:p>
+            <a:pPr marL="285750" indent="-285750">
+              <a:buFont typeface="Arial" panose="020B0604020202020204" pitchFamily="34" charset="0"/>
+              <a:buChar char="•"/>
+            </a:pPr>
+            <a:r>
+              <a:rPr lang="en-US" sz="2400">
+                <a:solidFill>
+                  <a:schemeClr val="tx1">
+                    <a:lumMod val="65000"/>
+                    <a:lumOff val="35000"/>
+                  </a:schemeClr>
+                </a:solidFill>
+                <a:latin typeface="Segoe UI" panose="020B0502040204020203" pitchFamily="34" charset="0"/>
+                <a:cs typeface="Segoe UI" panose="020B0502040204020203" pitchFamily="34" charset="0"/>
+              </a:rPr>
+              <a:t>Dataflows</a:t>
+            </a:r>
+            <a:endParaRPr lang="en-US" sz="2400" dirty="0">
+              <a:solidFill>
+                <a:schemeClr val="tx1">
+                  <a:lumMod val="65000"/>
+                  <a:lumOff val="35000"/>
+                </a:schemeClr>
+              </a:solidFill>
+              <a:latin typeface="Segoe UI" panose="020B0502040204020203" pitchFamily="34" charset="0"/>
+              <a:cs typeface="Segoe UI" panose="020B0502040204020203" pitchFamily="34" charset="0"/>
+            </a:endParaRPr>
+          </a:p>
+          <a:p>
             <a:pPr marL="742950" lvl="1" indent="-285750">
               <a:buFont typeface="Arial" panose="020B0604020202020204" pitchFamily="34" charset="0"/>
               <a:buChar char="•"/>
@@ -9996,11 +12318,11 @@
                 <a:latin typeface="Segoe UI" panose="020B0502040204020203" pitchFamily="34" charset="0"/>
                 <a:cs typeface="Segoe UI" panose="020B0502040204020203" pitchFamily="34" charset="0"/>
               </a:rPr>
-              <a:t>Use workspaces like SSRS folders</a:t>
-            </a:r>
-          </a:p>
-          <a:p>
-            <a:pPr marL="285750" indent="-285750">
+              <a:t>Re-usable business logic</a:t>
+            </a:r>
+          </a:p>
+          <a:p>
+            <a:pPr marL="742950" lvl="1" indent="-285750">
               <a:buFont typeface="Arial" panose="020B0604020202020204" pitchFamily="34" charset="0"/>
               <a:buChar char="•"/>
             </a:pPr>
@@ -10015,7 +12337,7 @@
                 <a:latin typeface="Segoe UI" panose="020B0502040204020203" pitchFamily="34" charset="0"/>
                 <a:cs typeface="Segoe UI" panose="020B0502040204020203" pitchFamily="34" charset="0"/>
               </a:rPr>
-              <a:t>Dataflows: being kind to data sources</a:t>
+              <a:t>To be kind to data sources (reduce query load)</a:t>
             </a:r>
           </a:p>
         </p:txBody>
@@ -10033,14 +12355,14 @@
           <p:nvPr>
             <p:extLst>
               <p:ext uri="{D42A27DB-BD31-4B8C-83A1-F6EECF244321}">
-                <p14:modId xmlns:p14="http://schemas.microsoft.com/office/powerpoint/2010/main" val="729317733"/>
+                <p14:modId xmlns:p14="http://schemas.microsoft.com/office/powerpoint/2010/main" val="230243152"/>
               </p:ext>
             </p:extLst>
           </p:nvPr>
         </p:nvGraphicFramePr>
         <p:xfrm>
-          <a:off x="7355533" y="1127675"/>
-          <a:ext cx="3582098" cy="3615655"/>
+          <a:off x="9364884" y="2013358"/>
+          <a:ext cx="2179525" cy="2503469"/>
         </p:xfrm>
         <a:graphic>
           <a:graphicData uri="http://schemas.openxmlformats.org/drawingml/2006/diagram">
@@ -10061,7 +12383,7 @@
 </p:sld>
 </file>
 
-<file path=ppt/slides/slide11.xml><?xml version="1.0" encoding="utf-8"?>
+<file path=ppt/slides/slide12.xml><?xml version="1.0" encoding="utf-8"?>
 <p:sld xmlns:a="http://schemas.openxmlformats.org/drawingml/2006/main" xmlns:r="http://schemas.openxmlformats.org/officeDocument/2006/relationships" xmlns:p="http://schemas.openxmlformats.org/presentationml/2006/main">
   <p:cSld>
     <p:spTree>
@@ -10831,10 +13153,16 @@
           <a:prstGeom prst="rect">
             <a:avLst/>
           </a:prstGeom>
-          <a:noFill/>
+          <a:solidFill>
+            <a:schemeClr val="bg1">
+              <a:lumMod val="95000"/>
+            </a:schemeClr>
+          </a:solidFill>
           <a:ln>
             <a:solidFill>
-              <a:schemeClr val="accent2"/>
+              <a:schemeClr val="bg1">
+                <a:lumMod val="75000"/>
+              </a:schemeClr>
             </a:solidFill>
           </a:ln>
         </p:spPr>
@@ -13681,7 +16009,7 @@
               <a:rPr lang="en-IE" sz="1400" dirty="0">
                 <a:solidFill>
                   <a:schemeClr val="bg1">
-                    <a:lumMod val="85000"/>
+                    <a:lumMod val="75000"/>
                   </a:schemeClr>
                 </a:solidFill>
                 <a:latin typeface="Segoe UI" panose="020B0502040204020203" pitchFamily="34" charset="0"/>
@@ -15053,6 +17381,56 @@
                 <a:cs typeface="Segoe UI" panose="020B0502040204020203" pitchFamily="34" charset="0"/>
               </a:rPr>
               <a:t>Schedule</a:t>
+            </a:r>
+          </a:p>
+        </p:txBody>
+      </p:sp>
+      <p:sp>
+        <p:nvSpPr>
+          <p:cNvPr id="47" name="TextBox 46">
+            <a:extLst>
+              <a:ext uri="{FF2B5EF4-FFF2-40B4-BE49-F238E27FC236}">
+                <a16:creationId xmlns:a16="http://schemas.microsoft.com/office/drawing/2014/main" id="{12F7E092-2026-4663-AD64-657F9F551E31}"/>
+              </a:ext>
+            </a:extLst>
+          </p:cNvPr>
+          <p:cNvSpPr txBox="1"/>
+          <p:nvPr/>
+        </p:nvSpPr>
+        <p:spPr>
+          <a:xfrm>
+            <a:off x="9450736" y="2831628"/>
+            <a:ext cx="933268" cy="261610"/>
+          </a:xfrm>
+          <a:prstGeom prst="rect">
+            <a:avLst/>
+          </a:prstGeom>
+          <a:noFill/>
+        </p:spPr>
+        <p:txBody>
+          <a:bodyPr wrap="none" rtlCol="0">
+            <a:spAutoFit/>
+          </a:bodyPr>
+          <a:lstStyle>
+            <a:defPPr>
+              <a:defRPr lang="en-US"/>
+            </a:defPPr>
+            <a:lvl1pPr>
+              <a:defRPr sz="1600">
+                <a:solidFill>
+                  <a:schemeClr val="bg2">
+                    <a:lumMod val="50000"/>
+                  </a:schemeClr>
+                </a:solidFill>
+                <a:latin typeface="Segoe UI" panose="020B0502040204020203" pitchFamily="34" charset="0"/>
+                <a:cs typeface="Segoe UI" panose="020B0502040204020203" pitchFamily="34" charset="0"/>
+              </a:defRPr>
+            </a:lvl1pPr>
+          </a:lstStyle>
+          <a:p>
+            <a:r>
+              <a:rPr lang="en-IE" sz="1050" dirty="0"/>
+              <a:t>Workspaces</a:t>
             </a:r>
           </a:p>
         </p:txBody>
@@ -15087,6 +17465,309 @@
           <a:chExt cx="0" cy="0"/>
         </a:xfrm>
       </p:grpSpPr>
+      <p:pic>
+        <p:nvPicPr>
+          <p:cNvPr id="4" name="Picture 3" descr="A drawing of a face&#10;&#10;Description automatically generated">
+            <a:extLst>
+              <a:ext uri="{FF2B5EF4-FFF2-40B4-BE49-F238E27FC236}">
+                <a16:creationId xmlns:a16="http://schemas.microsoft.com/office/drawing/2014/main" id="{4CA46CC1-7499-4668-A9BA-0AC7B51E790D}"/>
+              </a:ext>
+            </a:extLst>
+          </p:cNvPr>
+          <p:cNvPicPr>
+            <a:picLocks noChangeAspect="1"/>
+          </p:cNvPicPr>
+          <p:nvPr/>
+        </p:nvPicPr>
+        <p:blipFill>
+          <a:blip r:embed="rId2">
+            <a:extLst>
+              <a:ext uri="{28A0092B-C50C-407E-A947-70E740481C1C}">
+                <a14:useLocalDpi xmlns:a14="http://schemas.microsoft.com/office/drawing/2010/main" val="0"/>
+              </a:ext>
+            </a:extLst>
+          </a:blip>
+          <a:stretch>
+            <a:fillRect/>
+          </a:stretch>
+        </p:blipFill>
+        <p:spPr>
+          <a:xfrm>
+            <a:off x="10937631" y="240742"/>
+            <a:ext cx="1166446" cy="336869"/>
+          </a:xfrm>
+          <a:prstGeom prst="rect">
+            <a:avLst/>
+          </a:prstGeom>
+        </p:spPr>
+      </p:pic>
+      <p:sp>
+        <p:nvSpPr>
+          <p:cNvPr id="5" name="Rectangle 4">
+            <a:extLst>
+              <a:ext uri="{FF2B5EF4-FFF2-40B4-BE49-F238E27FC236}">
+                <a16:creationId xmlns:a16="http://schemas.microsoft.com/office/drawing/2014/main" id="{B4A3DC45-946A-4405-B045-3FC0FEE1102A}"/>
+              </a:ext>
+            </a:extLst>
+          </p:cNvPr>
+          <p:cNvSpPr/>
+          <p:nvPr/>
+        </p:nvSpPr>
+        <p:spPr>
+          <a:xfrm>
+            <a:off x="0" y="6435969"/>
+            <a:ext cx="12192000" cy="422031"/>
+          </a:xfrm>
+          <a:prstGeom prst="rect">
+            <a:avLst/>
+          </a:prstGeom>
+          <a:solidFill>
+            <a:srgbClr val="0271AF"/>
+          </a:solidFill>
+          <a:ln>
+            <a:solidFill>
+              <a:srgbClr val="0271AF"/>
+            </a:solidFill>
+          </a:ln>
+        </p:spPr>
+        <p:style>
+          <a:lnRef idx="2">
+            <a:schemeClr val="accent1">
+              <a:shade val="50000"/>
+            </a:schemeClr>
+          </a:lnRef>
+          <a:fillRef idx="1">
+            <a:schemeClr val="accent1"/>
+          </a:fillRef>
+          <a:effectRef idx="0">
+            <a:schemeClr val="accent1"/>
+          </a:effectRef>
+          <a:fontRef idx="minor">
+            <a:schemeClr val="lt1"/>
+          </a:fontRef>
+        </p:style>
+        <p:txBody>
+          <a:bodyPr rtlCol="0" anchor="ctr"/>
+          <a:lstStyle/>
+          <a:p>
+            <a:pPr algn="ctr"/>
+            <a:endParaRPr lang="en-IE"/>
+          </a:p>
+        </p:txBody>
+      </p:sp>
+      <p:sp>
+        <p:nvSpPr>
+          <p:cNvPr id="6" name="Rectangle 5">
+            <a:extLst>
+              <a:ext uri="{FF2B5EF4-FFF2-40B4-BE49-F238E27FC236}">
+                <a16:creationId xmlns:a16="http://schemas.microsoft.com/office/drawing/2014/main" id="{43BA60CC-8488-49F1-B29A-53114FE922FE}"/>
+              </a:ext>
+            </a:extLst>
+          </p:cNvPr>
+          <p:cNvSpPr/>
+          <p:nvPr/>
+        </p:nvSpPr>
+        <p:spPr>
+          <a:xfrm>
+            <a:off x="0" y="6330462"/>
+            <a:ext cx="12192000" cy="105507"/>
+          </a:xfrm>
+          <a:prstGeom prst="rect">
+            <a:avLst/>
+          </a:prstGeom>
+          <a:solidFill>
+            <a:srgbClr val="ED9800"/>
+          </a:solidFill>
+          <a:ln>
+            <a:solidFill>
+              <a:srgbClr val="ED9800"/>
+            </a:solidFill>
+          </a:ln>
+        </p:spPr>
+        <p:style>
+          <a:lnRef idx="2">
+            <a:schemeClr val="accent1">
+              <a:shade val="50000"/>
+            </a:schemeClr>
+          </a:lnRef>
+          <a:fillRef idx="1">
+            <a:schemeClr val="accent1"/>
+          </a:fillRef>
+          <a:effectRef idx="0">
+            <a:schemeClr val="accent1"/>
+          </a:effectRef>
+          <a:fontRef idx="minor">
+            <a:schemeClr val="lt1"/>
+          </a:fontRef>
+        </p:style>
+        <p:txBody>
+          <a:bodyPr rtlCol="0" anchor="ctr"/>
+          <a:lstStyle/>
+          <a:p>
+            <a:pPr algn="ctr"/>
+            <a:endParaRPr lang="en-IE"/>
+          </a:p>
+        </p:txBody>
+      </p:sp>
+      <p:pic>
+        <p:nvPicPr>
+          <p:cNvPr id="13" name="Picture 12">
+            <a:extLst>
+              <a:ext uri="{FF2B5EF4-FFF2-40B4-BE49-F238E27FC236}">
+                <a16:creationId xmlns:a16="http://schemas.microsoft.com/office/drawing/2014/main" id="{E0DC3357-6813-4553-B6CC-DC9E4E0507C8}"/>
+              </a:ext>
+            </a:extLst>
+          </p:cNvPr>
+          <p:cNvPicPr>
+            <a:picLocks noChangeAspect="1"/>
+          </p:cNvPicPr>
+          <p:nvPr/>
+        </p:nvPicPr>
+        <p:blipFill>
+          <a:blip r:embed="rId3">
+            <a:extLst>
+              <a:ext uri="{28A0092B-C50C-407E-A947-70E740481C1C}">
+                <a14:useLocalDpi xmlns:a14="http://schemas.microsoft.com/office/drawing/2010/main" val="0"/>
+              </a:ext>
+            </a:extLst>
+          </a:blip>
+          <a:stretch>
+            <a:fillRect/>
+          </a:stretch>
+        </p:blipFill>
+        <p:spPr>
+          <a:xfrm>
+            <a:off x="1389162" y="1447860"/>
+            <a:ext cx="3172268" cy="3219899"/>
+          </a:xfrm>
+          <a:prstGeom prst="rect">
+            <a:avLst/>
+          </a:prstGeom>
+        </p:spPr>
+      </p:pic>
+      <p:sp>
+        <p:nvSpPr>
+          <p:cNvPr id="16" name="TextBox 15">
+            <a:extLst>
+              <a:ext uri="{FF2B5EF4-FFF2-40B4-BE49-F238E27FC236}">
+                <a16:creationId xmlns:a16="http://schemas.microsoft.com/office/drawing/2014/main" id="{40674F7B-CB20-4F2B-9165-0F7B8DA4C292}"/>
+              </a:ext>
+            </a:extLst>
+          </p:cNvPr>
+          <p:cNvSpPr txBox="1"/>
+          <p:nvPr/>
+        </p:nvSpPr>
+        <p:spPr>
+          <a:xfrm>
+            <a:off x="5224381" y="3596802"/>
+            <a:ext cx="2705997" cy="769441"/>
+          </a:xfrm>
+          <a:prstGeom prst="rect">
+            <a:avLst/>
+          </a:prstGeom>
+          <a:noFill/>
+        </p:spPr>
+        <p:txBody>
+          <a:bodyPr wrap="none" rtlCol="0">
+            <a:spAutoFit/>
+          </a:bodyPr>
+          <a:lstStyle/>
+          <a:p>
+            <a:r>
+              <a:rPr lang="en-IE" sz="4400" dirty="0">
+                <a:solidFill>
+                  <a:schemeClr val="tx1">
+                    <a:lumMod val="65000"/>
+                    <a:lumOff val="35000"/>
+                  </a:schemeClr>
+                </a:solidFill>
+                <a:latin typeface="Segoe UI" panose="020B0502040204020203" pitchFamily="34" charset="0"/>
+                <a:cs typeface="Segoe UI" panose="020B0502040204020203" pitchFamily="34" charset="0"/>
+              </a:rPr>
+              <a:t>Let’s Scale</a:t>
+            </a:r>
+          </a:p>
+        </p:txBody>
+      </p:sp>
+      <p:sp>
+        <p:nvSpPr>
+          <p:cNvPr id="18" name="Arrow: Up 17">
+            <a:extLst>
+              <a:ext uri="{FF2B5EF4-FFF2-40B4-BE49-F238E27FC236}">
+                <a16:creationId xmlns:a16="http://schemas.microsoft.com/office/drawing/2014/main" id="{30A76BFC-2CEB-40C9-B59D-38EFE8232113}"/>
+              </a:ext>
+            </a:extLst>
+          </p:cNvPr>
+          <p:cNvSpPr/>
+          <p:nvPr/>
+        </p:nvSpPr>
+        <p:spPr>
+          <a:xfrm>
+            <a:off x="8242594" y="2299978"/>
+            <a:ext cx="507124" cy="1922439"/>
+          </a:xfrm>
+          <a:prstGeom prst="upArrow">
+            <a:avLst/>
+          </a:prstGeom>
+          <a:ln>
+            <a:solidFill>
+              <a:srgbClr val="0271AF"/>
+            </a:solidFill>
+          </a:ln>
+        </p:spPr>
+        <p:style>
+          <a:lnRef idx="2">
+            <a:schemeClr val="accent5"/>
+          </a:lnRef>
+          <a:fillRef idx="1">
+            <a:schemeClr val="lt1"/>
+          </a:fillRef>
+          <a:effectRef idx="0">
+            <a:schemeClr val="accent5"/>
+          </a:effectRef>
+          <a:fontRef idx="minor">
+            <a:schemeClr val="dk1"/>
+          </a:fontRef>
+        </p:style>
+        <p:txBody>
+          <a:bodyPr rtlCol="0" anchor="ctr"/>
+          <a:lstStyle/>
+          <a:p>
+            <a:pPr algn="ctr"/>
+            <a:endParaRPr lang="en-IE"/>
+          </a:p>
+        </p:txBody>
+      </p:sp>
+    </p:spTree>
+    <p:extLst>
+      <p:ext uri="{BB962C8B-B14F-4D97-AF65-F5344CB8AC3E}">
+        <p14:creationId xmlns:p14="http://schemas.microsoft.com/office/powerpoint/2010/main" val="3172692324"/>
+      </p:ext>
+    </p:extLst>
+  </p:cSld>
+  <p:clrMapOvr>
+    <a:masterClrMapping/>
+  </p:clrMapOvr>
+</p:sld>
+</file>
+
+<file path=ppt/slides/slide6.xml><?xml version="1.0" encoding="utf-8"?>
+<p:sld xmlns:a="http://schemas.openxmlformats.org/drawingml/2006/main" xmlns:r="http://schemas.openxmlformats.org/officeDocument/2006/relationships" xmlns:p="http://schemas.openxmlformats.org/presentationml/2006/main">
+  <p:cSld>
+    <p:spTree>
+      <p:nvGrpSpPr>
+        <p:cNvPr id="1" name=""/>
+        <p:cNvGrpSpPr/>
+        <p:nvPr/>
+      </p:nvGrpSpPr>
+      <p:grpSpPr>
+        <a:xfrm>
+          <a:off x="0" y="0"/>
+          <a:ext cx="0" cy="0"/>
+          <a:chOff x="0" y="0"/>
+          <a:chExt cx="0" cy="0"/>
+        </a:xfrm>
+      </p:grpSpPr>
       <p:sp>
         <p:nvSpPr>
           <p:cNvPr id="21" name="Rectangle 20">
@@ -15878,7 +18559,7 @@
 </p:sld>
 </file>
 
-<file path=ppt/slides/slide6.xml><?xml version="1.0" encoding="utf-8"?>
+<file path=ppt/slides/slide7.xml><?xml version="1.0" encoding="utf-8"?>
 <p:sld xmlns:a="http://schemas.openxmlformats.org/drawingml/2006/main" xmlns:r="http://schemas.openxmlformats.org/officeDocument/2006/relationships" xmlns:p="http://schemas.openxmlformats.org/presentationml/2006/main" show="0">
   <p:cSld>
     <p:spTree>
@@ -17392,7 +20073,7 @@
 </p:sld>
 </file>
 
-<file path=ppt/slides/slide7.xml><?xml version="1.0" encoding="utf-8"?>
+<file path=ppt/slides/slide8.xml><?xml version="1.0" encoding="utf-8"?>
 <p:sld xmlns:a="http://schemas.openxmlformats.org/drawingml/2006/main" xmlns:r="http://schemas.openxmlformats.org/officeDocument/2006/relationships" xmlns:p="http://schemas.openxmlformats.org/presentationml/2006/main">
   <p:cSld>
     <p:spTree>
@@ -19372,7 +22053,7 @@
 </p:sld>
 </file>
 
-<file path=ppt/slides/slide8.xml><?xml version="1.0" encoding="utf-8"?>
+<file path=ppt/slides/slide9.xml><?xml version="1.0" encoding="utf-8"?>
 <p:sld xmlns:a="http://schemas.openxmlformats.org/drawingml/2006/main" xmlns:r="http://schemas.openxmlformats.org/officeDocument/2006/relationships" xmlns:p="http://schemas.openxmlformats.org/presentationml/2006/main" show="0">
   <p:cSld>
     <p:spTree>
@@ -19943,2279 +22624,6 @@
     <p:extLst>
       <p:ext uri="{BB962C8B-B14F-4D97-AF65-F5344CB8AC3E}">
         <p14:creationId xmlns:p14="http://schemas.microsoft.com/office/powerpoint/2010/main" val="99884865"/>
-      </p:ext>
-    </p:extLst>
-  </p:cSld>
-  <p:clrMapOvr>
-    <a:masterClrMapping/>
-  </p:clrMapOvr>
-</p:sld>
-</file>
-
-<file path=ppt/slides/slide9.xml><?xml version="1.0" encoding="utf-8"?>
-<p:sld xmlns:a="http://schemas.openxmlformats.org/drawingml/2006/main" xmlns:r="http://schemas.openxmlformats.org/officeDocument/2006/relationships" xmlns:p="http://schemas.openxmlformats.org/presentationml/2006/main">
-  <p:cSld>
-    <p:spTree>
-      <p:nvGrpSpPr>
-        <p:cNvPr id="1" name=""/>
-        <p:cNvGrpSpPr/>
-        <p:nvPr/>
-      </p:nvGrpSpPr>
-      <p:grpSpPr>
-        <a:xfrm>
-          <a:off x="0" y="0"/>
-          <a:ext cx="0" cy="0"/>
-          <a:chOff x="0" y="0"/>
-          <a:chExt cx="0" cy="0"/>
-        </a:xfrm>
-      </p:grpSpPr>
-      <p:sp>
-        <p:nvSpPr>
-          <p:cNvPr id="34" name="Rectangle 33">
-            <a:extLst>
-              <a:ext uri="{FF2B5EF4-FFF2-40B4-BE49-F238E27FC236}">
-                <a16:creationId xmlns:a16="http://schemas.microsoft.com/office/drawing/2014/main" id="{DAC387D7-427A-4BF3-AA4B-9A008DD0B8D3}"/>
-              </a:ext>
-            </a:extLst>
-          </p:cNvPr>
-          <p:cNvSpPr/>
-          <p:nvPr/>
-        </p:nvSpPr>
-        <p:spPr>
-          <a:xfrm>
-            <a:off x="392306" y="2419369"/>
-            <a:ext cx="8531604" cy="353420"/>
-          </a:xfrm>
-          <a:prstGeom prst="rect">
-            <a:avLst/>
-          </a:prstGeom>
-          <a:ln w="3175"/>
-        </p:spPr>
-        <p:style>
-          <a:lnRef idx="2">
-            <a:schemeClr val="accent3"/>
-          </a:lnRef>
-          <a:fillRef idx="1">
-            <a:schemeClr val="lt1"/>
-          </a:fillRef>
-          <a:effectRef idx="0">
-            <a:schemeClr val="accent3"/>
-          </a:effectRef>
-          <a:fontRef idx="minor">
-            <a:schemeClr val="dk1"/>
-          </a:fontRef>
-        </p:style>
-        <p:txBody>
-          <a:bodyPr rtlCol="0" anchor="ctr"/>
-          <a:lstStyle/>
-          <a:p>
-            <a:pPr algn="ctr"/>
-            <a:endParaRPr lang="en-IE"/>
-          </a:p>
-        </p:txBody>
-      </p:sp>
-      <p:sp>
-        <p:nvSpPr>
-          <p:cNvPr id="2" name="Title 1">
-            <a:extLst>
-              <a:ext uri="{FF2B5EF4-FFF2-40B4-BE49-F238E27FC236}">
-                <a16:creationId xmlns:a16="http://schemas.microsoft.com/office/drawing/2014/main" id="{04996413-E52C-4AE0-AD87-50F958A08142}"/>
-              </a:ext>
-            </a:extLst>
-          </p:cNvPr>
-          <p:cNvSpPr>
-            <a:spLocks noGrp="1"/>
-          </p:cNvSpPr>
-          <p:nvPr>
-            <p:ph type="title"/>
-          </p:nvPr>
-        </p:nvSpPr>
-        <p:spPr>
-          <a:xfrm>
-            <a:off x="0" y="18255"/>
-            <a:ext cx="12192000" cy="781845"/>
-          </a:xfrm>
-        </p:spPr>
-        <p:txBody>
-          <a:bodyPr>
-            <a:normAutofit/>
-          </a:bodyPr>
-          <a:lstStyle/>
-          <a:p>
-            <a:r>
-              <a:rPr lang="en-IE" sz="3600" b="1" dirty="0">
-                <a:solidFill>
-                  <a:schemeClr val="tx1">
-                    <a:lumMod val="65000"/>
-                    <a:lumOff val="35000"/>
-                  </a:schemeClr>
-                </a:solidFill>
-                <a:latin typeface="Segoe UI" panose="020B0502040204020203" pitchFamily="34" charset="0"/>
-                <a:cs typeface="Segoe UI" panose="020B0502040204020203" pitchFamily="34" charset="0"/>
-              </a:rPr>
-              <a:t>Power BI Solution. Evolved.</a:t>
-            </a:r>
-          </a:p>
-        </p:txBody>
-      </p:sp>
-      <p:pic>
-        <p:nvPicPr>
-          <p:cNvPr id="4" name="Picture 3" descr="A drawing of a face&#10;&#10;Description automatically generated">
-            <a:extLst>
-              <a:ext uri="{FF2B5EF4-FFF2-40B4-BE49-F238E27FC236}">
-                <a16:creationId xmlns:a16="http://schemas.microsoft.com/office/drawing/2014/main" id="{4CA46CC1-7499-4668-A9BA-0AC7B51E790D}"/>
-              </a:ext>
-            </a:extLst>
-          </p:cNvPr>
-          <p:cNvPicPr>
-            <a:picLocks noChangeAspect="1"/>
-          </p:cNvPicPr>
-          <p:nvPr/>
-        </p:nvPicPr>
-        <p:blipFill>
-          <a:blip r:embed="rId2">
-            <a:extLst>
-              <a:ext uri="{28A0092B-C50C-407E-A947-70E740481C1C}">
-                <a14:useLocalDpi xmlns:a14="http://schemas.microsoft.com/office/drawing/2010/main" val="0"/>
-              </a:ext>
-            </a:extLst>
-          </a:blip>
-          <a:stretch>
-            <a:fillRect/>
-          </a:stretch>
-        </p:blipFill>
-        <p:spPr>
-          <a:xfrm>
-            <a:off x="10937631" y="240742"/>
-            <a:ext cx="1166446" cy="336869"/>
-          </a:xfrm>
-          <a:prstGeom prst="rect">
-            <a:avLst/>
-          </a:prstGeom>
-        </p:spPr>
-      </p:pic>
-      <p:sp>
-        <p:nvSpPr>
-          <p:cNvPr id="5" name="Rectangle 4">
-            <a:extLst>
-              <a:ext uri="{FF2B5EF4-FFF2-40B4-BE49-F238E27FC236}">
-                <a16:creationId xmlns:a16="http://schemas.microsoft.com/office/drawing/2014/main" id="{B4A3DC45-946A-4405-B045-3FC0FEE1102A}"/>
-              </a:ext>
-            </a:extLst>
-          </p:cNvPr>
-          <p:cNvSpPr/>
-          <p:nvPr/>
-        </p:nvSpPr>
-        <p:spPr>
-          <a:xfrm>
-            <a:off x="0" y="6435969"/>
-            <a:ext cx="12192000" cy="422031"/>
-          </a:xfrm>
-          <a:prstGeom prst="rect">
-            <a:avLst/>
-          </a:prstGeom>
-          <a:solidFill>
-            <a:srgbClr val="0271AF"/>
-          </a:solidFill>
-          <a:ln>
-            <a:solidFill>
-              <a:srgbClr val="0271AF"/>
-            </a:solidFill>
-          </a:ln>
-        </p:spPr>
-        <p:style>
-          <a:lnRef idx="2">
-            <a:schemeClr val="accent1">
-              <a:shade val="50000"/>
-            </a:schemeClr>
-          </a:lnRef>
-          <a:fillRef idx="1">
-            <a:schemeClr val="accent1"/>
-          </a:fillRef>
-          <a:effectRef idx="0">
-            <a:schemeClr val="accent1"/>
-          </a:effectRef>
-          <a:fontRef idx="minor">
-            <a:schemeClr val="lt1"/>
-          </a:fontRef>
-        </p:style>
-        <p:txBody>
-          <a:bodyPr rtlCol="0" anchor="ctr"/>
-          <a:lstStyle/>
-          <a:p>
-            <a:pPr algn="ctr"/>
-            <a:endParaRPr lang="en-IE"/>
-          </a:p>
-        </p:txBody>
-      </p:sp>
-      <p:sp>
-        <p:nvSpPr>
-          <p:cNvPr id="6" name="Rectangle 5">
-            <a:extLst>
-              <a:ext uri="{FF2B5EF4-FFF2-40B4-BE49-F238E27FC236}">
-                <a16:creationId xmlns:a16="http://schemas.microsoft.com/office/drawing/2014/main" id="{43BA60CC-8488-49F1-B29A-53114FE922FE}"/>
-              </a:ext>
-            </a:extLst>
-          </p:cNvPr>
-          <p:cNvSpPr/>
-          <p:nvPr/>
-        </p:nvSpPr>
-        <p:spPr>
-          <a:xfrm>
-            <a:off x="0" y="6330462"/>
-            <a:ext cx="12192000" cy="105507"/>
-          </a:xfrm>
-          <a:prstGeom prst="rect">
-            <a:avLst/>
-          </a:prstGeom>
-          <a:solidFill>
-            <a:srgbClr val="ED9800"/>
-          </a:solidFill>
-          <a:ln>
-            <a:solidFill>
-              <a:srgbClr val="ED9800"/>
-            </a:solidFill>
-          </a:ln>
-        </p:spPr>
-        <p:style>
-          <a:lnRef idx="2">
-            <a:schemeClr val="accent1">
-              <a:shade val="50000"/>
-            </a:schemeClr>
-          </a:lnRef>
-          <a:fillRef idx="1">
-            <a:schemeClr val="accent1"/>
-          </a:fillRef>
-          <a:effectRef idx="0">
-            <a:schemeClr val="accent1"/>
-          </a:effectRef>
-          <a:fontRef idx="minor">
-            <a:schemeClr val="lt1"/>
-          </a:fontRef>
-        </p:style>
-        <p:txBody>
-          <a:bodyPr rtlCol="0" anchor="ctr"/>
-          <a:lstStyle/>
-          <a:p>
-            <a:pPr algn="ctr"/>
-            <a:endParaRPr lang="en-IE"/>
-          </a:p>
-        </p:txBody>
-      </p:sp>
-      <p:pic>
-        <p:nvPicPr>
-          <p:cNvPr id="14" name="Graphic 13" descr="Database">
-            <a:extLst>
-              <a:ext uri="{FF2B5EF4-FFF2-40B4-BE49-F238E27FC236}">
-                <a16:creationId xmlns:a16="http://schemas.microsoft.com/office/drawing/2014/main" id="{3BA5BE85-5E27-4FDA-9C43-4BE275BD18A8}"/>
-              </a:ext>
-            </a:extLst>
-          </p:cNvPr>
-          <p:cNvPicPr>
-            <a:picLocks noChangeAspect="1"/>
-          </p:cNvPicPr>
-          <p:nvPr/>
-        </p:nvPicPr>
-        <p:blipFill>
-          <a:blip r:embed="rId3">
-            <a:extLst>
-              <a:ext uri="{28A0092B-C50C-407E-A947-70E740481C1C}">
-                <a14:useLocalDpi xmlns:a14="http://schemas.microsoft.com/office/drawing/2010/main" val="0"/>
-              </a:ext>
-              <a:ext uri="{96DAC541-7B7A-43D3-8B79-37D633B846F1}">
-                <asvg:svgBlip xmlns:asvg="http://schemas.microsoft.com/office/drawing/2016/SVG/main" r:embed="rId4"/>
-              </a:ext>
-            </a:extLst>
-          </a:blip>
-          <a:stretch>
-            <a:fillRect/>
-          </a:stretch>
-        </p:blipFill>
-        <p:spPr>
-          <a:xfrm>
-            <a:off x="4089631" y="1414328"/>
-            <a:ext cx="914400" cy="914400"/>
-          </a:xfrm>
-          <a:prstGeom prst="rect">
-            <a:avLst/>
-          </a:prstGeom>
-        </p:spPr>
-      </p:pic>
-      <p:sp>
-        <p:nvSpPr>
-          <p:cNvPr id="15" name="Cube 14">
-            <a:extLst>
-              <a:ext uri="{FF2B5EF4-FFF2-40B4-BE49-F238E27FC236}">
-                <a16:creationId xmlns:a16="http://schemas.microsoft.com/office/drawing/2014/main" id="{ACB6FBA2-9A27-42E1-B2EA-7D170A069B92}"/>
-              </a:ext>
-            </a:extLst>
-          </p:cNvPr>
-          <p:cNvSpPr/>
-          <p:nvPr/>
-        </p:nvSpPr>
-        <p:spPr>
-          <a:xfrm>
-            <a:off x="5794788" y="1480155"/>
-            <a:ext cx="752817" cy="749767"/>
-          </a:xfrm>
-          <a:prstGeom prst="cube">
-            <a:avLst>
-              <a:gd name="adj" fmla="val 14691"/>
-            </a:avLst>
-          </a:prstGeom>
-          <a:ln w="9525"/>
-        </p:spPr>
-        <p:style>
-          <a:lnRef idx="2">
-            <a:schemeClr val="accent5"/>
-          </a:lnRef>
-          <a:fillRef idx="1">
-            <a:schemeClr val="lt1"/>
-          </a:fillRef>
-          <a:effectRef idx="0">
-            <a:schemeClr val="accent5"/>
-          </a:effectRef>
-          <a:fontRef idx="minor">
-            <a:schemeClr val="dk1"/>
-          </a:fontRef>
-        </p:style>
-        <p:txBody>
-          <a:bodyPr rtlCol="0" anchor="ctr"/>
-          <a:lstStyle/>
-          <a:p>
-            <a:pPr algn="ctr"/>
-            <a:endParaRPr lang="en-IE"/>
-          </a:p>
-        </p:txBody>
-      </p:sp>
-      <p:pic>
-        <p:nvPicPr>
-          <p:cNvPr id="17" name="Graphic 16" descr="Bar graph with upward trend">
-            <a:extLst>
-              <a:ext uri="{FF2B5EF4-FFF2-40B4-BE49-F238E27FC236}">
-                <a16:creationId xmlns:a16="http://schemas.microsoft.com/office/drawing/2014/main" id="{AFD70EC8-D700-4B6C-B3FD-A32144E93D39}"/>
-              </a:ext>
-            </a:extLst>
-          </p:cNvPr>
-          <p:cNvPicPr>
-            <a:picLocks noChangeAspect="1"/>
-          </p:cNvPicPr>
-          <p:nvPr/>
-        </p:nvPicPr>
-        <p:blipFill>
-          <a:blip r:embed="rId5">
-            <a:extLst>
-              <a:ext uri="{28A0092B-C50C-407E-A947-70E740481C1C}">
-                <a14:useLocalDpi xmlns:a14="http://schemas.microsoft.com/office/drawing/2010/main" val="0"/>
-              </a:ext>
-              <a:ext uri="{96DAC541-7B7A-43D3-8B79-37D633B846F1}">
-                <asvg:svgBlip xmlns:asvg="http://schemas.microsoft.com/office/drawing/2016/SVG/main" r:embed="rId6"/>
-              </a:ext>
-            </a:extLst>
-          </a:blip>
-          <a:stretch>
-            <a:fillRect/>
-          </a:stretch>
-        </p:blipFill>
-        <p:spPr>
-          <a:xfrm>
-            <a:off x="7294899" y="1437784"/>
-            <a:ext cx="668269" cy="668269"/>
-          </a:xfrm>
-          <a:prstGeom prst="rect">
-            <a:avLst/>
-          </a:prstGeom>
-        </p:spPr>
-      </p:pic>
-      <p:pic>
-        <p:nvPicPr>
-          <p:cNvPr id="19" name="Graphic 18" descr="Statistics">
-            <a:extLst>
-              <a:ext uri="{FF2B5EF4-FFF2-40B4-BE49-F238E27FC236}">
-                <a16:creationId xmlns:a16="http://schemas.microsoft.com/office/drawing/2014/main" id="{98797CAB-620A-4CC5-865E-41BAD2912DF9}"/>
-              </a:ext>
-            </a:extLst>
-          </p:cNvPr>
-          <p:cNvPicPr>
-            <a:picLocks noChangeAspect="1"/>
-          </p:cNvPicPr>
-          <p:nvPr/>
-        </p:nvPicPr>
-        <p:blipFill>
-          <a:blip r:embed="rId7">
-            <a:extLst>
-              <a:ext uri="{28A0092B-C50C-407E-A947-70E740481C1C}">
-                <a14:useLocalDpi xmlns:a14="http://schemas.microsoft.com/office/drawing/2010/main" val="0"/>
-              </a:ext>
-              <a:ext uri="{96DAC541-7B7A-43D3-8B79-37D633B846F1}">
-                <asvg:svgBlip xmlns:asvg="http://schemas.microsoft.com/office/drawing/2016/SVG/main" r:embed="rId8"/>
-              </a:ext>
-            </a:extLst>
-          </a:blip>
-          <a:stretch>
-            <a:fillRect/>
-          </a:stretch>
-        </p:blipFill>
-        <p:spPr>
-          <a:xfrm>
-            <a:off x="7809571" y="1691121"/>
-            <a:ext cx="668269" cy="668269"/>
-          </a:xfrm>
-          <a:prstGeom prst="rect">
-            <a:avLst/>
-          </a:prstGeom>
-        </p:spPr>
-      </p:pic>
-      <p:pic>
-        <p:nvPicPr>
-          <p:cNvPr id="21" name="Graphic 20" descr="Table">
-            <a:extLst>
-              <a:ext uri="{FF2B5EF4-FFF2-40B4-BE49-F238E27FC236}">
-                <a16:creationId xmlns:a16="http://schemas.microsoft.com/office/drawing/2014/main" id="{4C1FC34C-D967-41A6-BC15-90086B24821F}"/>
-              </a:ext>
-            </a:extLst>
-          </p:cNvPr>
-          <p:cNvPicPr>
-            <a:picLocks noChangeAspect="1"/>
-          </p:cNvPicPr>
-          <p:nvPr/>
-        </p:nvPicPr>
-        <p:blipFill>
-          <a:blip r:embed="rId9">
-            <a:extLst>
-              <a:ext uri="{28A0092B-C50C-407E-A947-70E740481C1C}">
-                <a14:useLocalDpi xmlns:a14="http://schemas.microsoft.com/office/drawing/2010/main" val="0"/>
-              </a:ext>
-              <a:ext uri="{96DAC541-7B7A-43D3-8B79-37D633B846F1}">
-                <asvg:svgBlip xmlns:asvg="http://schemas.microsoft.com/office/drawing/2016/SVG/main" r:embed="rId10"/>
-              </a:ext>
-            </a:extLst>
-          </a:blip>
-          <a:stretch>
-            <a:fillRect/>
-          </a:stretch>
-        </p:blipFill>
-        <p:spPr>
-          <a:xfrm>
-            <a:off x="1803215" y="1034935"/>
-            <a:ext cx="668269" cy="668269"/>
-          </a:xfrm>
-          <a:prstGeom prst="rect">
-            <a:avLst/>
-          </a:prstGeom>
-        </p:spPr>
-      </p:pic>
-      <p:pic>
-        <p:nvPicPr>
-          <p:cNvPr id="23" name="Graphic 22" descr="Server">
-            <a:extLst>
-              <a:ext uri="{FF2B5EF4-FFF2-40B4-BE49-F238E27FC236}">
-                <a16:creationId xmlns:a16="http://schemas.microsoft.com/office/drawing/2014/main" id="{C66D62E1-6C49-4BED-99FB-63FFC6CFAFD2}"/>
-              </a:ext>
-            </a:extLst>
-          </p:cNvPr>
-          <p:cNvPicPr>
-            <a:picLocks noChangeAspect="1"/>
-          </p:cNvPicPr>
-          <p:nvPr/>
-        </p:nvPicPr>
-        <p:blipFill>
-          <a:blip r:embed="rId11">
-            <a:extLst>
-              <a:ext uri="{28A0092B-C50C-407E-A947-70E740481C1C}">
-                <a14:useLocalDpi xmlns:a14="http://schemas.microsoft.com/office/drawing/2010/main" val="0"/>
-              </a:ext>
-              <a:ext uri="{96DAC541-7B7A-43D3-8B79-37D633B846F1}">
-                <asvg:svgBlip xmlns:asvg="http://schemas.microsoft.com/office/drawing/2016/SVG/main" r:embed="rId12"/>
-              </a:ext>
-            </a:extLst>
-          </a:blip>
-          <a:stretch>
-            <a:fillRect/>
-          </a:stretch>
-        </p:blipFill>
-        <p:spPr>
-          <a:xfrm>
-            <a:off x="2060551" y="1579379"/>
-            <a:ext cx="668269" cy="668269"/>
-          </a:xfrm>
-          <a:prstGeom prst="rect">
-            <a:avLst/>
-          </a:prstGeom>
-        </p:spPr>
-      </p:pic>
-      <p:sp>
-        <p:nvSpPr>
-          <p:cNvPr id="24" name="TextBox 23">
-            <a:extLst>
-              <a:ext uri="{FF2B5EF4-FFF2-40B4-BE49-F238E27FC236}">
-                <a16:creationId xmlns:a16="http://schemas.microsoft.com/office/drawing/2014/main" id="{57F18584-3A5A-421E-9259-1ACD0AE89894}"/>
-              </a:ext>
-            </a:extLst>
-          </p:cNvPr>
-          <p:cNvSpPr txBox="1"/>
-          <p:nvPr/>
-        </p:nvSpPr>
-        <p:spPr>
-          <a:xfrm>
-            <a:off x="3093246" y="2412999"/>
-            <a:ext cx="566181" cy="338554"/>
-          </a:xfrm>
-          <a:prstGeom prst="rect">
-            <a:avLst/>
-          </a:prstGeom>
-          <a:noFill/>
-        </p:spPr>
-        <p:txBody>
-          <a:bodyPr wrap="none" rtlCol="0">
-            <a:spAutoFit/>
-          </a:bodyPr>
-          <a:lstStyle/>
-          <a:p>
-            <a:pPr algn="ctr"/>
-            <a:r>
-              <a:rPr lang="en-IE" sz="1600" dirty="0">
-                <a:solidFill>
-                  <a:schemeClr val="bg2">
-                    <a:lumMod val="50000"/>
-                  </a:schemeClr>
-                </a:solidFill>
-                <a:latin typeface="Segoe UI" panose="020B0502040204020203" pitchFamily="34" charset="0"/>
-                <a:cs typeface="Segoe UI" panose="020B0502040204020203" pitchFamily="34" charset="0"/>
-              </a:rPr>
-              <a:t>SSIS</a:t>
-            </a:r>
-          </a:p>
-        </p:txBody>
-      </p:sp>
-      <p:sp>
-        <p:nvSpPr>
-          <p:cNvPr id="26" name="TextBox 25">
-            <a:extLst>
-              <a:ext uri="{FF2B5EF4-FFF2-40B4-BE49-F238E27FC236}">
-                <a16:creationId xmlns:a16="http://schemas.microsoft.com/office/drawing/2014/main" id="{8E33E1B0-C730-4122-B400-6956E69403F0}"/>
-              </a:ext>
-            </a:extLst>
-          </p:cNvPr>
-          <p:cNvSpPr txBox="1"/>
-          <p:nvPr/>
-        </p:nvSpPr>
-        <p:spPr>
-          <a:xfrm>
-            <a:off x="5838948" y="2419369"/>
-            <a:ext cx="644728" cy="338554"/>
-          </a:xfrm>
-          <a:prstGeom prst="rect">
-            <a:avLst/>
-          </a:prstGeom>
-          <a:noFill/>
-        </p:spPr>
-        <p:txBody>
-          <a:bodyPr wrap="none" rtlCol="0">
-            <a:spAutoFit/>
-          </a:bodyPr>
-          <a:lstStyle/>
-          <a:p>
-            <a:pPr algn="ctr"/>
-            <a:r>
-              <a:rPr lang="en-IE" sz="1600" dirty="0">
-                <a:solidFill>
-                  <a:schemeClr val="bg2">
-                    <a:lumMod val="50000"/>
-                  </a:schemeClr>
-                </a:solidFill>
-                <a:latin typeface="Segoe UI" panose="020B0502040204020203" pitchFamily="34" charset="0"/>
-                <a:cs typeface="Segoe UI" panose="020B0502040204020203" pitchFamily="34" charset="0"/>
-              </a:rPr>
-              <a:t>SSAS</a:t>
-            </a:r>
-          </a:p>
-        </p:txBody>
-      </p:sp>
-      <p:sp>
-        <p:nvSpPr>
-          <p:cNvPr id="27" name="TextBox 26">
-            <a:extLst>
-              <a:ext uri="{FF2B5EF4-FFF2-40B4-BE49-F238E27FC236}">
-                <a16:creationId xmlns:a16="http://schemas.microsoft.com/office/drawing/2014/main" id="{EB0F599C-706A-43FF-9CFD-C3E6E228CC96}"/>
-              </a:ext>
-            </a:extLst>
-          </p:cNvPr>
-          <p:cNvSpPr txBox="1"/>
-          <p:nvPr/>
-        </p:nvSpPr>
-        <p:spPr>
-          <a:xfrm>
-            <a:off x="7683228" y="2419369"/>
-            <a:ext cx="635110" cy="338554"/>
-          </a:xfrm>
-          <a:prstGeom prst="rect">
-            <a:avLst/>
-          </a:prstGeom>
-          <a:noFill/>
-        </p:spPr>
-        <p:txBody>
-          <a:bodyPr wrap="none" rtlCol="0">
-            <a:spAutoFit/>
-          </a:bodyPr>
-          <a:lstStyle>
-            <a:defPPr>
-              <a:defRPr lang="en-US"/>
-            </a:defPPr>
-            <a:lvl1pPr>
-              <a:defRPr sz="1600">
-                <a:solidFill>
-                  <a:schemeClr val="bg2">
-                    <a:lumMod val="50000"/>
-                  </a:schemeClr>
-                </a:solidFill>
-                <a:latin typeface="Segoe UI" panose="020B0502040204020203" pitchFamily="34" charset="0"/>
-                <a:cs typeface="Segoe UI" panose="020B0502040204020203" pitchFamily="34" charset="0"/>
-              </a:defRPr>
-            </a:lvl1pPr>
-          </a:lstStyle>
-          <a:p>
-            <a:pPr algn="ctr"/>
-            <a:r>
-              <a:rPr lang="en-IE" dirty="0"/>
-              <a:t>SSRS</a:t>
-            </a:r>
-          </a:p>
-        </p:txBody>
-      </p:sp>
-      <p:sp>
-        <p:nvSpPr>
-          <p:cNvPr id="28" name="TextBox 27">
-            <a:extLst>
-              <a:ext uri="{FF2B5EF4-FFF2-40B4-BE49-F238E27FC236}">
-                <a16:creationId xmlns:a16="http://schemas.microsoft.com/office/drawing/2014/main" id="{CDACF08E-1AD3-4407-AA76-44CB31FD2B67}"/>
-              </a:ext>
-            </a:extLst>
-          </p:cNvPr>
-          <p:cNvSpPr txBox="1"/>
-          <p:nvPr/>
-        </p:nvSpPr>
-        <p:spPr>
-          <a:xfrm>
-            <a:off x="4114854" y="2433494"/>
-            <a:ext cx="862737" cy="338554"/>
-          </a:xfrm>
-          <a:prstGeom prst="rect">
-            <a:avLst/>
-          </a:prstGeom>
-          <a:noFill/>
-        </p:spPr>
-        <p:txBody>
-          <a:bodyPr wrap="none" rtlCol="0">
-            <a:spAutoFit/>
-          </a:bodyPr>
-          <a:lstStyle>
-            <a:defPPr>
-              <a:defRPr lang="en-US"/>
-            </a:defPPr>
-            <a:lvl1pPr>
-              <a:defRPr sz="1600">
-                <a:solidFill>
-                  <a:schemeClr val="bg2">
-                    <a:lumMod val="50000"/>
-                  </a:schemeClr>
-                </a:solidFill>
-                <a:latin typeface="Segoe UI" panose="020B0502040204020203" pitchFamily="34" charset="0"/>
-                <a:cs typeface="Segoe UI" panose="020B0502040204020203" pitchFamily="34" charset="0"/>
-              </a:defRPr>
-            </a:lvl1pPr>
-          </a:lstStyle>
-          <a:p>
-            <a:pPr algn="ctr"/>
-            <a:r>
-              <a:rPr lang="en-IE" dirty="0"/>
-              <a:t>RDBMS</a:t>
-            </a:r>
-          </a:p>
-        </p:txBody>
-      </p:sp>
-      <p:sp>
-        <p:nvSpPr>
-          <p:cNvPr id="36" name="Rectangle 35">
-            <a:extLst>
-              <a:ext uri="{FF2B5EF4-FFF2-40B4-BE49-F238E27FC236}">
-                <a16:creationId xmlns:a16="http://schemas.microsoft.com/office/drawing/2014/main" id="{32323F94-8B0B-4AFD-86B0-17FE59C1244A}"/>
-              </a:ext>
-            </a:extLst>
-          </p:cNvPr>
-          <p:cNvSpPr/>
-          <p:nvPr/>
-        </p:nvSpPr>
-        <p:spPr>
-          <a:xfrm>
-            <a:off x="392306" y="2762811"/>
-            <a:ext cx="8531604" cy="353420"/>
-          </a:xfrm>
-          <a:prstGeom prst="rect">
-            <a:avLst/>
-          </a:prstGeom>
-          <a:ln w="3175"/>
-        </p:spPr>
-        <p:style>
-          <a:lnRef idx="2">
-            <a:schemeClr val="accent3"/>
-          </a:lnRef>
-          <a:fillRef idx="1">
-            <a:schemeClr val="lt1"/>
-          </a:fillRef>
-          <a:effectRef idx="0">
-            <a:schemeClr val="accent3"/>
-          </a:effectRef>
-          <a:fontRef idx="minor">
-            <a:schemeClr val="dk1"/>
-          </a:fontRef>
-        </p:style>
-        <p:txBody>
-          <a:bodyPr rtlCol="0" anchor="ctr"/>
-          <a:lstStyle/>
-          <a:p>
-            <a:pPr algn="ctr"/>
-            <a:endParaRPr lang="en-IE"/>
-          </a:p>
-        </p:txBody>
-      </p:sp>
-      <p:sp>
-        <p:nvSpPr>
-          <p:cNvPr id="29" name="TextBox 28">
-            <a:extLst>
-              <a:ext uri="{FF2B5EF4-FFF2-40B4-BE49-F238E27FC236}">
-                <a16:creationId xmlns:a16="http://schemas.microsoft.com/office/drawing/2014/main" id="{A99850E4-FBED-44CD-9A1C-0550B5B4C2F4}"/>
-              </a:ext>
-            </a:extLst>
-          </p:cNvPr>
-          <p:cNvSpPr txBox="1"/>
-          <p:nvPr/>
-        </p:nvSpPr>
-        <p:spPr>
-          <a:xfrm>
-            <a:off x="3110109" y="2771771"/>
-            <a:ext cx="562975" cy="338554"/>
-          </a:xfrm>
-          <a:prstGeom prst="rect">
-            <a:avLst/>
-          </a:prstGeom>
-          <a:noFill/>
-        </p:spPr>
-        <p:txBody>
-          <a:bodyPr wrap="none" rtlCol="0">
-            <a:spAutoFit/>
-          </a:bodyPr>
-          <a:lstStyle>
-            <a:defPPr>
-              <a:defRPr lang="en-US"/>
-            </a:defPPr>
-            <a:lvl1pPr>
-              <a:defRPr sz="1600">
-                <a:solidFill>
-                  <a:schemeClr val="bg2">
-                    <a:lumMod val="50000"/>
-                  </a:schemeClr>
-                </a:solidFill>
-                <a:latin typeface="Segoe UI" panose="020B0502040204020203" pitchFamily="34" charset="0"/>
-                <a:cs typeface="Segoe UI" panose="020B0502040204020203" pitchFamily="34" charset="0"/>
-              </a:defRPr>
-            </a:lvl1pPr>
-          </a:lstStyle>
-          <a:p>
-            <a:pPr algn="ctr"/>
-            <a:r>
-              <a:rPr lang="en-IE" dirty="0"/>
-              <a:t>ADF</a:t>
-            </a:r>
-          </a:p>
-        </p:txBody>
-      </p:sp>
-      <p:sp>
-        <p:nvSpPr>
-          <p:cNvPr id="30" name="TextBox 29">
-            <a:extLst>
-              <a:ext uri="{FF2B5EF4-FFF2-40B4-BE49-F238E27FC236}">
-                <a16:creationId xmlns:a16="http://schemas.microsoft.com/office/drawing/2014/main" id="{0F0FF615-7EB2-4BF1-A8CE-36BA8553B290}"/>
-              </a:ext>
-            </a:extLst>
-          </p:cNvPr>
-          <p:cNvSpPr txBox="1"/>
-          <p:nvPr/>
-        </p:nvSpPr>
-        <p:spPr>
-          <a:xfrm>
-            <a:off x="4101248" y="2775233"/>
-            <a:ext cx="862737" cy="338554"/>
-          </a:xfrm>
-          <a:prstGeom prst="rect">
-            <a:avLst/>
-          </a:prstGeom>
-          <a:noFill/>
-        </p:spPr>
-        <p:txBody>
-          <a:bodyPr wrap="none" rtlCol="0">
-            <a:spAutoFit/>
-          </a:bodyPr>
-          <a:lstStyle>
-            <a:defPPr>
-              <a:defRPr lang="en-US"/>
-            </a:defPPr>
-            <a:lvl1pPr>
-              <a:defRPr sz="1600">
-                <a:solidFill>
-                  <a:schemeClr val="bg2">
-                    <a:lumMod val="50000"/>
-                  </a:schemeClr>
-                </a:solidFill>
-                <a:latin typeface="Segoe UI" panose="020B0502040204020203" pitchFamily="34" charset="0"/>
-                <a:cs typeface="Segoe UI" panose="020B0502040204020203" pitchFamily="34" charset="0"/>
-              </a:defRPr>
-            </a:lvl1pPr>
-          </a:lstStyle>
-          <a:p>
-            <a:pPr algn="ctr"/>
-            <a:r>
-              <a:rPr lang="en-IE" dirty="0"/>
-              <a:t>SQL DB</a:t>
-            </a:r>
-          </a:p>
-        </p:txBody>
-      </p:sp>
-      <p:sp>
-        <p:nvSpPr>
-          <p:cNvPr id="31" name="TextBox 30">
-            <a:extLst>
-              <a:ext uri="{FF2B5EF4-FFF2-40B4-BE49-F238E27FC236}">
-                <a16:creationId xmlns:a16="http://schemas.microsoft.com/office/drawing/2014/main" id="{F4111969-61AE-4AA0-934C-7E119F63CD58}"/>
-              </a:ext>
-            </a:extLst>
-          </p:cNvPr>
-          <p:cNvSpPr txBox="1"/>
-          <p:nvPr/>
-        </p:nvSpPr>
-        <p:spPr>
-          <a:xfrm>
-            <a:off x="5698695" y="2787360"/>
-            <a:ext cx="945002" cy="338554"/>
-          </a:xfrm>
-          <a:prstGeom prst="rect">
-            <a:avLst/>
-          </a:prstGeom>
-          <a:noFill/>
-        </p:spPr>
-        <p:txBody>
-          <a:bodyPr wrap="none" rtlCol="0">
-            <a:spAutoFit/>
-          </a:bodyPr>
-          <a:lstStyle/>
-          <a:p>
-            <a:pPr algn="ctr"/>
-            <a:r>
-              <a:rPr lang="en-IE" sz="1600" dirty="0" err="1">
-                <a:solidFill>
-                  <a:schemeClr val="bg2">
-                    <a:lumMod val="50000"/>
-                  </a:schemeClr>
-                </a:solidFill>
-                <a:latin typeface="Segoe UI" panose="020B0502040204020203" pitchFamily="34" charset="0"/>
-                <a:cs typeface="Segoe UI" panose="020B0502040204020203" pitchFamily="34" charset="0"/>
-              </a:rPr>
-              <a:t>AzureAS</a:t>
-            </a:r>
-            <a:endParaRPr lang="en-IE" sz="1600" dirty="0">
-              <a:solidFill>
-                <a:schemeClr val="bg2">
-                  <a:lumMod val="50000"/>
-                </a:schemeClr>
-              </a:solidFill>
-              <a:latin typeface="Segoe UI" panose="020B0502040204020203" pitchFamily="34" charset="0"/>
-              <a:cs typeface="Segoe UI" panose="020B0502040204020203" pitchFamily="34" charset="0"/>
-            </a:endParaRPr>
-          </a:p>
-        </p:txBody>
-      </p:sp>
-      <p:sp>
-        <p:nvSpPr>
-          <p:cNvPr id="32" name="TextBox 31">
-            <a:extLst>
-              <a:ext uri="{FF2B5EF4-FFF2-40B4-BE49-F238E27FC236}">
-                <a16:creationId xmlns:a16="http://schemas.microsoft.com/office/drawing/2014/main" id="{88BDCF24-88FF-4C01-A276-B73BEC4A124B}"/>
-              </a:ext>
-            </a:extLst>
-          </p:cNvPr>
-          <p:cNvSpPr txBox="1"/>
-          <p:nvPr/>
-        </p:nvSpPr>
-        <p:spPr>
-          <a:xfrm>
-            <a:off x="7516836" y="2762811"/>
-            <a:ext cx="967894" cy="338554"/>
-          </a:xfrm>
-          <a:prstGeom prst="rect">
-            <a:avLst/>
-          </a:prstGeom>
-          <a:noFill/>
-        </p:spPr>
-        <p:txBody>
-          <a:bodyPr wrap="none" rtlCol="0">
-            <a:spAutoFit/>
-          </a:bodyPr>
-          <a:lstStyle/>
-          <a:p>
-            <a:pPr algn="ctr"/>
-            <a:r>
-              <a:rPr lang="en-IE" sz="1600" dirty="0">
-                <a:solidFill>
-                  <a:schemeClr val="bg2">
-                    <a:lumMod val="50000"/>
-                  </a:schemeClr>
-                </a:solidFill>
-                <a:latin typeface="Segoe UI" panose="020B0502040204020203" pitchFamily="34" charset="0"/>
-                <a:cs typeface="Segoe UI" panose="020B0502040204020203" pitchFamily="34" charset="0"/>
-              </a:rPr>
-              <a:t>Power BI</a:t>
-            </a:r>
-          </a:p>
-        </p:txBody>
-      </p:sp>
-      <p:sp>
-        <p:nvSpPr>
-          <p:cNvPr id="37" name="TextBox 36">
-            <a:extLst>
-              <a:ext uri="{FF2B5EF4-FFF2-40B4-BE49-F238E27FC236}">
-                <a16:creationId xmlns:a16="http://schemas.microsoft.com/office/drawing/2014/main" id="{995A6D46-5D44-4107-8CDF-0A9462FF5273}"/>
-              </a:ext>
-            </a:extLst>
-          </p:cNvPr>
-          <p:cNvSpPr txBox="1"/>
-          <p:nvPr/>
-        </p:nvSpPr>
-        <p:spPr>
-          <a:xfrm>
-            <a:off x="384179" y="2431535"/>
-            <a:ext cx="2075696" cy="338554"/>
-          </a:xfrm>
-          <a:prstGeom prst="rect">
-            <a:avLst/>
-          </a:prstGeom>
-          <a:noFill/>
-        </p:spPr>
-        <p:txBody>
-          <a:bodyPr wrap="none" rtlCol="0">
-            <a:spAutoFit/>
-          </a:bodyPr>
-          <a:lstStyle/>
-          <a:p>
-            <a:r>
-              <a:rPr lang="en-IE" sz="1600" dirty="0">
-                <a:solidFill>
-                  <a:schemeClr val="tx2"/>
-                </a:solidFill>
-                <a:latin typeface="Segoe UI" panose="020B0502040204020203" pitchFamily="34" charset="0"/>
-                <a:cs typeface="Segoe UI" panose="020B0502040204020203" pitchFamily="34" charset="0"/>
-              </a:rPr>
-              <a:t>SQL Server/On-Prem</a:t>
-            </a:r>
-          </a:p>
-        </p:txBody>
-      </p:sp>
-      <p:sp>
-        <p:nvSpPr>
-          <p:cNvPr id="38" name="TextBox 37">
-            <a:extLst>
-              <a:ext uri="{FF2B5EF4-FFF2-40B4-BE49-F238E27FC236}">
-                <a16:creationId xmlns:a16="http://schemas.microsoft.com/office/drawing/2014/main" id="{186DDA69-5957-4091-A14D-F019314011BA}"/>
-              </a:ext>
-            </a:extLst>
-          </p:cNvPr>
-          <p:cNvSpPr txBox="1"/>
-          <p:nvPr/>
-        </p:nvSpPr>
-        <p:spPr>
-          <a:xfrm>
-            <a:off x="384179" y="2784955"/>
-            <a:ext cx="1315296" cy="338554"/>
-          </a:xfrm>
-          <a:prstGeom prst="rect">
-            <a:avLst/>
-          </a:prstGeom>
-          <a:noFill/>
-        </p:spPr>
-        <p:txBody>
-          <a:bodyPr wrap="none" rtlCol="0">
-            <a:spAutoFit/>
-          </a:bodyPr>
-          <a:lstStyle/>
-          <a:p>
-            <a:r>
-              <a:rPr lang="en-IE" sz="1600" dirty="0">
-                <a:solidFill>
-                  <a:schemeClr val="tx2"/>
-                </a:solidFill>
-                <a:latin typeface="Segoe UI" panose="020B0502040204020203" pitchFamily="34" charset="0"/>
-                <a:cs typeface="Segoe UI" panose="020B0502040204020203" pitchFamily="34" charset="0"/>
-              </a:rPr>
-              <a:t>Azure/Cloud</a:t>
-            </a:r>
-          </a:p>
-        </p:txBody>
-      </p:sp>
-      <p:sp>
-        <p:nvSpPr>
-          <p:cNvPr id="35" name="TextBox 34">
-            <a:extLst>
-              <a:ext uri="{FF2B5EF4-FFF2-40B4-BE49-F238E27FC236}">
-                <a16:creationId xmlns:a16="http://schemas.microsoft.com/office/drawing/2014/main" id="{C92E9614-BF98-4D81-A567-856AF6F147B0}"/>
-              </a:ext>
-            </a:extLst>
-          </p:cNvPr>
-          <p:cNvSpPr txBox="1"/>
-          <p:nvPr/>
-        </p:nvSpPr>
-        <p:spPr>
-          <a:xfrm>
-            <a:off x="3088251" y="949135"/>
-            <a:ext cx="574768" cy="307777"/>
-          </a:xfrm>
-          <a:prstGeom prst="rect">
-            <a:avLst/>
-          </a:prstGeom>
-          <a:noFill/>
-        </p:spPr>
-        <p:txBody>
-          <a:bodyPr wrap="square" rtlCol="0">
-            <a:spAutoFit/>
-          </a:bodyPr>
-          <a:lstStyle/>
-          <a:p>
-            <a:pPr algn="ctr"/>
-            <a:r>
-              <a:rPr lang="en-IE" sz="1400" dirty="0">
-                <a:solidFill>
-                  <a:schemeClr val="tx2"/>
-                </a:solidFill>
-                <a:latin typeface="Segoe UI" panose="020B0502040204020203" pitchFamily="34" charset="0"/>
-                <a:cs typeface="Segoe UI" panose="020B0502040204020203" pitchFamily="34" charset="0"/>
-              </a:rPr>
-              <a:t>Get</a:t>
-            </a:r>
-          </a:p>
-        </p:txBody>
-      </p:sp>
-      <p:sp>
-        <p:nvSpPr>
-          <p:cNvPr id="40" name="TextBox 39">
-            <a:extLst>
-              <a:ext uri="{FF2B5EF4-FFF2-40B4-BE49-F238E27FC236}">
-                <a16:creationId xmlns:a16="http://schemas.microsoft.com/office/drawing/2014/main" id="{F1D5EFF1-05C1-4F26-A885-71FA0750C7DE}"/>
-              </a:ext>
-            </a:extLst>
-          </p:cNvPr>
-          <p:cNvSpPr txBox="1"/>
-          <p:nvPr/>
-        </p:nvSpPr>
-        <p:spPr>
-          <a:xfrm>
-            <a:off x="4198735" y="927842"/>
-            <a:ext cx="667764" cy="307777"/>
-          </a:xfrm>
-          <a:prstGeom prst="rect">
-            <a:avLst/>
-          </a:prstGeom>
-          <a:noFill/>
-        </p:spPr>
-        <p:txBody>
-          <a:bodyPr wrap="square" rtlCol="0">
-            <a:spAutoFit/>
-          </a:bodyPr>
-          <a:lstStyle/>
-          <a:p>
-            <a:pPr algn="ctr"/>
-            <a:r>
-              <a:rPr lang="en-IE" sz="1400" dirty="0">
-                <a:solidFill>
-                  <a:schemeClr val="tx2"/>
-                </a:solidFill>
-                <a:latin typeface="Segoe UI" panose="020B0502040204020203" pitchFamily="34" charset="0"/>
-                <a:cs typeface="Segoe UI" panose="020B0502040204020203" pitchFamily="34" charset="0"/>
-              </a:rPr>
-              <a:t>Store</a:t>
-            </a:r>
-          </a:p>
-        </p:txBody>
-      </p:sp>
-      <p:sp>
-        <p:nvSpPr>
-          <p:cNvPr id="41" name="TextBox 40">
-            <a:extLst>
-              <a:ext uri="{FF2B5EF4-FFF2-40B4-BE49-F238E27FC236}">
-                <a16:creationId xmlns:a16="http://schemas.microsoft.com/office/drawing/2014/main" id="{61D6C268-D9E1-4FFB-8164-20D2EA072A4B}"/>
-              </a:ext>
-            </a:extLst>
-          </p:cNvPr>
-          <p:cNvSpPr txBox="1"/>
-          <p:nvPr/>
-        </p:nvSpPr>
-        <p:spPr>
-          <a:xfrm>
-            <a:off x="5723499" y="808627"/>
-            <a:ext cx="945002" cy="523220"/>
-          </a:xfrm>
-          <a:prstGeom prst="rect">
-            <a:avLst/>
-          </a:prstGeom>
-          <a:noFill/>
-        </p:spPr>
-        <p:txBody>
-          <a:bodyPr wrap="square" rtlCol="0">
-            <a:spAutoFit/>
-          </a:bodyPr>
-          <a:lstStyle/>
-          <a:p>
-            <a:pPr algn="ctr"/>
-            <a:r>
-              <a:rPr lang="en-IE" sz="1400" dirty="0">
-                <a:solidFill>
-                  <a:schemeClr val="tx2"/>
-                </a:solidFill>
-                <a:latin typeface="Segoe UI" panose="020B0502040204020203" pitchFamily="34" charset="0"/>
-                <a:cs typeface="Segoe UI" panose="020B0502040204020203" pitchFamily="34" charset="0"/>
-              </a:rPr>
-              <a:t>Semantic</a:t>
-            </a:r>
-          </a:p>
-          <a:p>
-            <a:pPr algn="ctr"/>
-            <a:r>
-              <a:rPr lang="en-IE" sz="1400" dirty="0">
-                <a:solidFill>
-                  <a:schemeClr val="tx2"/>
-                </a:solidFill>
-                <a:latin typeface="Segoe UI" panose="020B0502040204020203" pitchFamily="34" charset="0"/>
-                <a:cs typeface="Segoe UI" panose="020B0502040204020203" pitchFamily="34" charset="0"/>
-              </a:rPr>
-              <a:t>Model</a:t>
-            </a:r>
-          </a:p>
-        </p:txBody>
-      </p:sp>
-      <p:sp>
-        <p:nvSpPr>
-          <p:cNvPr id="42" name="TextBox 41">
-            <a:extLst>
-              <a:ext uri="{FF2B5EF4-FFF2-40B4-BE49-F238E27FC236}">
-                <a16:creationId xmlns:a16="http://schemas.microsoft.com/office/drawing/2014/main" id="{8694B7E8-7285-4A9A-BFAA-A20024309646}"/>
-              </a:ext>
-            </a:extLst>
-          </p:cNvPr>
-          <p:cNvSpPr txBox="1"/>
-          <p:nvPr/>
-        </p:nvSpPr>
-        <p:spPr>
-          <a:xfrm>
-            <a:off x="7629033" y="824459"/>
-            <a:ext cx="668269" cy="523220"/>
-          </a:xfrm>
-          <a:prstGeom prst="rect">
-            <a:avLst/>
-          </a:prstGeom>
-          <a:noFill/>
-        </p:spPr>
-        <p:txBody>
-          <a:bodyPr wrap="square" rtlCol="0">
-            <a:spAutoFit/>
-          </a:bodyPr>
-          <a:lstStyle/>
-          <a:p>
-            <a:pPr algn="ctr"/>
-            <a:r>
-              <a:rPr lang="en-IE" sz="1400" dirty="0">
-                <a:solidFill>
-                  <a:schemeClr val="tx2"/>
-                </a:solidFill>
-                <a:latin typeface="Segoe UI" panose="020B0502040204020203" pitchFamily="34" charset="0"/>
-                <a:cs typeface="Segoe UI" panose="020B0502040204020203" pitchFamily="34" charset="0"/>
-              </a:rPr>
-              <a:t>Data Viz</a:t>
-            </a:r>
-          </a:p>
-        </p:txBody>
-      </p:sp>
-      <p:pic>
-        <p:nvPicPr>
-          <p:cNvPr id="43" name="Graphic 42" descr="Line arrow: Slight curve">
-            <a:extLst>
-              <a:ext uri="{FF2B5EF4-FFF2-40B4-BE49-F238E27FC236}">
-                <a16:creationId xmlns:a16="http://schemas.microsoft.com/office/drawing/2014/main" id="{07BE645B-E9F0-41CA-9E03-B347A9573F4C}"/>
-              </a:ext>
-            </a:extLst>
-          </p:cNvPr>
-          <p:cNvPicPr>
-            <a:picLocks noChangeAspect="1"/>
-          </p:cNvPicPr>
-          <p:nvPr/>
-        </p:nvPicPr>
-        <p:blipFill>
-          <a:blip r:embed="rId13">
-            <a:extLst>
-              <a:ext uri="{28A0092B-C50C-407E-A947-70E740481C1C}">
-                <a14:useLocalDpi xmlns:a14="http://schemas.microsoft.com/office/drawing/2010/main" val="0"/>
-              </a:ext>
-              <a:ext uri="{96DAC541-7B7A-43D3-8B79-37D633B846F1}">
-                <asvg:svgBlip xmlns:asvg="http://schemas.microsoft.com/office/drawing/2016/SVG/main" r:embed="rId14"/>
-              </a:ext>
-            </a:extLst>
-          </a:blip>
-          <a:stretch>
-            <a:fillRect/>
-          </a:stretch>
-        </p:blipFill>
-        <p:spPr>
-          <a:xfrm>
-            <a:off x="3061539" y="1653601"/>
-            <a:ext cx="668269" cy="573457"/>
-          </a:xfrm>
-          <a:prstGeom prst="rect">
-            <a:avLst/>
-          </a:prstGeom>
-        </p:spPr>
-      </p:pic>
-      <p:pic>
-        <p:nvPicPr>
-          <p:cNvPr id="45" name="Graphic 44" descr="Line arrow: Slight curve">
-            <a:extLst>
-              <a:ext uri="{FF2B5EF4-FFF2-40B4-BE49-F238E27FC236}">
-                <a16:creationId xmlns:a16="http://schemas.microsoft.com/office/drawing/2014/main" id="{D7391A4A-7F95-4BE5-8857-DC3A4E2F6696}"/>
-              </a:ext>
-            </a:extLst>
-          </p:cNvPr>
-          <p:cNvPicPr>
-            <a:picLocks noChangeAspect="1"/>
-          </p:cNvPicPr>
-          <p:nvPr/>
-        </p:nvPicPr>
-        <p:blipFill>
-          <a:blip r:embed="rId13">
-            <a:extLst>
-              <a:ext uri="{28A0092B-C50C-407E-A947-70E740481C1C}">
-                <a14:useLocalDpi xmlns:a14="http://schemas.microsoft.com/office/drawing/2010/main" val="0"/>
-              </a:ext>
-              <a:ext uri="{96DAC541-7B7A-43D3-8B79-37D633B846F1}">
-                <asvg:svgBlip xmlns:asvg="http://schemas.microsoft.com/office/drawing/2016/SVG/main" r:embed="rId14"/>
-              </a:ext>
-            </a:extLst>
-          </a:blip>
-          <a:stretch>
-            <a:fillRect/>
-          </a:stretch>
-        </p:blipFill>
-        <p:spPr>
-          <a:xfrm flipV="1">
-            <a:off x="5014976" y="1392202"/>
-            <a:ext cx="573457" cy="573457"/>
-          </a:xfrm>
-          <a:prstGeom prst="rect">
-            <a:avLst/>
-          </a:prstGeom>
-        </p:spPr>
-      </p:pic>
-      <p:pic>
-        <p:nvPicPr>
-          <p:cNvPr id="46" name="Graphic 45" descr="Line arrow: Counter-clockwise curve">
-            <a:extLst>
-              <a:ext uri="{FF2B5EF4-FFF2-40B4-BE49-F238E27FC236}">
-                <a16:creationId xmlns:a16="http://schemas.microsoft.com/office/drawing/2014/main" id="{2440F495-678B-4938-9E15-FA1C25E7FFD2}"/>
-              </a:ext>
-            </a:extLst>
-          </p:cNvPr>
-          <p:cNvPicPr>
-            <a:picLocks noChangeAspect="1"/>
-          </p:cNvPicPr>
-          <p:nvPr/>
-        </p:nvPicPr>
-        <p:blipFill>
-          <a:blip r:embed="rId15">
-            <a:extLst>
-              <a:ext uri="{28A0092B-C50C-407E-A947-70E740481C1C}">
-                <a14:useLocalDpi xmlns:a14="http://schemas.microsoft.com/office/drawing/2010/main" val="0"/>
-              </a:ext>
-              <a:ext uri="{96DAC541-7B7A-43D3-8B79-37D633B846F1}">
-                <asvg:svgBlip xmlns:asvg="http://schemas.microsoft.com/office/drawing/2016/SVG/main" r:embed="rId16"/>
-              </a:ext>
-            </a:extLst>
-          </a:blip>
-          <a:stretch>
-            <a:fillRect/>
-          </a:stretch>
-        </p:blipFill>
-        <p:spPr>
-          <a:xfrm rot="5400000">
-            <a:off x="6668501" y="1796574"/>
-            <a:ext cx="567035" cy="567035"/>
-          </a:xfrm>
-          <a:prstGeom prst="rect">
-            <a:avLst/>
-          </a:prstGeom>
-        </p:spPr>
-      </p:pic>
-      <p:sp>
-        <p:nvSpPr>
-          <p:cNvPr id="3" name="TextBox 2">
-            <a:extLst>
-              <a:ext uri="{FF2B5EF4-FFF2-40B4-BE49-F238E27FC236}">
-                <a16:creationId xmlns:a16="http://schemas.microsoft.com/office/drawing/2014/main" id="{7A47A6BA-8712-4485-BFF0-CFCA178E47C1}"/>
-              </a:ext>
-            </a:extLst>
-          </p:cNvPr>
-          <p:cNvSpPr txBox="1"/>
-          <p:nvPr/>
-        </p:nvSpPr>
-        <p:spPr>
-          <a:xfrm rot="20970401">
-            <a:off x="606028" y="942150"/>
-            <a:ext cx="1049471" cy="523220"/>
-          </a:xfrm>
-          <a:prstGeom prst="rect">
-            <a:avLst/>
-          </a:prstGeom>
-          <a:noFill/>
-          <a:ln>
-            <a:solidFill>
-              <a:srgbClr val="ED9800"/>
-            </a:solidFill>
-          </a:ln>
-        </p:spPr>
-        <p:txBody>
-          <a:bodyPr wrap="square" rtlCol="0">
-            <a:spAutoFit/>
-          </a:bodyPr>
-          <a:lstStyle/>
-          <a:p>
-            <a:pPr algn="ctr"/>
-            <a:r>
-              <a:rPr lang="en-IE" sz="1400" dirty="0">
-                <a:solidFill>
-                  <a:srgbClr val="0271AF"/>
-                </a:solidFill>
-                <a:latin typeface="Segoe UI" panose="020B0502040204020203" pitchFamily="34" charset="0"/>
-                <a:cs typeface="Segoe UI" panose="020B0502040204020203" pitchFamily="34" charset="0"/>
-              </a:rPr>
-              <a:t>Typical BI Solution</a:t>
-            </a:r>
-          </a:p>
-        </p:txBody>
-      </p:sp>
-      <p:sp>
-        <p:nvSpPr>
-          <p:cNvPr id="39" name="TextBox 38">
-            <a:extLst>
-              <a:ext uri="{FF2B5EF4-FFF2-40B4-BE49-F238E27FC236}">
-                <a16:creationId xmlns:a16="http://schemas.microsoft.com/office/drawing/2014/main" id="{DCE0DBA1-8C10-4C1C-BBA6-843A7DDDECCE}"/>
-              </a:ext>
-            </a:extLst>
-          </p:cNvPr>
-          <p:cNvSpPr txBox="1"/>
-          <p:nvPr/>
-        </p:nvSpPr>
-        <p:spPr>
-          <a:xfrm rot="371777">
-            <a:off x="8821343" y="2566939"/>
-            <a:ext cx="1217995" cy="523220"/>
-          </a:xfrm>
-          <a:prstGeom prst="rect">
-            <a:avLst/>
-          </a:prstGeom>
-          <a:solidFill>
-            <a:schemeClr val="bg1"/>
-          </a:solidFill>
-          <a:ln>
-            <a:solidFill>
-              <a:srgbClr val="ED9800"/>
-            </a:solidFill>
-          </a:ln>
-        </p:spPr>
-        <p:txBody>
-          <a:bodyPr wrap="square" rtlCol="0">
-            <a:spAutoFit/>
-          </a:bodyPr>
-          <a:lstStyle/>
-          <a:p>
-            <a:pPr algn="ctr"/>
-            <a:r>
-              <a:rPr lang="en-IE" sz="1400" dirty="0">
-                <a:solidFill>
-                  <a:srgbClr val="0271AF"/>
-                </a:solidFill>
-                <a:latin typeface="Segoe UI" panose="020B0502040204020203" pitchFamily="34" charset="0"/>
-                <a:cs typeface="Segoe UI" panose="020B0502040204020203" pitchFamily="34" charset="0"/>
-              </a:rPr>
-              <a:t>Tools &amp; Technology</a:t>
-            </a:r>
-          </a:p>
-        </p:txBody>
-      </p:sp>
-      <p:sp>
-        <p:nvSpPr>
-          <p:cNvPr id="48" name="TextBox 47">
-            <a:extLst>
-              <a:ext uri="{FF2B5EF4-FFF2-40B4-BE49-F238E27FC236}">
-                <a16:creationId xmlns:a16="http://schemas.microsoft.com/office/drawing/2014/main" id="{955E4227-A460-4108-AE95-230ADC8E4FB9}"/>
-              </a:ext>
-            </a:extLst>
-          </p:cNvPr>
-          <p:cNvSpPr txBox="1"/>
-          <p:nvPr/>
-        </p:nvSpPr>
-        <p:spPr>
-          <a:xfrm>
-            <a:off x="3563280" y="3833249"/>
-            <a:ext cx="1075936" cy="338554"/>
-          </a:xfrm>
-          <a:prstGeom prst="rect">
-            <a:avLst/>
-          </a:prstGeom>
-          <a:noFill/>
-        </p:spPr>
-        <p:txBody>
-          <a:bodyPr wrap="none" rtlCol="0">
-            <a:spAutoFit/>
-          </a:bodyPr>
-          <a:lstStyle>
-            <a:defPPr>
-              <a:defRPr lang="en-US"/>
-            </a:defPPr>
-            <a:lvl1pPr>
-              <a:defRPr sz="1600">
-                <a:solidFill>
-                  <a:schemeClr val="bg2">
-                    <a:lumMod val="50000"/>
-                  </a:schemeClr>
-                </a:solidFill>
-                <a:latin typeface="Segoe UI" panose="020B0502040204020203" pitchFamily="34" charset="0"/>
-                <a:cs typeface="Segoe UI" panose="020B0502040204020203" pitchFamily="34" charset="0"/>
-              </a:defRPr>
-            </a:lvl1pPr>
-          </a:lstStyle>
-          <a:p>
-            <a:pPr algn="ctr"/>
-            <a:r>
-              <a:rPr lang="en-IE" dirty="0">
-                <a:solidFill>
-                  <a:schemeClr val="accent1"/>
-                </a:solidFill>
-              </a:rPr>
-              <a:t>Dataflows</a:t>
-            </a:r>
-          </a:p>
-        </p:txBody>
-      </p:sp>
-      <p:sp>
-        <p:nvSpPr>
-          <p:cNvPr id="54" name="TextBox 53">
-            <a:extLst>
-              <a:ext uri="{FF2B5EF4-FFF2-40B4-BE49-F238E27FC236}">
-                <a16:creationId xmlns:a16="http://schemas.microsoft.com/office/drawing/2014/main" id="{1A89CC1C-1130-47AB-A137-E917C710D883}"/>
-              </a:ext>
-            </a:extLst>
-          </p:cNvPr>
-          <p:cNvSpPr txBox="1"/>
-          <p:nvPr/>
-        </p:nvSpPr>
-        <p:spPr>
-          <a:xfrm>
-            <a:off x="3462926" y="4409746"/>
-            <a:ext cx="1075936" cy="338554"/>
-          </a:xfrm>
-          <a:prstGeom prst="rect">
-            <a:avLst/>
-          </a:prstGeom>
-          <a:noFill/>
-        </p:spPr>
-        <p:txBody>
-          <a:bodyPr wrap="none" rtlCol="0">
-            <a:spAutoFit/>
-          </a:bodyPr>
-          <a:lstStyle>
-            <a:defPPr>
-              <a:defRPr lang="en-US"/>
-            </a:defPPr>
-            <a:lvl1pPr>
-              <a:defRPr sz="1600">
-                <a:solidFill>
-                  <a:schemeClr val="bg2">
-                    <a:lumMod val="50000"/>
-                  </a:schemeClr>
-                </a:solidFill>
-                <a:latin typeface="Segoe UI" panose="020B0502040204020203" pitchFamily="34" charset="0"/>
-                <a:cs typeface="Segoe UI" panose="020B0502040204020203" pitchFamily="34" charset="0"/>
-              </a:defRPr>
-            </a:lvl1pPr>
-          </a:lstStyle>
-          <a:p>
-            <a:pPr algn="ctr"/>
-            <a:r>
-              <a:rPr lang="en-IE" dirty="0"/>
-              <a:t>Dataflows</a:t>
-            </a:r>
-          </a:p>
-        </p:txBody>
-      </p:sp>
-      <p:sp>
-        <p:nvSpPr>
-          <p:cNvPr id="55" name="Rectangle 54">
-            <a:extLst>
-              <a:ext uri="{FF2B5EF4-FFF2-40B4-BE49-F238E27FC236}">
-                <a16:creationId xmlns:a16="http://schemas.microsoft.com/office/drawing/2014/main" id="{40121A50-09A6-4B63-BE4C-C8046065CF70}"/>
-              </a:ext>
-            </a:extLst>
-          </p:cNvPr>
-          <p:cNvSpPr/>
-          <p:nvPr/>
-        </p:nvSpPr>
-        <p:spPr>
-          <a:xfrm>
-            <a:off x="392306" y="4298103"/>
-            <a:ext cx="8531604" cy="353420"/>
-          </a:xfrm>
-          <a:prstGeom prst="rect">
-            <a:avLst/>
-          </a:prstGeom>
-          <a:ln w="3175"/>
-        </p:spPr>
-        <p:style>
-          <a:lnRef idx="2">
-            <a:schemeClr val="accent3"/>
-          </a:lnRef>
-          <a:fillRef idx="1">
-            <a:schemeClr val="lt1"/>
-          </a:fillRef>
-          <a:effectRef idx="0">
-            <a:schemeClr val="accent3"/>
-          </a:effectRef>
-          <a:fontRef idx="minor">
-            <a:schemeClr val="dk1"/>
-          </a:fontRef>
-        </p:style>
-        <p:txBody>
-          <a:bodyPr rtlCol="0" anchor="ctr"/>
-          <a:lstStyle/>
-          <a:p>
-            <a:pPr algn="ctr"/>
-            <a:endParaRPr lang="en-IE"/>
-          </a:p>
-        </p:txBody>
-      </p:sp>
-      <p:sp>
-        <p:nvSpPr>
-          <p:cNvPr id="56" name="TextBox 55">
-            <a:extLst>
-              <a:ext uri="{FF2B5EF4-FFF2-40B4-BE49-F238E27FC236}">
-                <a16:creationId xmlns:a16="http://schemas.microsoft.com/office/drawing/2014/main" id="{413C296B-A8F1-4DD9-B646-27A93142C7BD}"/>
-              </a:ext>
-            </a:extLst>
-          </p:cNvPr>
-          <p:cNvSpPr txBox="1"/>
-          <p:nvPr/>
-        </p:nvSpPr>
-        <p:spPr>
-          <a:xfrm>
-            <a:off x="2698430" y="4310159"/>
-            <a:ext cx="1354410" cy="338554"/>
-          </a:xfrm>
-          <a:prstGeom prst="rect">
-            <a:avLst/>
-          </a:prstGeom>
-          <a:noFill/>
-        </p:spPr>
-        <p:txBody>
-          <a:bodyPr wrap="none" rtlCol="0">
-            <a:spAutoFit/>
-          </a:bodyPr>
-          <a:lstStyle/>
-          <a:p>
-            <a:pPr algn="ctr"/>
-            <a:r>
-              <a:rPr lang="en-IE" sz="1600" dirty="0">
-                <a:solidFill>
-                  <a:schemeClr val="bg2">
-                    <a:lumMod val="50000"/>
-                  </a:schemeClr>
-                </a:solidFill>
-                <a:latin typeface="Segoe UI" panose="020B0502040204020203" pitchFamily="34" charset="0"/>
-                <a:cs typeface="Segoe UI" panose="020B0502040204020203" pitchFamily="34" charset="0"/>
-              </a:rPr>
-              <a:t>Power Query</a:t>
-            </a:r>
-          </a:p>
-        </p:txBody>
-      </p:sp>
-      <p:sp>
-        <p:nvSpPr>
-          <p:cNvPr id="57" name="TextBox 56">
-            <a:extLst>
-              <a:ext uri="{FF2B5EF4-FFF2-40B4-BE49-F238E27FC236}">
-                <a16:creationId xmlns:a16="http://schemas.microsoft.com/office/drawing/2014/main" id="{03EE7111-6650-4440-9331-58F53AA8BEB4}"/>
-              </a:ext>
-            </a:extLst>
-          </p:cNvPr>
-          <p:cNvSpPr txBox="1"/>
-          <p:nvPr/>
-        </p:nvSpPr>
-        <p:spPr>
-          <a:xfrm>
-            <a:off x="5677310" y="4305536"/>
-            <a:ext cx="987771" cy="338554"/>
-          </a:xfrm>
-          <a:prstGeom prst="rect">
-            <a:avLst/>
-          </a:prstGeom>
-          <a:noFill/>
-        </p:spPr>
-        <p:txBody>
-          <a:bodyPr wrap="none" rtlCol="0">
-            <a:spAutoFit/>
-          </a:bodyPr>
-          <a:lstStyle/>
-          <a:p>
-            <a:pPr algn="ctr"/>
-            <a:r>
-              <a:rPr lang="en-IE" sz="1600" dirty="0">
-                <a:solidFill>
-                  <a:schemeClr val="bg2">
-                    <a:lumMod val="50000"/>
-                  </a:schemeClr>
-                </a:solidFill>
-                <a:latin typeface="Segoe UI" panose="020B0502040204020203" pitchFamily="34" charset="0"/>
-                <a:cs typeface="Segoe UI" panose="020B0502040204020203" pitchFamily="34" charset="0"/>
-              </a:rPr>
-              <a:t>PBI SSAS</a:t>
-            </a:r>
-          </a:p>
-        </p:txBody>
-      </p:sp>
-      <p:sp>
-        <p:nvSpPr>
-          <p:cNvPr id="58" name="TextBox 57">
-            <a:extLst>
-              <a:ext uri="{FF2B5EF4-FFF2-40B4-BE49-F238E27FC236}">
-                <a16:creationId xmlns:a16="http://schemas.microsoft.com/office/drawing/2014/main" id="{863DD849-F30C-4B9C-966A-473C60AC14BF}"/>
-              </a:ext>
-            </a:extLst>
-          </p:cNvPr>
-          <p:cNvSpPr txBox="1"/>
-          <p:nvPr/>
-        </p:nvSpPr>
-        <p:spPr>
-          <a:xfrm>
-            <a:off x="7473110" y="4305536"/>
-            <a:ext cx="798617" cy="338554"/>
-          </a:xfrm>
-          <a:prstGeom prst="rect">
-            <a:avLst/>
-          </a:prstGeom>
-          <a:noFill/>
-        </p:spPr>
-        <p:txBody>
-          <a:bodyPr wrap="none" rtlCol="0">
-            <a:spAutoFit/>
-          </a:bodyPr>
-          <a:lstStyle>
-            <a:defPPr>
-              <a:defRPr lang="en-US"/>
-            </a:defPPr>
-            <a:lvl1pPr>
-              <a:defRPr sz="1600">
-                <a:solidFill>
-                  <a:schemeClr val="bg2">
-                    <a:lumMod val="50000"/>
-                  </a:schemeClr>
-                </a:solidFill>
-                <a:latin typeface="Segoe UI" panose="020B0502040204020203" pitchFamily="34" charset="0"/>
-                <a:cs typeface="Segoe UI" panose="020B0502040204020203" pitchFamily="34" charset="0"/>
-              </a:defRPr>
-            </a:lvl1pPr>
-          </a:lstStyle>
-          <a:p>
-            <a:pPr algn="ctr"/>
-            <a:r>
-              <a:rPr lang="en-IE" dirty="0"/>
-              <a:t>PBI Viz</a:t>
-            </a:r>
-          </a:p>
-        </p:txBody>
-      </p:sp>
-      <p:sp>
-        <p:nvSpPr>
-          <p:cNvPr id="59" name="TextBox 58">
-            <a:extLst>
-              <a:ext uri="{FF2B5EF4-FFF2-40B4-BE49-F238E27FC236}">
-                <a16:creationId xmlns:a16="http://schemas.microsoft.com/office/drawing/2014/main" id="{9DFEC0E8-EFEA-4B02-B660-3C735E2B1A98}"/>
-              </a:ext>
-            </a:extLst>
-          </p:cNvPr>
-          <p:cNvSpPr txBox="1"/>
-          <p:nvPr/>
-        </p:nvSpPr>
-        <p:spPr>
-          <a:xfrm>
-            <a:off x="384179" y="4310269"/>
-            <a:ext cx="1718868" cy="338554"/>
-          </a:xfrm>
-          <a:prstGeom prst="rect">
-            <a:avLst/>
-          </a:prstGeom>
-          <a:noFill/>
-        </p:spPr>
-        <p:txBody>
-          <a:bodyPr wrap="none" rtlCol="0">
-            <a:spAutoFit/>
-          </a:bodyPr>
-          <a:lstStyle/>
-          <a:p>
-            <a:r>
-              <a:rPr lang="en-IE" sz="1600" dirty="0">
-                <a:solidFill>
-                  <a:schemeClr val="tx2"/>
-                </a:solidFill>
-                <a:latin typeface="Segoe UI" panose="020B0502040204020203" pitchFamily="34" charset="0"/>
-                <a:cs typeface="Segoe UI" panose="020B0502040204020203" pitchFamily="34" charset="0"/>
-              </a:rPr>
-              <a:t>Power BI Evolved</a:t>
-            </a:r>
-          </a:p>
-        </p:txBody>
-      </p:sp>
-      <p:sp>
-        <p:nvSpPr>
-          <p:cNvPr id="60" name="TextBox 59">
-            <a:extLst>
-              <a:ext uri="{FF2B5EF4-FFF2-40B4-BE49-F238E27FC236}">
-                <a16:creationId xmlns:a16="http://schemas.microsoft.com/office/drawing/2014/main" id="{922CE69B-D550-46EC-A9E2-44C14D15E109}"/>
-              </a:ext>
-            </a:extLst>
-          </p:cNvPr>
-          <p:cNvSpPr txBox="1"/>
-          <p:nvPr/>
-        </p:nvSpPr>
-        <p:spPr>
-          <a:xfrm>
-            <a:off x="4229362" y="4305861"/>
-            <a:ext cx="639919" cy="338554"/>
-          </a:xfrm>
-          <a:prstGeom prst="rect">
-            <a:avLst/>
-          </a:prstGeom>
-          <a:noFill/>
-        </p:spPr>
-        <p:txBody>
-          <a:bodyPr wrap="none" rtlCol="0">
-            <a:spAutoFit/>
-          </a:bodyPr>
-          <a:lstStyle/>
-          <a:p>
-            <a:pPr algn="ctr"/>
-            <a:r>
-              <a:rPr lang="en-IE" sz="1600" dirty="0">
-                <a:solidFill>
-                  <a:schemeClr val="bg2">
-                    <a:lumMod val="50000"/>
-                  </a:schemeClr>
-                </a:solidFill>
-                <a:latin typeface="Segoe UI" panose="020B0502040204020203" pitchFamily="34" charset="0"/>
-                <a:cs typeface="Segoe UI" panose="020B0502040204020203" pitchFamily="34" charset="0"/>
-              </a:rPr>
-              <a:t>CDM</a:t>
-            </a:r>
-          </a:p>
-        </p:txBody>
-      </p:sp>
-      <p:sp>
-        <p:nvSpPr>
-          <p:cNvPr id="61" name="TextBox 60">
-            <a:extLst>
-              <a:ext uri="{FF2B5EF4-FFF2-40B4-BE49-F238E27FC236}">
-                <a16:creationId xmlns:a16="http://schemas.microsoft.com/office/drawing/2014/main" id="{326CD1B8-CCFB-469C-B07C-015D222A4893}"/>
-              </a:ext>
-            </a:extLst>
-          </p:cNvPr>
-          <p:cNvSpPr txBox="1"/>
-          <p:nvPr/>
-        </p:nvSpPr>
-        <p:spPr>
-          <a:xfrm>
-            <a:off x="5723499" y="3502624"/>
-            <a:ext cx="945002" cy="830997"/>
-          </a:xfrm>
-          <a:prstGeom prst="rect">
-            <a:avLst/>
-          </a:prstGeom>
-          <a:noFill/>
-        </p:spPr>
-        <p:txBody>
-          <a:bodyPr wrap="square" rtlCol="0">
-            <a:spAutoFit/>
-          </a:bodyPr>
-          <a:lstStyle>
-            <a:defPPr>
-              <a:defRPr lang="en-US"/>
-            </a:defPPr>
-            <a:lvl1pPr>
-              <a:defRPr sz="1600">
-                <a:solidFill>
-                  <a:schemeClr val="bg2">
-                    <a:lumMod val="50000"/>
-                  </a:schemeClr>
-                </a:solidFill>
-                <a:latin typeface="Segoe UI" panose="020B0502040204020203" pitchFamily="34" charset="0"/>
-                <a:cs typeface="Segoe UI" panose="020B0502040204020203" pitchFamily="34" charset="0"/>
-              </a:defRPr>
-            </a:lvl1pPr>
-          </a:lstStyle>
-          <a:p>
-            <a:pPr algn="ctr"/>
-            <a:r>
-              <a:rPr lang="en-IE" dirty="0">
-                <a:solidFill>
-                  <a:schemeClr val="accent1"/>
-                </a:solidFill>
-              </a:rPr>
-              <a:t>Shared Data Model</a:t>
-            </a:r>
-          </a:p>
-        </p:txBody>
-      </p:sp>
-      <p:sp>
-        <p:nvSpPr>
-          <p:cNvPr id="62" name="TextBox 61">
-            <a:extLst>
-              <a:ext uri="{FF2B5EF4-FFF2-40B4-BE49-F238E27FC236}">
-                <a16:creationId xmlns:a16="http://schemas.microsoft.com/office/drawing/2014/main" id="{B8CC4763-E76C-49B5-BA65-DBC22272B110}"/>
-              </a:ext>
-            </a:extLst>
-          </p:cNvPr>
-          <p:cNvSpPr txBox="1"/>
-          <p:nvPr/>
-        </p:nvSpPr>
-        <p:spPr>
-          <a:xfrm>
-            <a:off x="7305876" y="3459673"/>
-            <a:ext cx="1430058" cy="830997"/>
-          </a:xfrm>
-          <a:prstGeom prst="rect">
-            <a:avLst/>
-          </a:prstGeom>
-          <a:noFill/>
-        </p:spPr>
-        <p:txBody>
-          <a:bodyPr wrap="square" rtlCol="0">
-            <a:spAutoFit/>
-          </a:bodyPr>
-          <a:lstStyle>
-            <a:defPPr>
-              <a:defRPr lang="en-US"/>
-            </a:defPPr>
-            <a:lvl1pPr>
-              <a:defRPr sz="1600">
-                <a:solidFill>
-                  <a:schemeClr val="bg2">
-                    <a:lumMod val="50000"/>
-                  </a:schemeClr>
-                </a:solidFill>
-                <a:latin typeface="Segoe UI" panose="020B0502040204020203" pitchFamily="34" charset="0"/>
-                <a:cs typeface="Segoe UI" panose="020B0502040204020203" pitchFamily="34" charset="0"/>
-              </a:defRPr>
-            </a:lvl1pPr>
-          </a:lstStyle>
-          <a:p>
-            <a:pPr algn="ctr"/>
-            <a:r>
-              <a:rPr lang="en-IE" dirty="0">
-                <a:solidFill>
-                  <a:schemeClr val="accent1"/>
-                </a:solidFill>
-              </a:rPr>
-              <a:t>Live</a:t>
-            </a:r>
-          </a:p>
-          <a:p>
-            <a:pPr algn="ctr"/>
-            <a:r>
-              <a:rPr lang="en-IE" dirty="0">
-                <a:solidFill>
-                  <a:schemeClr val="accent1"/>
-                </a:solidFill>
-              </a:rPr>
-              <a:t>Connection Reports</a:t>
-            </a:r>
-          </a:p>
-        </p:txBody>
-      </p:sp>
-      <p:pic>
-        <p:nvPicPr>
-          <p:cNvPr id="63" name="Picture 62">
-            <a:extLst>
-              <a:ext uri="{FF2B5EF4-FFF2-40B4-BE49-F238E27FC236}">
-                <a16:creationId xmlns:a16="http://schemas.microsoft.com/office/drawing/2014/main" id="{DB4E7D3D-3E1A-4905-9165-31271319E257}"/>
-              </a:ext>
-            </a:extLst>
-          </p:cNvPr>
-          <p:cNvPicPr>
-            <a:picLocks noChangeAspect="1"/>
-          </p:cNvPicPr>
-          <p:nvPr/>
-        </p:nvPicPr>
-        <p:blipFill>
-          <a:blip r:embed="rId17"/>
-          <a:stretch>
-            <a:fillRect/>
-          </a:stretch>
-        </p:blipFill>
-        <p:spPr>
-          <a:xfrm>
-            <a:off x="5378592" y="5028691"/>
-            <a:ext cx="1620042" cy="918885"/>
-          </a:xfrm>
-          <a:prstGeom prst="rect">
-            <a:avLst/>
-          </a:prstGeom>
-        </p:spPr>
-      </p:pic>
-      <p:pic>
-        <p:nvPicPr>
-          <p:cNvPr id="64" name="Picture 63">
-            <a:extLst>
-              <a:ext uri="{FF2B5EF4-FFF2-40B4-BE49-F238E27FC236}">
-                <a16:creationId xmlns:a16="http://schemas.microsoft.com/office/drawing/2014/main" id="{87B46D08-E3BC-4B63-8F44-DDA0D5CBBD0A}"/>
-              </a:ext>
-            </a:extLst>
-          </p:cNvPr>
-          <p:cNvPicPr>
-            <a:picLocks noChangeAspect="1"/>
-          </p:cNvPicPr>
-          <p:nvPr/>
-        </p:nvPicPr>
-        <p:blipFill>
-          <a:blip r:embed="rId17"/>
-          <a:stretch>
-            <a:fillRect/>
-          </a:stretch>
-        </p:blipFill>
-        <p:spPr>
-          <a:xfrm>
-            <a:off x="7689970" y="4792781"/>
-            <a:ext cx="840059" cy="476480"/>
-          </a:xfrm>
-          <a:prstGeom prst="rect">
-            <a:avLst/>
-          </a:prstGeom>
-        </p:spPr>
-      </p:pic>
-      <p:pic>
-        <p:nvPicPr>
-          <p:cNvPr id="66" name="Picture 65">
-            <a:extLst>
-              <a:ext uri="{FF2B5EF4-FFF2-40B4-BE49-F238E27FC236}">
-                <a16:creationId xmlns:a16="http://schemas.microsoft.com/office/drawing/2014/main" id="{2CE8985B-8C64-4EE1-B53E-6C385DB7DA20}"/>
-              </a:ext>
-            </a:extLst>
-          </p:cNvPr>
-          <p:cNvPicPr>
-            <a:picLocks noChangeAspect="1"/>
-          </p:cNvPicPr>
-          <p:nvPr/>
-        </p:nvPicPr>
-        <p:blipFill>
-          <a:blip r:embed="rId17"/>
-          <a:stretch>
-            <a:fillRect/>
-          </a:stretch>
-        </p:blipFill>
-        <p:spPr>
-          <a:xfrm>
-            <a:off x="8111005" y="5198840"/>
-            <a:ext cx="840059" cy="476480"/>
-          </a:xfrm>
-          <a:prstGeom prst="rect">
-            <a:avLst/>
-          </a:prstGeom>
-        </p:spPr>
-      </p:pic>
-      <p:pic>
-        <p:nvPicPr>
-          <p:cNvPr id="68" name="Graphic 67" descr="Ethernet">
-            <a:extLst>
-              <a:ext uri="{FF2B5EF4-FFF2-40B4-BE49-F238E27FC236}">
-                <a16:creationId xmlns:a16="http://schemas.microsoft.com/office/drawing/2014/main" id="{1449B13C-C934-40E8-94E1-B2C14A5E2661}"/>
-              </a:ext>
-            </a:extLst>
-          </p:cNvPr>
-          <p:cNvPicPr>
-            <a:picLocks noChangeAspect="1"/>
-          </p:cNvPicPr>
-          <p:nvPr/>
-        </p:nvPicPr>
-        <p:blipFill>
-          <a:blip r:embed="rId18">
-            <a:extLst>
-              <a:ext uri="{28A0092B-C50C-407E-A947-70E740481C1C}">
-                <a14:useLocalDpi xmlns:a14="http://schemas.microsoft.com/office/drawing/2010/main" val="0"/>
-              </a:ext>
-              <a:ext uri="{96DAC541-7B7A-43D3-8B79-37D633B846F1}">
-                <asvg:svgBlip xmlns:asvg="http://schemas.microsoft.com/office/drawing/2016/SVG/main" r:embed="rId19"/>
-              </a:ext>
-            </a:extLst>
-          </a:blip>
-          <a:stretch>
-            <a:fillRect/>
-          </a:stretch>
-        </p:blipFill>
-        <p:spPr>
-          <a:xfrm>
-            <a:off x="2839518" y="5190358"/>
-            <a:ext cx="395681" cy="395681"/>
-          </a:xfrm>
-          <a:prstGeom prst="rect">
-            <a:avLst/>
-          </a:prstGeom>
-        </p:spPr>
-      </p:pic>
-      <p:pic>
-        <p:nvPicPr>
-          <p:cNvPr id="11" name="Graphic 10">
-            <a:extLst>
-              <a:ext uri="{FF2B5EF4-FFF2-40B4-BE49-F238E27FC236}">
-                <a16:creationId xmlns:a16="http://schemas.microsoft.com/office/drawing/2014/main" id="{4929088E-24A1-43ED-BF3B-DE6EDF072C66}"/>
-              </a:ext>
-            </a:extLst>
-          </p:cNvPr>
-          <p:cNvPicPr>
-            <a:picLocks noChangeAspect="1"/>
-          </p:cNvPicPr>
-          <p:nvPr/>
-        </p:nvPicPr>
-        <p:blipFill>
-          <a:blip r:embed="rId20">
-            <a:extLst>
-              <a:ext uri="{28A0092B-C50C-407E-A947-70E740481C1C}">
-                <a14:useLocalDpi xmlns:a14="http://schemas.microsoft.com/office/drawing/2010/main" val="0"/>
-              </a:ext>
-              <a:ext uri="{96DAC541-7B7A-43D3-8B79-37D633B846F1}">
-                <asvg:svgBlip xmlns:asvg="http://schemas.microsoft.com/office/drawing/2016/SVG/main" r:embed="rId21"/>
-              </a:ext>
-            </a:extLst>
-          </a:blip>
-          <a:stretch>
-            <a:fillRect/>
-          </a:stretch>
-        </p:blipFill>
-        <p:spPr>
-          <a:xfrm>
-            <a:off x="4241205" y="5101515"/>
-            <a:ext cx="581201" cy="581201"/>
-          </a:xfrm>
-          <a:prstGeom prst="rect">
-            <a:avLst/>
-          </a:prstGeom>
-        </p:spPr>
-      </p:pic>
-      <p:sp>
-        <p:nvSpPr>
-          <p:cNvPr id="69" name="Cube 68">
-            <a:extLst>
-              <a:ext uri="{FF2B5EF4-FFF2-40B4-BE49-F238E27FC236}">
-                <a16:creationId xmlns:a16="http://schemas.microsoft.com/office/drawing/2014/main" id="{6DFF0394-F28E-479C-B927-4B09DD4DDDF4}"/>
-              </a:ext>
-            </a:extLst>
-          </p:cNvPr>
-          <p:cNvSpPr/>
-          <p:nvPr/>
-        </p:nvSpPr>
-        <p:spPr>
-          <a:xfrm>
-            <a:off x="5463006" y="5540541"/>
-            <a:ext cx="331782" cy="334012"/>
-          </a:xfrm>
-          <a:prstGeom prst="cube">
-            <a:avLst>
-              <a:gd name="adj" fmla="val 14691"/>
-            </a:avLst>
-          </a:prstGeom>
-          <a:ln w="9525"/>
-        </p:spPr>
-        <p:style>
-          <a:lnRef idx="2">
-            <a:schemeClr val="accent5"/>
-          </a:lnRef>
-          <a:fillRef idx="1">
-            <a:schemeClr val="lt1"/>
-          </a:fillRef>
-          <a:effectRef idx="0">
-            <a:schemeClr val="accent5"/>
-          </a:effectRef>
-          <a:fontRef idx="minor">
-            <a:schemeClr val="dk1"/>
-          </a:fontRef>
-        </p:style>
-        <p:txBody>
-          <a:bodyPr rtlCol="0" anchor="ctr"/>
-          <a:lstStyle/>
-          <a:p>
-            <a:pPr algn="ctr"/>
-            <a:endParaRPr lang="en-IE"/>
-          </a:p>
-        </p:txBody>
-      </p:sp>
-      <p:pic>
-        <p:nvPicPr>
-          <p:cNvPr id="71" name="Graphic 70" descr="Statistics">
-            <a:extLst>
-              <a:ext uri="{FF2B5EF4-FFF2-40B4-BE49-F238E27FC236}">
-                <a16:creationId xmlns:a16="http://schemas.microsoft.com/office/drawing/2014/main" id="{15ED7DD8-C041-4EC9-B423-76E27A9CF9E1}"/>
-              </a:ext>
-            </a:extLst>
-          </p:cNvPr>
-          <p:cNvPicPr>
-            <a:picLocks noChangeAspect="1"/>
-          </p:cNvPicPr>
-          <p:nvPr/>
-        </p:nvPicPr>
-        <p:blipFill>
-          <a:blip r:embed="rId7">
-            <a:extLst>
-              <a:ext uri="{28A0092B-C50C-407E-A947-70E740481C1C}">
-                <a14:useLocalDpi xmlns:a14="http://schemas.microsoft.com/office/drawing/2010/main" val="0"/>
-              </a:ext>
-              <a:ext uri="{96DAC541-7B7A-43D3-8B79-37D633B846F1}">
-                <asvg:svgBlip xmlns:asvg="http://schemas.microsoft.com/office/drawing/2016/SVG/main" r:embed="rId8"/>
-              </a:ext>
-            </a:extLst>
-          </a:blip>
-          <a:stretch>
-            <a:fillRect/>
-          </a:stretch>
-        </p:blipFill>
-        <p:spPr>
-          <a:xfrm>
-            <a:off x="8115978" y="5374768"/>
-            <a:ext cx="311497" cy="311497"/>
-          </a:xfrm>
-          <a:prstGeom prst="rect">
-            <a:avLst/>
-          </a:prstGeom>
-        </p:spPr>
-      </p:pic>
-      <p:pic>
-        <p:nvPicPr>
-          <p:cNvPr id="67" name="Picture 66">
-            <a:extLst>
-              <a:ext uri="{FF2B5EF4-FFF2-40B4-BE49-F238E27FC236}">
-                <a16:creationId xmlns:a16="http://schemas.microsoft.com/office/drawing/2014/main" id="{71D20023-C1BB-4821-9294-508F317875CA}"/>
-              </a:ext>
-            </a:extLst>
-          </p:cNvPr>
-          <p:cNvPicPr>
-            <a:picLocks noChangeAspect="1"/>
-          </p:cNvPicPr>
-          <p:nvPr/>
-        </p:nvPicPr>
-        <p:blipFill>
-          <a:blip r:embed="rId17"/>
-          <a:stretch>
-            <a:fillRect/>
-          </a:stretch>
-        </p:blipFill>
-        <p:spPr>
-          <a:xfrm>
-            <a:off x="7723675" y="5604899"/>
-            <a:ext cx="840059" cy="476480"/>
-          </a:xfrm>
-          <a:prstGeom prst="rect">
-            <a:avLst/>
-          </a:prstGeom>
-        </p:spPr>
-      </p:pic>
-      <p:pic>
-        <p:nvPicPr>
-          <p:cNvPr id="70" name="Graphic 69" descr="Statistics">
-            <a:extLst>
-              <a:ext uri="{FF2B5EF4-FFF2-40B4-BE49-F238E27FC236}">
-                <a16:creationId xmlns:a16="http://schemas.microsoft.com/office/drawing/2014/main" id="{571B4731-D093-43BD-8096-C96B4D14C1CD}"/>
-              </a:ext>
-            </a:extLst>
-          </p:cNvPr>
-          <p:cNvPicPr>
-            <a:picLocks noChangeAspect="1"/>
-          </p:cNvPicPr>
-          <p:nvPr/>
-        </p:nvPicPr>
-        <p:blipFill>
-          <a:blip r:embed="rId7">
-            <a:extLst>
-              <a:ext uri="{28A0092B-C50C-407E-A947-70E740481C1C}">
-                <a14:useLocalDpi xmlns:a14="http://schemas.microsoft.com/office/drawing/2010/main" val="0"/>
-              </a:ext>
-              <a:ext uri="{96DAC541-7B7A-43D3-8B79-37D633B846F1}">
-                <asvg:svgBlip xmlns:asvg="http://schemas.microsoft.com/office/drawing/2016/SVG/main" r:embed="rId8"/>
-              </a:ext>
-            </a:extLst>
-          </a:blip>
-          <a:stretch>
-            <a:fillRect/>
-          </a:stretch>
-        </p:blipFill>
-        <p:spPr>
-          <a:xfrm>
-            <a:off x="7683228" y="4945767"/>
-            <a:ext cx="311497" cy="311497"/>
-          </a:xfrm>
-          <a:prstGeom prst="rect">
-            <a:avLst/>
-          </a:prstGeom>
-        </p:spPr>
-      </p:pic>
-      <p:pic>
-        <p:nvPicPr>
-          <p:cNvPr id="72" name="Graphic 71" descr="Statistics">
-            <a:extLst>
-              <a:ext uri="{FF2B5EF4-FFF2-40B4-BE49-F238E27FC236}">
-                <a16:creationId xmlns:a16="http://schemas.microsoft.com/office/drawing/2014/main" id="{9CE15EF4-FDB4-4787-8DA2-A7C7395EE2E4}"/>
-              </a:ext>
-            </a:extLst>
-          </p:cNvPr>
-          <p:cNvPicPr>
-            <a:picLocks noChangeAspect="1"/>
-          </p:cNvPicPr>
-          <p:nvPr/>
-        </p:nvPicPr>
-        <p:blipFill>
-          <a:blip r:embed="rId7">
-            <a:extLst>
-              <a:ext uri="{28A0092B-C50C-407E-A947-70E740481C1C}">
-                <a14:useLocalDpi xmlns:a14="http://schemas.microsoft.com/office/drawing/2010/main" val="0"/>
-              </a:ext>
-              <a:ext uri="{96DAC541-7B7A-43D3-8B79-37D633B846F1}">
-                <asvg:svgBlip xmlns:asvg="http://schemas.microsoft.com/office/drawing/2016/SVG/main" r:embed="rId8"/>
-              </a:ext>
-            </a:extLst>
-          </a:blip>
-          <a:stretch>
-            <a:fillRect/>
-          </a:stretch>
-        </p:blipFill>
-        <p:spPr>
-          <a:xfrm>
-            <a:off x="7723675" y="5759786"/>
-            <a:ext cx="311497" cy="311497"/>
-          </a:xfrm>
-          <a:prstGeom prst="rect">
-            <a:avLst/>
-          </a:prstGeom>
-        </p:spPr>
-      </p:pic>
-    </p:spTree>
-    <p:extLst>
-      <p:ext uri="{BB962C8B-B14F-4D97-AF65-F5344CB8AC3E}">
-        <p14:creationId xmlns:p14="http://schemas.microsoft.com/office/powerpoint/2010/main" val="1017425111"/>
       </p:ext>
     </p:extLst>
   </p:cSld>

--- a/Evolve Power BI Architecture/Evolving your Power BI Architecture using Dataflows and Shared Datasets.pptx
+++ b/Evolve Power BI Architecture/Evolving your Power BI Architecture using Dataflows and Shared Datasets.pptx
@@ -214,7 +214,7 @@
           <a:p>
             <a:fld id="{34B5C9CA-2D5F-447E-9B79-C98CB45DDD68}" type="datetimeFigureOut">
               <a:rPr lang="en-US" smtClean="0"/>
-              <a:t>1/21/2020</a:t>
+              <a:t>9/30/2020</a:t>
             </a:fld>
             <a:endParaRPr lang="en-US"/>
           </a:p>
@@ -379,7 +379,7 @@
           <a:p>
             <a:fld id="{9FBB69ED-36D7-4532-B7E1-AEDC9E37F886}" type="datetimeFigureOut">
               <a:rPr lang="en-US" smtClean="0"/>
-              <a:t>1/21/2020</a:t>
+              <a:t>9/30/2020</a:t>
             </a:fld>
             <a:endParaRPr lang="en-US"/>
           </a:p>
@@ -9981,7 +9981,7 @@
         <p:spPr>
           <a:xfrm>
             <a:off x="673176" y="2213417"/>
-            <a:ext cx="5065665" cy="2554545"/>
+            <a:ext cx="5065665" cy="3477875"/>
           </a:xfrm>
           <a:prstGeom prst="rect">
             <a:avLst/>
@@ -10086,6 +10086,25 @@
                 <a:cs typeface="Segoe UI" panose="020B0502040204020203" pitchFamily="34" charset="0"/>
               </a:rPr>
               <a:t>Flagging of Certified or Promoted Data Models</a:t>
+            </a:r>
+          </a:p>
+          <a:p>
+            <a:pPr marL="285750" indent="-285750">
+              <a:buFont typeface="Arial" panose="020B0604020202020204" pitchFamily="34" charset="0"/>
+              <a:buChar char="•"/>
+            </a:pPr>
+            <a:r>
+              <a:rPr lang="en-IE" sz="2000" dirty="0">
+                <a:solidFill>
+                  <a:schemeClr val="tx1">
+                    <a:lumMod val="65000"/>
+                    <a:lumOff val="35000"/>
+                  </a:schemeClr>
+                </a:solidFill>
+                <a:latin typeface="Segoe UI" panose="020B0502040204020203" pitchFamily="34" charset="0"/>
+                <a:cs typeface="Segoe UI" panose="020B0502040204020203" pitchFamily="34" charset="0"/>
+              </a:rPr>
+              <a:t>Data Analysts focus on Analysis &amp; Reports, BI Developers focus on platform</a:t>
             </a:r>
           </a:p>
           <a:p>
@@ -12239,7 +12258,7 @@
             </a:ln>
             <a:extLst>
               <a:ext uri="{91240B29-F687-4f45-9708-019B960494DF}">
-                <a14:hiddenLine xmlns="" xmlns:a14="http://schemas.microsoft.com/office/drawing/2010/main" w="9525">
+                <a14:hiddenLine xmlns:a14="http://schemas.microsoft.com/office/drawing/2010/main" xmlns="" w="9525">
                   <a:solidFill>
                     <a:srgbClr val="000000"/>
                   </a:solidFill>
@@ -20593,18 +20612,18 @@
 </file>
 
 <file path=customXml/item2.xml><?xml version="1.0" encoding="utf-8"?>
-<p:properties xmlns:p="http://schemas.microsoft.com/office/2006/metadata/properties" xmlns:xsi="http://www.w3.org/2001/XMLSchema-instance" xmlns:pc="http://schemas.microsoft.com/office/infopath/2007/PartnerControls">
-  <documentManagement/>
-</p:properties>
-</file>
-
-<file path=customXml/item3.xml><?xml version="1.0" encoding="utf-8"?>
 <?mso-contentType ?>
 <FormTemplates xmlns="http://schemas.microsoft.com/sharepoint/v3/contenttype/forms">
   <Display>DocumentLibraryForm</Display>
   <Edit>DocumentLibraryForm</Edit>
   <New>DocumentLibraryForm</New>
 </FormTemplates>
+</file>
+
+<file path=customXml/item3.xml><?xml version="1.0" encoding="utf-8"?>
+<p:properties xmlns:p="http://schemas.microsoft.com/office/2006/metadata/properties" xmlns:xsi="http://www.w3.org/2001/XMLSchema-instance" xmlns:pc="http://schemas.microsoft.com/office/infopath/2007/PartnerControls">
+  <documentManagement/>
+</p:properties>
 </file>
 
 <file path=customXml/itemProps1.xml><?xml version="1.0" encoding="utf-8"?>
@@ -20627,18 +20646,18 @@
 </file>
 
 <file path=customXml/itemProps2.xml><?xml version="1.0" encoding="utf-8"?>
+<ds:datastoreItem xmlns:ds="http://schemas.openxmlformats.org/officeDocument/2006/customXml" ds:itemID="{10C75660-6496-4BAB-8878-FA53D17BE5D9}">
+  <ds:schemaRefs>
+    <ds:schemaRef ds:uri="http://schemas.microsoft.com/sharepoint/v3/contenttype/forms"/>
+  </ds:schemaRefs>
+</ds:datastoreItem>
+</file>
+
+<file path=customXml/itemProps3.xml><?xml version="1.0" encoding="utf-8"?>
 <ds:datastoreItem xmlns:ds="http://schemas.openxmlformats.org/officeDocument/2006/customXml" ds:itemID="{A2AA3CB1-2443-4FA1-815D-951C2BDC7424}">
   <ds:schemaRefs>
     <ds:schemaRef ds:uri="http://schemas.microsoft.com/office/2006/metadata/properties"/>
     <ds:schemaRef ds:uri="http://schemas.microsoft.com/office/infopath/2007/PartnerControls"/>
   </ds:schemaRefs>
 </ds:datastoreItem>
-</file>
-
-<file path=customXml/itemProps3.xml><?xml version="1.0" encoding="utf-8"?>
-<ds:datastoreItem xmlns:ds="http://schemas.openxmlformats.org/officeDocument/2006/customXml" ds:itemID="{10C75660-6496-4BAB-8878-FA53D17BE5D9}">
-  <ds:schemaRefs>
-    <ds:schemaRef ds:uri="http://schemas.microsoft.com/sharepoint/v3/contenttype/forms"/>
-  </ds:schemaRefs>
-</ds:datastoreItem>
 </file>
--- a/Evolve Power BI Architecture/Evolving your Power BI Architecture using Dataflows and Shared Datasets.pptx
+++ b/Evolve Power BI Architecture/Evolving your Power BI Architecture using Dataflows and Shared Datasets.pptx
@@ -7818,8 +7818,8 @@
         </p:nvSpPr>
         <p:spPr>
           <a:xfrm>
-            <a:off x="673176" y="2213417"/>
-            <a:ext cx="5065665" cy="3477875"/>
+            <a:off x="6328389" y="2165754"/>
+            <a:ext cx="5065665" cy="3170099"/>
           </a:xfrm>
           <a:prstGeom prst="rect">
             <a:avLst/>
@@ -7831,25 +7831,6 @@
             <a:spAutoFit/>
           </a:bodyPr>
           <a:lstStyle/>
-          <a:p>
-            <a:pPr marL="285750" indent="-285750">
-              <a:buFont typeface="Arial" panose="020B0604020202020204" pitchFamily="34" charset="0"/>
-              <a:buChar char="•"/>
-            </a:pPr>
-            <a:r>
-              <a:rPr lang="en-IE" sz="2000" dirty="0">
-                <a:solidFill>
-                  <a:schemeClr val="tx1">
-                    <a:lumMod val="65000"/>
-                    <a:lumOff val="35000"/>
-                  </a:schemeClr>
-                </a:solidFill>
-                <a:latin typeface="Segoe UI" panose="020B0502040204020203" pitchFamily="34" charset="0"/>
-                <a:cs typeface="Segoe UI" panose="020B0502040204020203" pitchFamily="34" charset="0"/>
-              </a:rPr>
-              <a:t>Separation of Data Model &amp; Data Viz</a:t>
-            </a:r>
-          </a:p>
           <a:p>
             <a:pPr marL="285750" indent="-285750">
               <a:buFont typeface="Arial" panose="020B0604020202020204" pitchFamily="34" charset="0"/>
@@ -7885,7 +7866,7 @@
                 <a:latin typeface="Segoe UI" panose="020B0502040204020203" pitchFamily="34" charset="0"/>
                 <a:cs typeface="Segoe UI" panose="020B0502040204020203" pitchFamily="34" charset="0"/>
               </a:rPr>
-              <a:t>Simpler deployment process</a:t>
+              <a:t>Simpler deployment process: Dataset v Reports</a:t>
             </a:r>
           </a:p>
           <a:p>
@@ -7904,7 +7885,7 @@
                 <a:latin typeface="Segoe UI" panose="020B0502040204020203" pitchFamily="34" charset="0"/>
                 <a:cs typeface="Segoe UI" panose="020B0502040204020203" pitchFamily="34" charset="0"/>
               </a:rPr>
-              <a:t>Separation of user groups by workspace</a:t>
+              <a:t>Granular security</a:t>
             </a:r>
           </a:p>
           <a:p>
@@ -7923,7 +7904,7 @@
                 <a:latin typeface="Segoe UI" panose="020B0502040204020203" pitchFamily="34" charset="0"/>
                 <a:cs typeface="Segoe UI" panose="020B0502040204020203" pitchFamily="34" charset="0"/>
               </a:rPr>
-              <a:t>Flagging of Certified or Promoted Data Models</a:t>
+              <a:t>Flagging of Certified or Promoted Datasets</a:t>
             </a:r>
           </a:p>
           <a:p>
@@ -7954,9 +7935,29 @@
                 </a:solidFill>
                 <a:latin typeface="Segoe UI" panose="020B0502040204020203" pitchFamily="34" charset="0"/>
                 <a:cs typeface="Segoe UI" panose="020B0502040204020203" pitchFamily="34" charset="0"/>
+                <a:sym typeface="Wingdings" panose="05000000000000000000" pitchFamily="2" charset="2"/>
               </a:rPr>
-              <a:t>focus on Analysis &amp; Reports, </a:t>
-            </a:r>
+              <a:t> </a:t>
+            </a:r>
+            <a:r>
+              <a:rPr lang="en-IE" sz="2000" dirty="0">
+                <a:solidFill>
+                  <a:schemeClr val="tx1">
+                    <a:lumMod val="65000"/>
+                    <a:lumOff val="35000"/>
+                  </a:schemeClr>
+                </a:solidFill>
+                <a:latin typeface="Segoe UI" panose="020B0502040204020203" pitchFamily="34" charset="0"/>
+                <a:cs typeface="Segoe UI" panose="020B0502040204020203" pitchFamily="34" charset="0"/>
+              </a:rPr>
+              <a:t>Analysis &amp; Insights</a:t>
+            </a:r>
+          </a:p>
+          <a:p>
+            <a:pPr marL="285750" indent="-285750">
+              <a:buFont typeface="Arial" panose="020B0604020202020204" pitchFamily="34" charset="0"/>
+              <a:buChar char="•"/>
+            </a:pPr>
             <a:r>
               <a:rPr lang="en-IE" sz="2000" b="1" dirty="0">
                 <a:solidFill>
@@ -7981,46 +7982,22 @@
                 <a:latin typeface="Segoe UI" panose="020B0502040204020203" pitchFamily="34" charset="0"/>
                 <a:cs typeface="Segoe UI" panose="020B0502040204020203" pitchFamily="34" charset="0"/>
               </a:rPr>
-              <a:t> focus on platform</a:t>
-            </a:r>
-          </a:p>
-          <a:p>
-            <a:endParaRPr lang="en-IE" sz="2000" dirty="0"/>
-          </a:p>
-        </p:txBody>
-      </p:sp>
-      <p:sp>
-        <p:nvSpPr>
-          <p:cNvPr id="6" name="TextBox 5">
-            <a:extLst>
-              <a:ext uri="{FF2B5EF4-FFF2-40B4-BE49-F238E27FC236}">
-                <a16:creationId xmlns:a16="http://schemas.microsoft.com/office/drawing/2014/main" id="{6F4BA9DD-B5D4-4716-8B9B-1F0036834FB0}"/>
-              </a:ext>
-            </a:extLst>
-          </p:cNvPr>
-          <p:cNvSpPr txBox="1"/>
-          <p:nvPr/>
-        </p:nvSpPr>
-        <p:spPr>
-          <a:xfrm>
-            <a:off x="6453159" y="2213417"/>
-            <a:ext cx="5065665" cy="1323439"/>
-          </a:xfrm>
-          <a:prstGeom prst="rect">
-            <a:avLst/>
-          </a:prstGeom>
-          <a:noFill/>
-        </p:spPr>
-        <p:txBody>
-          <a:bodyPr wrap="square" rtlCol="0">
-            <a:spAutoFit/>
-          </a:bodyPr>
-          <a:lstStyle/>
-          <a:p>
-            <a:pPr marL="285750" indent="-285750">
-              <a:buFont typeface="Arial" panose="020B0604020202020204" pitchFamily="34" charset="0"/>
-              <a:buChar char="•"/>
-            </a:pPr>
+              <a:t> </a:t>
+            </a:r>
+            <a:r>
+              <a:rPr lang="en-IE" sz="2000" dirty="0">
+                <a:solidFill>
+                  <a:schemeClr val="tx1">
+                    <a:lumMod val="65000"/>
+                    <a:lumOff val="35000"/>
+                  </a:schemeClr>
+                </a:solidFill>
+                <a:latin typeface="Segoe UI" panose="020B0502040204020203" pitchFamily="34" charset="0"/>
+                <a:cs typeface="Segoe UI" panose="020B0502040204020203" pitchFamily="34" charset="0"/>
+                <a:sym typeface="Wingdings" panose="05000000000000000000" pitchFamily="2" charset="2"/>
+              </a:rPr>
+              <a:t> Self-service </a:t>
+            </a:r>
             <a:r>
               <a:rPr lang="en-IE" sz="2000" dirty="0">
                 <a:solidFill>
@@ -8032,9 +8009,41 @@
                 <a:latin typeface="Segoe UI" panose="020B0502040204020203" pitchFamily="34" charset="0"/>
                 <a:cs typeface="Segoe UI" panose="020B0502040204020203" pitchFamily="34" charset="0"/>
               </a:rPr>
-              <a:t>Separation of Data Acquisition</a:t>
-            </a:r>
-          </a:p>
+              <a:t>Platform</a:t>
+            </a:r>
+          </a:p>
+          <a:p>
+            <a:endParaRPr lang="en-IE" sz="2000" dirty="0"/>
+          </a:p>
+        </p:txBody>
+      </p:sp>
+      <p:sp>
+        <p:nvSpPr>
+          <p:cNvPr id="6" name="TextBox 5">
+            <a:extLst>
+              <a:ext uri="{FF2B5EF4-FFF2-40B4-BE49-F238E27FC236}">
+                <a16:creationId xmlns:a16="http://schemas.microsoft.com/office/drawing/2014/main" id="{6F4BA9DD-B5D4-4716-8B9B-1F0036834FB0}"/>
+              </a:ext>
+            </a:extLst>
+          </p:cNvPr>
+          <p:cNvSpPr txBox="1"/>
+          <p:nvPr/>
+        </p:nvSpPr>
+        <p:spPr>
+          <a:xfrm>
+            <a:off x="539470" y="2230195"/>
+            <a:ext cx="4896596" cy="2246769"/>
+          </a:xfrm>
+          <a:prstGeom prst="rect">
+            <a:avLst/>
+          </a:prstGeom>
+          <a:noFill/>
+        </p:spPr>
+        <p:txBody>
+          <a:bodyPr wrap="square" rtlCol="0">
+            <a:spAutoFit/>
+          </a:bodyPr>
+          <a:lstStyle/>
           <a:p>
             <a:pPr marL="285750" indent="-285750">
               <a:buFont typeface="Arial" panose="020B0604020202020204" pitchFamily="34" charset="0"/>
@@ -8051,7 +8060,26 @@
                 <a:latin typeface="Segoe UI" panose="020B0502040204020203" pitchFamily="34" charset="0"/>
                 <a:cs typeface="Segoe UI" panose="020B0502040204020203" pitchFamily="34" charset="0"/>
               </a:rPr>
-              <a:t>Reusability of logic</a:t>
+              <a:t>Generates a new Data acquisition, preparation and procurement layer. (or a mini DWH of sorts)</a:t>
+            </a:r>
+          </a:p>
+          <a:p>
+            <a:pPr marL="285750" indent="-285750">
+              <a:buFont typeface="Arial" panose="020B0604020202020204" pitchFamily="34" charset="0"/>
+              <a:buChar char="•"/>
+            </a:pPr>
+            <a:r>
+              <a:rPr lang="en-IE" sz="2000" dirty="0">
+                <a:solidFill>
+                  <a:schemeClr val="tx1">
+                    <a:lumMod val="65000"/>
+                    <a:lumOff val="35000"/>
+                  </a:schemeClr>
+                </a:solidFill>
+                <a:latin typeface="Segoe UI" panose="020B0502040204020203" pitchFamily="34" charset="0"/>
+                <a:cs typeface="Segoe UI" panose="020B0502040204020203" pitchFamily="34" charset="0"/>
+              </a:rPr>
+              <a:t>Shared output for re-usable query results</a:t>
             </a:r>
           </a:p>
           <a:p>
@@ -8108,7 +8136,7 @@
         </p:nvCxnSpPr>
         <p:spPr>
           <a:xfrm>
-            <a:off x="5991283" y="1150045"/>
+            <a:off x="5882227" y="1214371"/>
             <a:ext cx="0" cy="4650537"/>
           </a:xfrm>
           <a:prstGeom prst="line">
@@ -8144,7 +8172,7 @@
         </p:nvSpPr>
         <p:spPr>
           <a:xfrm>
-            <a:off x="1149290" y="1214371"/>
+            <a:off x="6878971" y="1214371"/>
             <a:ext cx="3098349" cy="584775"/>
           </a:xfrm>
           <a:prstGeom prst="rect">
@@ -8204,7 +8232,7 @@
         </p:nvSpPr>
         <p:spPr>
           <a:xfrm>
-            <a:off x="1067041" y="1150046"/>
+            <a:off x="6796722" y="1150046"/>
             <a:ext cx="3098349" cy="584775"/>
           </a:xfrm>
           <a:prstGeom prst="rect">
@@ -8247,7 +8275,7 @@
         </p:nvSpPr>
         <p:spPr>
           <a:xfrm>
-            <a:off x="7775418" y="1214370"/>
+            <a:off x="1960049" y="1214371"/>
             <a:ext cx="1968810" cy="584775"/>
           </a:xfrm>
           <a:prstGeom prst="rect">
@@ -8307,7 +8335,7 @@
         </p:nvSpPr>
         <p:spPr>
           <a:xfrm>
-            <a:off x="7693168" y="1150045"/>
+            <a:off x="1877799" y="1150046"/>
             <a:ext cx="1968809" cy="584775"/>
           </a:xfrm>
           <a:prstGeom prst="rect">
@@ -10135,7 +10163,7 @@
             </a:ln>
             <a:extLst>
               <a:ext uri="{91240B29-F687-4f45-9708-019B960494DF}">
-                <a14:hiddenLine xmlns="" xmlns:a14="http://schemas.microsoft.com/office/drawing/2010/main" w="9525">
+                <a14:hiddenLine xmlns:a14="http://schemas.microsoft.com/office/drawing/2010/main" xmlns="" w="9525">
                   <a:solidFill>
                     <a:srgbClr val="000000"/>
                   </a:solidFill>
@@ -15194,8 +15222,8 @@
         </p:nvSpPr>
         <p:spPr>
           <a:xfrm>
-            <a:off x="315792" y="1346626"/>
-            <a:ext cx="5385731" cy="4524315"/>
+            <a:off x="299014" y="1571108"/>
+            <a:ext cx="5385731" cy="3970318"/>
           </a:xfrm>
           <a:prstGeom prst="rect">
             <a:avLst/>
@@ -15297,7 +15325,7 @@
                 <a:latin typeface="Segoe UI" panose="020B0502040204020203" pitchFamily="34" charset="0"/>
                 <a:cs typeface="Segoe UI" panose="020B0502040204020203" pitchFamily="34" charset="0"/>
               </a:rPr>
-              <a:t>Makes the data available for multiple PBIX datasets</a:t>
+              <a:t>Creates new “entities”/“tables”, available for multiple PBIX datasets</a:t>
             </a:r>
           </a:p>
           <a:p>
@@ -15335,16 +15363,10 @@
                 <a:latin typeface="Segoe UI" panose="020B0502040204020203" pitchFamily="34" charset="0"/>
                 <a:cs typeface="Segoe UI" panose="020B0502040204020203" pitchFamily="34" charset="0"/>
               </a:rPr>
-              <a:t>Centralises common tables/entities</a:t>
-            </a:r>
-          </a:p>
-          <a:p>
-            <a:pPr marL="628650" lvl="1" indent="-171450">
-              <a:buFont typeface="Arial" panose="020B0604020202020204" pitchFamily="34" charset="0"/>
-              <a:buChar char="•"/>
-            </a:pPr>
-            <a:r>
-              <a:rPr lang="en-US" dirty="0">
+              <a:t>Developed in browser </a:t>
+            </a:r>
+            <a:r>
+              <a:rPr lang="en-US" sz="1400" dirty="0">
                 <a:solidFill>
                   <a:schemeClr val="tx1">
                     <a:lumMod val="65000"/>
@@ -15354,7 +15376,7 @@
                 <a:latin typeface="Segoe UI" panose="020B0502040204020203" pitchFamily="34" charset="0"/>
                 <a:cs typeface="Segoe UI" panose="020B0502040204020203" pitchFamily="34" charset="0"/>
               </a:rPr>
-              <a:t>E.g. a single Calendar table</a:t>
+              <a:t>(or copy/paste from Desktop)</a:t>
             </a:r>
           </a:p>
           <a:p>
@@ -15393,25 +15415,6 @@
                 <a:cs typeface="Segoe UI" panose="020B0502040204020203" pitchFamily="34" charset="0"/>
               </a:rPr>
               <a:t>10GB (Pro), 100TB (P1), or BYO</a:t>
-            </a:r>
-          </a:p>
-          <a:p>
-            <a:pPr marL="171450" indent="-171450">
-              <a:buFont typeface="Arial" panose="020B0604020202020204" pitchFamily="34" charset="0"/>
-              <a:buChar char="•"/>
-            </a:pPr>
-            <a:r>
-              <a:rPr lang="en-US" dirty="0">
-                <a:solidFill>
-                  <a:schemeClr val="tx1">
-                    <a:lumMod val="65000"/>
-                    <a:lumOff val="35000"/>
-                  </a:schemeClr>
-                </a:solidFill>
-                <a:latin typeface="Segoe UI" panose="020B0502040204020203" pitchFamily="34" charset="0"/>
-                <a:cs typeface="Segoe UI" panose="020B0502040204020203" pitchFamily="34" charset="0"/>
-              </a:rPr>
-              <a:t>Developed in browser</a:t>
             </a:r>
           </a:p>
           <a:p>
@@ -15616,10 +15619,10 @@
       </p:sp>
       <p:sp>
         <p:nvSpPr>
-          <p:cNvPr id="3" name="Freeform: Shape 2">
-            <a:extLst>
-              <a:ext uri="{FF2B5EF4-FFF2-40B4-BE49-F238E27FC236}">
-                <a16:creationId xmlns:a16="http://schemas.microsoft.com/office/drawing/2014/main" id="{F7B8FD4F-B120-4E1C-8985-8E5F7A3CF75D}"/>
+          <p:cNvPr id="6" name="Freeform: Shape 5">
+            <a:extLst>
+              <a:ext uri="{FF2B5EF4-FFF2-40B4-BE49-F238E27FC236}">
+                <a16:creationId xmlns:a16="http://schemas.microsoft.com/office/drawing/2014/main" id="{3DBEED53-C9F8-426E-B866-DF3DFA3020A9}"/>
               </a:ext>
             </a:extLst>
           </p:cNvPr>
@@ -15628,202 +15631,226 @@
         </p:nvSpPr>
         <p:spPr>
           <a:xfrm>
-            <a:off x="6316910" y="2634144"/>
-            <a:ext cx="2046914" cy="2218588"/>
+            <a:off x="6346688" y="2543196"/>
+            <a:ext cx="1891301" cy="2491530"/>
           </a:xfrm>
           <a:custGeom>
             <a:avLst/>
             <a:gdLst>
-              <a:gd name="connsiteX0" fmla="*/ 511729 w 2046914"/>
-              <a:gd name="connsiteY0" fmla="*/ 25167 h 1992085"/>
-              <a:gd name="connsiteX1" fmla="*/ 469784 w 2046914"/>
-              <a:gd name="connsiteY1" fmla="*/ 50334 h 1992085"/>
-              <a:gd name="connsiteX2" fmla="*/ 453006 w 2046914"/>
-              <a:gd name="connsiteY2" fmla="*/ 75501 h 1992085"/>
-              <a:gd name="connsiteX3" fmla="*/ 385894 w 2046914"/>
-              <a:gd name="connsiteY3" fmla="*/ 125835 h 1992085"/>
-              <a:gd name="connsiteX4" fmla="*/ 343949 w 2046914"/>
-              <a:gd name="connsiteY4" fmla="*/ 167780 h 1992085"/>
-              <a:gd name="connsiteX5" fmla="*/ 302004 w 2046914"/>
-              <a:gd name="connsiteY5" fmla="*/ 251670 h 1992085"/>
-              <a:gd name="connsiteX6" fmla="*/ 285226 w 2046914"/>
-              <a:gd name="connsiteY6" fmla="*/ 276837 h 1992085"/>
-              <a:gd name="connsiteX7" fmla="*/ 276837 w 2046914"/>
-              <a:gd name="connsiteY7" fmla="*/ 302004 h 1992085"/>
-              <a:gd name="connsiteX8" fmla="*/ 276837 w 2046914"/>
-              <a:gd name="connsiteY8" fmla="*/ 620785 h 1992085"/>
-              <a:gd name="connsiteX9" fmla="*/ 251670 w 2046914"/>
-              <a:gd name="connsiteY9" fmla="*/ 671119 h 1992085"/>
-              <a:gd name="connsiteX10" fmla="*/ 234892 w 2046914"/>
-              <a:gd name="connsiteY10" fmla="*/ 713064 h 1992085"/>
-              <a:gd name="connsiteX11" fmla="*/ 209725 w 2046914"/>
-              <a:gd name="connsiteY11" fmla="*/ 755009 h 1992085"/>
-              <a:gd name="connsiteX12" fmla="*/ 201336 w 2046914"/>
-              <a:gd name="connsiteY12" fmla="*/ 780176 h 1992085"/>
-              <a:gd name="connsiteX13" fmla="*/ 184558 w 2046914"/>
-              <a:gd name="connsiteY13" fmla="*/ 805343 h 1992085"/>
-              <a:gd name="connsiteX14" fmla="*/ 167780 w 2046914"/>
-              <a:gd name="connsiteY14" fmla="*/ 855677 h 1992085"/>
-              <a:gd name="connsiteX15" fmla="*/ 159391 w 2046914"/>
-              <a:gd name="connsiteY15" fmla="*/ 880844 h 1992085"/>
-              <a:gd name="connsiteX16" fmla="*/ 134224 w 2046914"/>
-              <a:gd name="connsiteY16" fmla="*/ 914400 h 1992085"/>
-              <a:gd name="connsiteX17" fmla="*/ 117446 w 2046914"/>
-              <a:gd name="connsiteY17" fmla="*/ 939567 h 1992085"/>
-              <a:gd name="connsiteX18" fmla="*/ 67112 w 2046914"/>
-              <a:gd name="connsiteY18" fmla="*/ 1006679 h 1992085"/>
-              <a:gd name="connsiteX19" fmla="*/ 50334 w 2046914"/>
-              <a:gd name="connsiteY19" fmla="*/ 1040235 h 1992085"/>
-              <a:gd name="connsiteX20" fmla="*/ 33556 w 2046914"/>
-              <a:gd name="connsiteY20" fmla="*/ 1065402 h 1992085"/>
-              <a:gd name="connsiteX21" fmla="*/ 0 w 2046914"/>
-              <a:gd name="connsiteY21" fmla="*/ 1140903 h 1992085"/>
-              <a:gd name="connsiteX22" fmla="*/ 8389 w 2046914"/>
-              <a:gd name="connsiteY22" fmla="*/ 1426128 h 1992085"/>
-              <a:gd name="connsiteX23" fmla="*/ 25167 w 2046914"/>
-              <a:gd name="connsiteY23" fmla="*/ 1451295 h 1992085"/>
-              <a:gd name="connsiteX24" fmla="*/ 33556 w 2046914"/>
-              <a:gd name="connsiteY24" fmla="*/ 1476462 h 1992085"/>
-              <a:gd name="connsiteX25" fmla="*/ 92279 w 2046914"/>
-              <a:gd name="connsiteY25" fmla="*/ 1551963 h 1992085"/>
-              <a:gd name="connsiteX26" fmla="*/ 151002 w 2046914"/>
-              <a:gd name="connsiteY26" fmla="*/ 1619075 h 1992085"/>
-              <a:gd name="connsiteX27" fmla="*/ 176169 w 2046914"/>
-              <a:gd name="connsiteY27" fmla="*/ 1635853 h 1992085"/>
-              <a:gd name="connsiteX28" fmla="*/ 243281 w 2046914"/>
-              <a:gd name="connsiteY28" fmla="*/ 1686187 h 1992085"/>
-              <a:gd name="connsiteX29" fmla="*/ 302004 w 2046914"/>
-              <a:gd name="connsiteY29" fmla="*/ 1728132 h 1992085"/>
-              <a:gd name="connsiteX30" fmla="*/ 335560 w 2046914"/>
-              <a:gd name="connsiteY30" fmla="*/ 1736521 h 1992085"/>
-              <a:gd name="connsiteX31" fmla="*/ 360727 w 2046914"/>
-              <a:gd name="connsiteY31" fmla="*/ 1753299 h 1992085"/>
-              <a:gd name="connsiteX32" fmla="*/ 436228 w 2046914"/>
-              <a:gd name="connsiteY32" fmla="*/ 1778466 h 1992085"/>
-              <a:gd name="connsiteX33" fmla="*/ 587229 w 2046914"/>
-              <a:gd name="connsiteY33" fmla="*/ 1820411 h 1992085"/>
-              <a:gd name="connsiteX34" fmla="*/ 612396 w 2046914"/>
-              <a:gd name="connsiteY34" fmla="*/ 1828800 h 1992085"/>
-              <a:gd name="connsiteX35" fmla="*/ 796954 w 2046914"/>
-              <a:gd name="connsiteY35" fmla="*/ 1845578 h 1992085"/>
-              <a:gd name="connsiteX36" fmla="*/ 981512 w 2046914"/>
-              <a:gd name="connsiteY36" fmla="*/ 1853967 h 1992085"/>
-              <a:gd name="connsiteX37" fmla="*/ 1208015 w 2046914"/>
-              <a:gd name="connsiteY37" fmla="*/ 1870745 h 1992085"/>
-              <a:gd name="connsiteX38" fmla="*/ 1233182 w 2046914"/>
-              <a:gd name="connsiteY38" fmla="*/ 1879134 h 1992085"/>
-              <a:gd name="connsiteX39" fmla="*/ 1283516 w 2046914"/>
-              <a:gd name="connsiteY39" fmla="*/ 1887523 h 1992085"/>
-              <a:gd name="connsiteX40" fmla="*/ 1384184 w 2046914"/>
-              <a:gd name="connsiteY40" fmla="*/ 1921079 h 1992085"/>
-              <a:gd name="connsiteX41" fmla="*/ 1409351 w 2046914"/>
-              <a:gd name="connsiteY41" fmla="*/ 1929468 h 1992085"/>
-              <a:gd name="connsiteX42" fmla="*/ 1468073 w 2046914"/>
-              <a:gd name="connsiteY42" fmla="*/ 1937857 h 1992085"/>
-              <a:gd name="connsiteX43" fmla="*/ 1543574 w 2046914"/>
-              <a:gd name="connsiteY43" fmla="*/ 1954635 h 1992085"/>
-              <a:gd name="connsiteX44" fmla="*/ 1577130 w 2046914"/>
-              <a:gd name="connsiteY44" fmla="*/ 1963024 h 1992085"/>
-              <a:gd name="connsiteX45" fmla="*/ 1602297 w 2046914"/>
-              <a:gd name="connsiteY45" fmla="*/ 1971413 h 1992085"/>
-              <a:gd name="connsiteX46" fmla="*/ 1694576 w 2046914"/>
-              <a:gd name="connsiteY46" fmla="*/ 1979802 h 1992085"/>
-              <a:gd name="connsiteX47" fmla="*/ 1895912 w 2046914"/>
-              <a:gd name="connsiteY47" fmla="*/ 1979802 h 1992085"/>
-              <a:gd name="connsiteX48" fmla="*/ 1963024 w 2046914"/>
-              <a:gd name="connsiteY48" fmla="*/ 1963024 h 1992085"/>
-              <a:gd name="connsiteX49" fmla="*/ 2013358 w 2046914"/>
-              <a:gd name="connsiteY49" fmla="*/ 1954635 h 1992085"/>
-              <a:gd name="connsiteX50" fmla="*/ 2038525 w 2046914"/>
-              <a:gd name="connsiteY50" fmla="*/ 1937857 h 1992085"/>
-              <a:gd name="connsiteX51" fmla="*/ 2046914 w 2046914"/>
-              <a:gd name="connsiteY51" fmla="*/ 1912690 h 1992085"/>
-              <a:gd name="connsiteX52" fmla="*/ 2038525 w 2046914"/>
-              <a:gd name="connsiteY52" fmla="*/ 1736521 h 1992085"/>
-              <a:gd name="connsiteX53" fmla="*/ 2030136 w 2046914"/>
-              <a:gd name="connsiteY53" fmla="*/ 1711354 h 1992085"/>
-              <a:gd name="connsiteX54" fmla="*/ 2013358 w 2046914"/>
-              <a:gd name="connsiteY54" fmla="*/ 1669409 h 1992085"/>
-              <a:gd name="connsiteX55" fmla="*/ 1996580 w 2046914"/>
-              <a:gd name="connsiteY55" fmla="*/ 1619075 h 1992085"/>
-              <a:gd name="connsiteX56" fmla="*/ 1971413 w 2046914"/>
-              <a:gd name="connsiteY56" fmla="*/ 1585519 h 1992085"/>
-              <a:gd name="connsiteX57" fmla="*/ 1954635 w 2046914"/>
-              <a:gd name="connsiteY57" fmla="*/ 1543574 h 1992085"/>
-              <a:gd name="connsiteX58" fmla="*/ 1937857 w 2046914"/>
-              <a:gd name="connsiteY58" fmla="*/ 1518407 h 1992085"/>
-              <a:gd name="connsiteX59" fmla="*/ 1912690 w 2046914"/>
-              <a:gd name="connsiteY59" fmla="*/ 1459684 h 1992085"/>
-              <a:gd name="connsiteX60" fmla="*/ 1853967 w 2046914"/>
-              <a:gd name="connsiteY60" fmla="*/ 1392572 h 1992085"/>
-              <a:gd name="connsiteX61" fmla="*/ 1837189 w 2046914"/>
-              <a:gd name="connsiteY61" fmla="*/ 1359016 h 1992085"/>
-              <a:gd name="connsiteX62" fmla="*/ 1803633 w 2046914"/>
-              <a:gd name="connsiteY62" fmla="*/ 1325460 h 1992085"/>
-              <a:gd name="connsiteX63" fmla="*/ 1778466 w 2046914"/>
-              <a:gd name="connsiteY63" fmla="*/ 1291905 h 1992085"/>
-              <a:gd name="connsiteX64" fmla="*/ 1728132 w 2046914"/>
-              <a:gd name="connsiteY64" fmla="*/ 1258349 h 1992085"/>
-              <a:gd name="connsiteX65" fmla="*/ 1677798 w 2046914"/>
-              <a:gd name="connsiteY65" fmla="*/ 1208015 h 1992085"/>
-              <a:gd name="connsiteX66" fmla="*/ 1652631 w 2046914"/>
-              <a:gd name="connsiteY66" fmla="*/ 1174459 h 1992085"/>
-              <a:gd name="connsiteX67" fmla="*/ 1627464 w 2046914"/>
-              <a:gd name="connsiteY67" fmla="*/ 1149292 h 1992085"/>
-              <a:gd name="connsiteX68" fmla="*/ 1593908 w 2046914"/>
-              <a:gd name="connsiteY68" fmla="*/ 1090569 h 1992085"/>
-              <a:gd name="connsiteX69" fmla="*/ 1543574 w 2046914"/>
-              <a:gd name="connsiteY69" fmla="*/ 1023457 h 1992085"/>
-              <a:gd name="connsiteX70" fmla="*/ 1535185 w 2046914"/>
-              <a:gd name="connsiteY70" fmla="*/ 998290 h 1992085"/>
-              <a:gd name="connsiteX71" fmla="*/ 1510018 w 2046914"/>
-              <a:gd name="connsiteY71" fmla="*/ 973123 h 1992085"/>
-              <a:gd name="connsiteX72" fmla="*/ 1484851 w 2046914"/>
-              <a:gd name="connsiteY72" fmla="*/ 914400 h 1992085"/>
-              <a:gd name="connsiteX73" fmla="*/ 1468073 w 2046914"/>
-              <a:gd name="connsiteY73" fmla="*/ 889233 h 1992085"/>
-              <a:gd name="connsiteX74" fmla="*/ 1459684 w 2046914"/>
-              <a:gd name="connsiteY74" fmla="*/ 864066 h 1992085"/>
-              <a:gd name="connsiteX75" fmla="*/ 1442907 w 2046914"/>
-              <a:gd name="connsiteY75" fmla="*/ 830510 h 1992085"/>
-              <a:gd name="connsiteX76" fmla="*/ 1426129 w 2046914"/>
-              <a:gd name="connsiteY76" fmla="*/ 763398 h 1992085"/>
-              <a:gd name="connsiteX77" fmla="*/ 1417740 w 2046914"/>
-              <a:gd name="connsiteY77" fmla="*/ 738231 h 1992085"/>
-              <a:gd name="connsiteX78" fmla="*/ 1426129 w 2046914"/>
-              <a:gd name="connsiteY78" fmla="*/ 671119 h 1992085"/>
-              <a:gd name="connsiteX79" fmla="*/ 1434518 w 2046914"/>
-              <a:gd name="connsiteY79" fmla="*/ 645952 h 1992085"/>
-              <a:gd name="connsiteX80" fmla="*/ 1476462 w 2046914"/>
-              <a:gd name="connsiteY80" fmla="*/ 578840 h 1992085"/>
-              <a:gd name="connsiteX81" fmla="*/ 1501629 w 2046914"/>
-              <a:gd name="connsiteY81" fmla="*/ 528506 h 1992085"/>
-              <a:gd name="connsiteX82" fmla="*/ 1535185 w 2046914"/>
-              <a:gd name="connsiteY82" fmla="*/ 469783 h 1992085"/>
-              <a:gd name="connsiteX83" fmla="*/ 1543574 w 2046914"/>
-              <a:gd name="connsiteY83" fmla="*/ 444616 h 1992085"/>
-              <a:gd name="connsiteX84" fmla="*/ 1577130 w 2046914"/>
-              <a:gd name="connsiteY84" fmla="*/ 394282 h 1992085"/>
-              <a:gd name="connsiteX85" fmla="*/ 1602297 w 2046914"/>
-              <a:gd name="connsiteY85" fmla="*/ 343949 h 1992085"/>
-              <a:gd name="connsiteX86" fmla="*/ 1610686 w 2046914"/>
-              <a:gd name="connsiteY86" fmla="*/ 310393 h 1992085"/>
-              <a:gd name="connsiteX87" fmla="*/ 1619075 w 2046914"/>
-              <a:gd name="connsiteY87" fmla="*/ 285226 h 1992085"/>
-              <a:gd name="connsiteX88" fmla="*/ 1610686 w 2046914"/>
-              <a:gd name="connsiteY88" fmla="*/ 109057 h 1992085"/>
-              <a:gd name="connsiteX89" fmla="*/ 1602297 w 2046914"/>
-              <a:gd name="connsiteY89" fmla="*/ 67112 h 1992085"/>
-              <a:gd name="connsiteX90" fmla="*/ 1560352 w 2046914"/>
-              <a:gd name="connsiteY90" fmla="*/ 16778 h 1992085"/>
-              <a:gd name="connsiteX91" fmla="*/ 1476462 w 2046914"/>
-              <a:gd name="connsiteY91" fmla="*/ 0 h 1992085"/>
-              <a:gd name="connsiteX92" fmla="*/ 604007 w 2046914"/>
-              <a:gd name="connsiteY92" fmla="*/ 8389 h 1992085"/>
-              <a:gd name="connsiteX93" fmla="*/ 520118 w 2046914"/>
-              <a:gd name="connsiteY93" fmla="*/ 33556 h 1992085"/>
-              <a:gd name="connsiteX94" fmla="*/ 511729 w 2046914"/>
-              <a:gd name="connsiteY94" fmla="*/ 25167 h 1992085"/>
+              <a:gd name="connsiteX0" fmla="*/ 859455 w 2252028"/>
+              <a:gd name="connsiteY0" fmla="*/ 25965 h 2987279"/>
+              <a:gd name="connsiteX1" fmla="*/ 758787 w 2252028"/>
+              <a:gd name="connsiteY1" fmla="*/ 51132 h 2987279"/>
+              <a:gd name="connsiteX2" fmla="*/ 725231 w 2252028"/>
+              <a:gd name="connsiteY2" fmla="*/ 59521 h 2987279"/>
+              <a:gd name="connsiteX3" fmla="*/ 683287 w 2252028"/>
+              <a:gd name="connsiteY3" fmla="*/ 76299 h 2987279"/>
+              <a:gd name="connsiteX4" fmla="*/ 641342 w 2252028"/>
+              <a:gd name="connsiteY4" fmla="*/ 84688 h 2987279"/>
+              <a:gd name="connsiteX5" fmla="*/ 481951 w 2252028"/>
+              <a:gd name="connsiteY5" fmla="*/ 143411 h 2987279"/>
+              <a:gd name="connsiteX6" fmla="*/ 431617 w 2252028"/>
+              <a:gd name="connsiteY6" fmla="*/ 160189 h 2987279"/>
+              <a:gd name="connsiteX7" fmla="*/ 364505 w 2252028"/>
+              <a:gd name="connsiteY7" fmla="*/ 210523 h 2987279"/>
+              <a:gd name="connsiteX8" fmla="*/ 339338 w 2252028"/>
+              <a:gd name="connsiteY8" fmla="*/ 218912 h 2987279"/>
+              <a:gd name="connsiteX9" fmla="*/ 314171 w 2252028"/>
+              <a:gd name="connsiteY9" fmla="*/ 252468 h 2987279"/>
+              <a:gd name="connsiteX10" fmla="*/ 289004 w 2252028"/>
+              <a:gd name="connsiteY10" fmla="*/ 260857 h 2987279"/>
+              <a:gd name="connsiteX11" fmla="*/ 238670 w 2252028"/>
+              <a:gd name="connsiteY11" fmla="*/ 327969 h 2987279"/>
+              <a:gd name="connsiteX12" fmla="*/ 213503 w 2252028"/>
+              <a:gd name="connsiteY12" fmla="*/ 361525 h 2987279"/>
+              <a:gd name="connsiteX13" fmla="*/ 179947 w 2252028"/>
+              <a:gd name="connsiteY13" fmla="*/ 411859 h 2987279"/>
+              <a:gd name="connsiteX14" fmla="*/ 154780 w 2252028"/>
+              <a:gd name="connsiteY14" fmla="*/ 445415 h 2987279"/>
+              <a:gd name="connsiteX15" fmla="*/ 129613 w 2252028"/>
+              <a:gd name="connsiteY15" fmla="*/ 495749 h 2987279"/>
+              <a:gd name="connsiteX16" fmla="*/ 87668 w 2252028"/>
+              <a:gd name="connsiteY16" fmla="*/ 571250 h 2987279"/>
+              <a:gd name="connsiteX17" fmla="*/ 62501 w 2252028"/>
+              <a:gd name="connsiteY17" fmla="*/ 646751 h 2987279"/>
+              <a:gd name="connsiteX18" fmla="*/ 45723 w 2252028"/>
+              <a:gd name="connsiteY18" fmla="*/ 680307 h 2987279"/>
+              <a:gd name="connsiteX19" fmla="*/ 37334 w 2252028"/>
+              <a:gd name="connsiteY19" fmla="*/ 713862 h 2987279"/>
+              <a:gd name="connsiteX20" fmla="*/ 28945 w 2252028"/>
+              <a:gd name="connsiteY20" fmla="*/ 739029 h 2987279"/>
+              <a:gd name="connsiteX21" fmla="*/ 12167 w 2252028"/>
+              <a:gd name="connsiteY21" fmla="*/ 814530 h 2987279"/>
+              <a:gd name="connsiteX22" fmla="*/ 3778 w 2252028"/>
+              <a:gd name="connsiteY22" fmla="*/ 848086 h 2987279"/>
+              <a:gd name="connsiteX23" fmla="*/ 20556 w 2252028"/>
+              <a:gd name="connsiteY23" fmla="*/ 1452094 h 2987279"/>
+              <a:gd name="connsiteX24" fmla="*/ 28945 w 2252028"/>
+              <a:gd name="connsiteY24" fmla="*/ 1485650 h 2987279"/>
+              <a:gd name="connsiteX25" fmla="*/ 45723 w 2252028"/>
+              <a:gd name="connsiteY25" fmla="*/ 1552762 h 2987279"/>
+              <a:gd name="connsiteX26" fmla="*/ 70890 w 2252028"/>
+              <a:gd name="connsiteY26" fmla="*/ 1695374 h 2987279"/>
+              <a:gd name="connsiteX27" fmla="*/ 79279 w 2252028"/>
+              <a:gd name="connsiteY27" fmla="*/ 1728930 h 2987279"/>
+              <a:gd name="connsiteX28" fmla="*/ 96057 w 2252028"/>
+              <a:gd name="connsiteY28" fmla="*/ 1804431 h 2987279"/>
+              <a:gd name="connsiteX29" fmla="*/ 112835 w 2252028"/>
+              <a:gd name="connsiteY29" fmla="*/ 1896710 h 2987279"/>
+              <a:gd name="connsiteX30" fmla="*/ 146391 w 2252028"/>
+              <a:gd name="connsiteY30" fmla="*/ 1955433 h 2987279"/>
+              <a:gd name="connsiteX31" fmla="*/ 171558 w 2252028"/>
+              <a:gd name="connsiteY31" fmla="*/ 2030934 h 2987279"/>
+              <a:gd name="connsiteX32" fmla="*/ 221892 w 2252028"/>
+              <a:gd name="connsiteY32" fmla="*/ 2165158 h 2987279"/>
+              <a:gd name="connsiteX33" fmla="*/ 247059 w 2252028"/>
+              <a:gd name="connsiteY33" fmla="*/ 2232270 h 2987279"/>
+              <a:gd name="connsiteX34" fmla="*/ 255448 w 2252028"/>
+              <a:gd name="connsiteY34" fmla="*/ 2257437 h 2987279"/>
+              <a:gd name="connsiteX35" fmla="*/ 272226 w 2252028"/>
+              <a:gd name="connsiteY35" fmla="*/ 2282604 h 2987279"/>
+              <a:gd name="connsiteX36" fmla="*/ 314171 w 2252028"/>
+              <a:gd name="connsiteY36" fmla="*/ 2358105 h 2987279"/>
+              <a:gd name="connsiteX37" fmla="*/ 330949 w 2252028"/>
+              <a:gd name="connsiteY37" fmla="*/ 2383272 h 2987279"/>
+              <a:gd name="connsiteX38" fmla="*/ 339338 w 2252028"/>
+              <a:gd name="connsiteY38" fmla="*/ 2408439 h 2987279"/>
+              <a:gd name="connsiteX39" fmla="*/ 364505 w 2252028"/>
+              <a:gd name="connsiteY39" fmla="*/ 2433606 h 2987279"/>
+              <a:gd name="connsiteX40" fmla="*/ 372894 w 2252028"/>
+              <a:gd name="connsiteY40" fmla="*/ 2458773 h 2987279"/>
+              <a:gd name="connsiteX41" fmla="*/ 398061 w 2252028"/>
+              <a:gd name="connsiteY41" fmla="*/ 2483940 h 2987279"/>
+              <a:gd name="connsiteX42" fmla="*/ 423228 w 2252028"/>
+              <a:gd name="connsiteY42" fmla="*/ 2517495 h 2987279"/>
+              <a:gd name="connsiteX43" fmla="*/ 473562 w 2252028"/>
+              <a:gd name="connsiteY43" fmla="*/ 2592996 h 2987279"/>
+              <a:gd name="connsiteX44" fmla="*/ 498729 w 2252028"/>
+              <a:gd name="connsiteY44" fmla="*/ 2618163 h 2987279"/>
+              <a:gd name="connsiteX45" fmla="*/ 515507 w 2252028"/>
+              <a:gd name="connsiteY45" fmla="*/ 2643330 h 2987279"/>
+              <a:gd name="connsiteX46" fmla="*/ 549063 w 2252028"/>
+              <a:gd name="connsiteY46" fmla="*/ 2660108 h 2987279"/>
+              <a:gd name="connsiteX47" fmla="*/ 632953 w 2252028"/>
+              <a:gd name="connsiteY47" fmla="*/ 2735609 h 2987279"/>
+              <a:gd name="connsiteX48" fmla="*/ 691675 w 2252028"/>
+              <a:gd name="connsiteY48" fmla="*/ 2777554 h 2987279"/>
+              <a:gd name="connsiteX49" fmla="*/ 725231 w 2252028"/>
+              <a:gd name="connsiteY49" fmla="*/ 2802721 h 2987279"/>
+              <a:gd name="connsiteX50" fmla="*/ 750398 w 2252028"/>
+              <a:gd name="connsiteY50" fmla="*/ 2811110 h 2987279"/>
+              <a:gd name="connsiteX51" fmla="*/ 783954 w 2252028"/>
+              <a:gd name="connsiteY51" fmla="*/ 2827888 h 2987279"/>
+              <a:gd name="connsiteX52" fmla="*/ 825899 w 2252028"/>
+              <a:gd name="connsiteY52" fmla="*/ 2853055 h 2987279"/>
+              <a:gd name="connsiteX53" fmla="*/ 859455 w 2252028"/>
+              <a:gd name="connsiteY53" fmla="*/ 2878222 h 2987279"/>
+              <a:gd name="connsiteX54" fmla="*/ 893011 w 2252028"/>
+              <a:gd name="connsiteY54" fmla="*/ 2886611 h 2987279"/>
+              <a:gd name="connsiteX55" fmla="*/ 934956 w 2252028"/>
+              <a:gd name="connsiteY55" fmla="*/ 2911778 h 2987279"/>
+              <a:gd name="connsiteX56" fmla="*/ 1002068 w 2252028"/>
+              <a:gd name="connsiteY56" fmla="*/ 2936945 h 2987279"/>
+              <a:gd name="connsiteX57" fmla="*/ 1035624 w 2252028"/>
+              <a:gd name="connsiteY57" fmla="*/ 2945334 h 2987279"/>
+              <a:gd name="connsiteX58" fmla="*/ 1077569 w 2252028"/>
+              <a:gd name="connsiteY58" fmla="*/ 2962112 h 2987279"/>
+              <a:gd name="connsiteX59" fmla="*/ 1119514 w 2252028"/>
+              <a:gd name="connsiteY59" fmla="*/ 2970501 h 2987279"/>
+              <a:gd name="connsiteX60" fmla="*/ 1178237 w 2252028"/>
+              <a:gd name="connsiteY60" fmla="*/ 2987279 h 2987279"/>
+              <a:gd name="connsiteX61" fmla="*/ 1589298 w 2252028"/>
+              <a:gd name="connsiteY61" fmla="*/ 2978890 h 2987279"/>
+              <a:gd name="connsiteX62" fmla="*/ 1689965 w 2252028"/>
+              <a:gd name="connsiteY62" fmla="*/ 2945334 h 2987279"/>
+              <a:gd name="connsiteX63" fmla="*/ 1723521 w 2252028"/>
+              <a:gd name="connsiteY63" fmla="*/ 2936945 h 2987279"/>
+              <a:gd name="connsiteX64" fmla="*/ 1748688 w 2252028"/>
+              <a:gd name="connsiteY64" fmla="*/ 2928556 h 2987279"/>
+              <a:gd name="connsiteX65" fmla="*/ 1790633 w 2252028"/>
+              <a:gd name="connsiteY65" fmla="*/ 2895000 h 2987279"/>
+              <a:gd name="connsiteX66" fmla="*/ 1815800 w 2252028"/>
+              <a:gd name="connsiteY66" fmla="*/ 2869833 h 2987279"/>
+              <a:gd name="connsiteX67" fmla="*/ 1849356 w 2252028"/>
+              <a:gd name="connsiteY67" fmla="*/ 2853055 h 2987279"/>
+              <a:gd name="connsiteX68" fmla="*/ 1933246 w 2252028"/>
+              <a:gd name="connsiteY68" fmla="*/ 2777554 h 2987279"/>
+              <a:gd name="connsiteX69" fmla="*/ 1958413 w 2252028"/>
+              <a:gd name="connsiteY69" fmla="*/ 2735609 h 2987279"/>
+              <a:gd name="connsiteX70" fmla="*/ 1983580 w 2252028"/>
+              <a:gd name="connsiteY70" fmla="*/ 2727220 h 2987279"/>
+              <a:gd name="connsiteX71" fmla="*/ 2008747 w 2252028"/>
+              <a:gd name="connsiteY71" fmla="*/ 2685275 h 2987279"/>
+              <a:gd name="connsiteX72" fmla="*/ 2033914 w 2252028"/>
+              <a:gd name="connsiteY72" fmla="*/ 2651719 h 2987279"/>
+              <a:gd name="connsiteX73" fmla="*/ 2067470 w 2252028"/>
+              <a:gd name="connsiteY73" fmla="*/ 2601385 h 2987279"/>
+              <a:gd name="connsiteX74" fmla="*/ 2084248 w 2252028"/>
+              <a:gd name="connsiteY74" fmla="*/ 2576218 h 2987279"/>
+              <a:gd name="connsiteX75" fmla="*/ 2134582 w 2252028"/>
+              <a:gd name="connsiteY75" fmla="*/ 2509107 h 2987279"/>
+              <a:gd name="connsiteX76" fmla="*/ 2159749 w 2252028"/>
+              <a:gd name="connsiteY76" fmla="*/ 2450384 h 2987279"/>
+              <a:gd name="connsiteX77" fmla="*/ 2168138 w 2252028"/>
+              <a:gd name="connsiteY77" fmla="*/ 2408439 h 2987279"/>
+              <a:gd name="connsiteX78" fmla="*/ 2201694 w 2252028"/>
+              <a:gd name="connsiteY78" fmla="*/ 2299382 h 2987279"/>
+              <a:gd name="connsiteX79" fmla="*/ 2210083 w 2252028"/>
+              <a:gd name="connsiteY79" fmla="*/ 2240659 h 2987279"/>
+              <a:gd name="connsiteX80" fmla="*/ 2218472 w 2252028"/>
+              <a:gd name="connsiteY80" fmla="*/ 2215492 h 2987279"/>
+              <a:gd name="connsiteX81" fmla="*/ 2235250 w 2252028"/>
+              <a:gd name="connsiteY81" fmla="*/ 2148380 h 2987279"/>
+              <a:gd name="connsiteX82" fmla="*/ 2243639 w 2252028"/>
+              <a:gd name="connsiteY82" fmla="*/ 1980600 h 2987279"/>
+              <a:gd name="connsiteX83" fmla="*/ 2252028 w 2252028"/>
+              <a:gd name="connsiteY83" fmla="*/ 1896710 h 2987279"/>
+              <a:gd name="connsiteX84" fmla="*/ 2243639 w 2252028"/>
+              <a:gd name="connsiteY84" fmla="*/ 1317870 h 2987279"/>
+              <a:gd name="connsiteX85" fmla="*/ 2226861 w 2252028"/>
+              <a:gd name="connsiteY85" fmla="*/ 1183646 h 2987279"/>
+              <a:gd name="connsiteX86" fmla="*/ 2218472 w 2252028"/>
+              <a:gd name="connsiteY86" fmla="*/ 1099756 h 2987279"/>
+              <a:gd name="connsiteX87" fmla="*/ 2193305 w 2252028"/>
+              <a:gd name="connsiteY87" fmla="*/ 982310 h 2987279"/>
+              <a:gd name="connsiteX88" fmla="*/ 2176527 w 2252028"/>
+              <a:gd name="connsiteY88" fmla="*/ 906809 h 2987279"/>
+              <a:gd name="connsiteX89" fmla="*/ 2134582 w 2252028"/>
+              <a:gd name="connsiteY89" fmla="*/ 789363 h 2987279"/>
+              <a:gd name="connsiteX90" fmla="*/ 2075859 w 2252028"/>
+              <a:gd name="connsiteY90" fmla="*/ 671918 h 2987279"/>
+              <a:gd name="connsiteX91" fmla="*/ 2025525 w 2252028"/>
+              <a:gd name="connsiteY91" fmla="*/ 579639 h 2987279"/>
+              <a:gd name="connsiteX92" fmla="*/ 1991969 w 2252028"/>
+              <a:gd name="connsiteY92" fmla="*/ 537694 h 2987279"/>
+              <a:gd name="connsiteX93" fmla="*/ 1891301 w 2252028"/>
+              <a:gd name="connsiteY93" fmla="*/ 411859 h 2987279"/>
+              <a:gd name="connsiteX94" fmla="*/ 1790633 w 2252028"/>
+              <a:gd name="connsiteY94" fmla="*/ 311191 h 2987279"/>
+              <a:gd name="connsiteX95" fmla="*/ 1731910 w 2252028"/>
+              <a:gd name="connsiteY95" fmla="*/ 252468 h 2987279"/>
+              <a:gd name="connsiteX96" fmla="*/ 1706743 w 2252028"/>
+              <a:gd name="connsiteY96" fmla="*/ 227301 h 2987279"/>
+              <a:gd name="connsiteX97" fmla="*/ 1673187 w 2252028"/>
+              <a:gd name="connsiteY97" fmla="*/ 210523 h 2987279"/>
+              <a:gd name="connsiteX98" fmla="*/ 1639631 w 2252028"/>
+              <a:gd name="connsiteY98" fmla="*/ 176967 h 2987279"/>
+              <a:gd name="connsiteX99" fmla="*/ 1530575 w 2252028"/>
+              <a:gd name="connsiteY99" fmla="*/ 109855 h 2987279"/>
+              <a:gd name="connsiteX100" fmla="*/ 1471852 w 2252028"/>
+              <a:gd name="connsiteY100" fmla="*/ 76299 h 2987279"/>
+              <a:gd name="connsiteX101" fmla="*/ 1421518 w 2252028"/>
+              <a:gd name="connsiteY101" fmla="*/ 59521 h 2987279"/>
+              <a:gd name="connsiteX102" fmla="*/ 1379573 w 2252028"/>
+              <a:gd name="connsiteY102" fmla="*/ 42743 h 2987279"/>
+              <a:gd name="connsiteX103" fmla="*/ 1329239 w 2252028"/>
+              <a:gd name="connsiteY103" fmla="*/ 34354 h 2987279"/>
+              <a:gd name="connsiteX104" fmla="*/ 1270516 w 2252028"/>
+              <a:gd name="connsiteY104" fmla="*/ 17576 h 2987279"/>
+              <a:gd name="connsiteX105" fmla="*/ 1044013 w 2252028"/>
+              <a:gd name="connsiteY105" fmla="*/ 798 h 2987279"/>
+              <a:gd name="connsiteX106" fmla="*/ 742009 w 2252028"/>
+              <a:gd name="connsiteY106" fmla="*/ 798 h 2987279"/>
             </a:gdLst>
             <a:ahLst/>
             <a:cxnLst>
@@ -16112,491 +16139,594 @@
               <a:cxn ang="0">
                 <a:pos x="connsiteX94" y="connsiteY94"/>
               </a:cxn>
+              <a:cxn ang="0">
+                <a:pos x="connsiteX95" y="connsiteY95"/>
+              </a:cxn>
+              <a:cxn ang="0">
+                <a:pos x="connsiteX96" y="connsiteY96"/>
+              </a:cxn>
+              <a:cxn ang="0">
+                <a:pos x="connsiteX97" y="connsiteY97"/>
+              </a:cxn>
+              <a:cxn ang="0">
+                <a:pos x="connsiteX98" y="connsiteY98"/>
+              </a:cxn>
+              <a:cxn ang="0">
+                <a:pos x="connsiteX99" y="connsiteY99"/>
+              </a:cxn>
+              <a:cxn ang="0">
+                <a:pos x="connsiteX100" y="connsiteY100"/>
+              </a:cxn>
+              <a:cxn ang="0">
+                <a:pos x="connsiteX101" y="connsiteY101"/>
+              </a:cxn>
+              <a:cxn ang="0">
+                <a:pos x="connsiteX102" y="connsiteY102"/>
+              </a:cxn>
+              <a:cxn ang="0">
+                <a:pos x="connsiteX103" y="connsiteY103"/>
+              </a:cxn>
+              <a:cxn ang="0">
+                <a:pos x="connsiteX104" y="connsiteY104"/>
+              </a:cxn>
+              <a:cxn ang="0">
+                <a:pos x="connsiteX105" y="connsiteY105"/>
+              </a:cxn>
+              <a:cxn ang="0">
+                <a:pos x="connsiteX106" y="connsiteY106"/>
+              </a:cxn>
             </a:cxnLst>
             <a:rect l="l" t="t" r="r" b="b"/>
             <a:pathLst>
-              <a:path w="2046914" h="1992085">
+              <a:path w="2252028" h="2987279">
                 <a:moveTo>
-                  <a:pt x="511729" y="25167"/>
+                  <a:pt x="859455" y="25965"/>
                 </a:moveTo>
                 <a:cubicBezTo>
-                  <a:pt x="503340" y="27963"/>
-                  <a:pt x="482164" y="39723"/>
-                  <a:pt x="469784" y="50334"/>
+                  <a:pt x="788488" y="40158"/>
+                  <a:pt x="844154" y="27850"/>
+                  <a:pt x="758787" y="51132"/>
                 </a:cubicBezTo>
                 <a:cubicBezTo>
-                  <a:pt x="462129" y="56895"/>
-                  <a:pt x="460500" y="68756"/>
-                  <a:pt x="453006" y="75501"/>
+                  <a:pt x="747664" y="54166"/>
+                  <a:pt x="736169" y="55875"/>
+                  <a:pt x="725231" y="59521"/>
                 </a:cubicBezTo>
                 <a:cubicBezTo>
-                  <a:pt x="432221" y="94207"/>
-                  <a:pt x="401405" y="102568"/>
-                  <a:pt x="385894" y="125835"/>
+                  <a:pt x="710945" y="64283"/>
+                  <a:pt x="697710" y="71972"/>
+                  <a:pt x="683287" y="76299"/>
                 </a:cubicBezTo>
                 <a:cubicBezTo>
-                  <a:pt x="363523" y="159391"/>
-                  <a:pt x="377505" y="145409"/>
-                  <a:pt x="343949" y="167780"/>
+                  <a:pt x="669630" y="80396"/>
+                  <a:pt x="655098" y="80936"/>
+                  <a:pt x="641342" y="84688"/>
                 </a:cubicBezTo>
                 <a:cubicBezTo>
-                  <a:pt x="257547" y="297383"/>
-                  <a:pt x="341843" y="158712"/>
-                  <a:pt x="302004" y="251670"/>
+                  <a:pt x="593098" y="97845"/>
+                  <a:pt x="521539" y="130215"/>
+                  <a:pt x="481951" y="143411"/>
                 </a:cubicBezTo>
                 <a:cubicBezTo>
-                  <a:pt x="298032" y="260937"/>
-                  <a:pt x="289735" y="267819"/>
-                  <a:pt x="285226" y="276837"/>
+                  <a:pt x="465173" y="149004"/>
+                  <a:pt x="447717" y="152871"/>
+                  <a:pt x="431617" y="160189"/>
                 </a:cubicBezTo>
                 <a:cubicBezTo>
-                  <a:pt x="281271" y="284746"/>
-                  <a:pt x="279633" y="293615"/>
-                  <a:pt x="276837" y="302004"/>
+                  <a:pt x="335983" y="203659"/>
+                  <a:pt x="432864" y="164950"/>
+                  <a:pt x="364505" y="210523"/>
                 </a:cubicBezTo>
                 <a:cubicBezTo>
-                  <a:pt x="285040" y="457853"/>
-                  <a:pt x="291005" y="464936"/>
-                  <a:pt x="276837" y="620785"/>
+                  <a:pt x="357147" y="215428"/>
+                  <a:pt x="347727" y="216116"/>
+                  <a:pt x="339338" y="218912"/>
                 </a:cubicBezTo>
                 <a:cubicBezTo>
-                  <a:pt x="274494" y="646557"/>
-                  <a:pt x="262824" y="648811"/>
-                  <a:pt x="251670" y="671119"/>
+                  <a:pt x="330949" y="230097"/>
+                  <a:pt x="324912" y="243517"/>
+                  <a:pt x="314171" y="252468"/>
                 </a:cubicBezTo>
                 <a:cubicBezTo>
-                  <a:pt x="244936" y="684588"/>
-                  <a:pt x="241626" y="699595"/>
-                  <a:pt x="234892" y="713064"/>
+                  <a:pt x="307378" y="258129"/>
+                  <a:pt x="295257" y="254604"/>
+                  <a:pt x="289004" y="260857"/>
                 </a:cubicBezTo>
                 <a:cubicBezTo>
-                  <a:pt x="227600" y="727648"/>
-                  <a:pt x="217017" y="740425"/>
-                  <a:pt x="209725" y="755009"/>
+                  <a:pt x="269231" y="280630"/>
+                  <a:pt x="255448" y="305598"/>
+                  <a:pt x="238670" y="327969"/>
                 </a:cubicBezTo>
                 <a:cubicBezTo>
-                  <a:pt x="205770" y="762918"/>
-                  <a:pt x="205291" y="772267"/>
-                  <a:pt x="201336" y="780176"/>
+                  <a:pt x="230281" y="339154"/>
+                  <a:pt x="221259" y="349892"/>
+                  <a:pt x="213503" y="361525"/>
                 </a:cubicBezTo>
                 <a:cubicBezTo>
-                  <a:pt x="196827" y="789194"/>
-                  <a:pt x="188653" y="796130"/>
-                  <a:pt x="184558" y="805343"/>
+                  <a:pt x="202318" y="378303"/>
+                  <a:pt x="192046" y="395727"/>
+                  <a:pt x="179947" y="411859"/>
                 </a:cubicBezTo>
                 <a:cubicBezTo>
-                  <a:pt x="177375" y="821504"/>
-                  <a:pt x="173373" y="838899"/>
-                  <a:pt x="167780" y="855677"/>
+                  <a:pt x="171558" y="423044"/>
+                  <a:pt x="161974" y="433426"/>
+                  <a:pt x="154780" y="445415"/>
                 </a:cubicBezTo>
                 <a:cubicBezTo>
-                  <a:pt x="164984" y="864066"/>
-                  <a:pt x="164697" y="873770"/>
-                  <a:pt x="159391" y="880844"/>
+                  <a:pt x="145129" y="461500"/>
+                  <a:pt x="138723" y="479351"/>
+                  <a:pt x="129613" y="495749"/>
                 </a:cubicBezTo>
                 <a:cubicBezTo>
-                  <a:pt x="151002" y="892029"/>
-                  <a:pt x="142351" y="903023"/>
-                  <a:pt x="134224" y="914400"/>
+                  <a:pt x="90017" y="567021"/>
+                  <a:pt x="140437" y="455158"/>
+                  <a:pt x="87668" y="571250"/>
                 </a:cubicBezTo>
                 <a:cubicBezTo>
-                  <a:pt x="128364" y="922604"/>
-                  <a:pt x="123495" y="931501"/>
-                  <a:pt x="117446" y="939567"/>
+                  <a:pt x="35212" y="686653"/>
+                  <a:pt x="98580" y="550540"/>
+                  <a:pt x="62501" y="646751"/>
                 </a:cubicBezTo>
                 <a:cubicBezTo>
-                  <a:pt x="98081" y="965386"/>
-                  <a:pt x="82284" y="980127"/>
-                  <a:pt x="67112" y="1006679"/>
+                  <a:pt x="58110" y="658460"/>
+                  <a:pt x="50114" y="668598"/>
+                  <a:pt x="45723" y="680307"/>
                 </a:cubicBezTo>
                 <a:cubicBezTo>
-                  <a:pt x="60907" y="1017537"/>
-                  <a:pt x="56539" y="1029377"/>
-                  <a:pt x="50334" y="1040235"/>
+                  <a:pt x="41675" y="691102"/>
+                  <a:pt x="40501" y="702776"/>
+                  <a:pt x="37334" y="713862"/>
                 </a:cubicBezTo>
                 <a:cubicBezTo>
-                  <a:pt x="45332" y="1048989"/>
-                  <a:pt x="37651" y="1056189"/>
-                  <a:pt x="33556" y="1065402"/>
+                  <a:pt x="34905" y="722365"/>
+                  <a:pt x="31374" y="730526"/>
+                  <a:pt x="28945" y="739029"/>
                 </a:cubicBezTo>
                 <a:cubicBezTo>
-                  <a:pt x="-6377" y="1155250"/>
-                  <a:pt x="37971" y="1083947"/>
-                  <a:pt x="0" y="1140903"/>
+                  <a:pt x="18716" y="774832"/>
+                  <a:pt x="20817" y="775607"/>
+                  <a:pt x="12167" y="814530"/>
                 </a:cubicBezTo>
                 <a:cubicBezTo>
-                  <a:pt x="2796" y="1235978"/>
-                  <a:pt x="702" y="1331323"/>
-                  <a:pt x="8389" y="1426128"/>
+                  <a:pt x="9666" y="825785"/>
+                  <a:pt x="6574" y="836901"/>
+                  <a:pt x="3778" y="848086"/>
                 </a:cubicBezTo>
                 <a:cubicBezTo>
-                  <a:pt x="9204" y="1436177"/>
-                  <a:pt x="20658" y="1442277"/>
-                  <a:pt x="25167" y="1451295"/>
+                  <a:pt x="4569" y="899472"/>
+                  <a:pt x="-12681" y="1269288"/>
+                  <a:pt x="20556" y="1452094"/>
                 </a:cubicBezTo>
                 <a:cubicBezTo>
-                  <a:pt x="29122" y="1459204"/>
-                  <a:pt x="29262" y="1468732"/>
-                  <a:pt x="33556" y="1476462"/>
+                  <a:pt x="22618" y="1463438"/>
+                  <a:pt x="26444" y="1474395"/>
+                  <a:pt x="28945" y="1485650"/>
                 </a:cubicBezTo>
                 <a:cubicBezTo>
-                  <a:pt x="72315" y="1546228"/>
-                  <a:pt x="53664" y="1506912"/>
-                  <a:pt x="92279" y="1551963"/>
+                  <a:pt x="42443" y="1546389"/>
+                  <a:pt x="30732" y="1507790"/>
+                  <a:pt x="45723" y="1552762"/>
                 </a:cubicBezTo>
                 <a:cubicBezTo>
-                  <a:pt x="127877" y="1593494"/>
-                  <a:pt x="106496" y="1580927"/>
-                  <a:pt x="151002" y="1619075"/>
+                  <a:pt x="56099" y="1625392"/>
+                  <a:pt x="53185" y="1612752"/>
+                  <a:pt x="70890" y="1695374"/>
                 </a:cubicBezTo>
                 <a:cubicBezTo>
-                  <a:pt x="158657" y="1625636"/>
-                  <a:pt x="168424" y="1629398"/>
-                  <a:pt x="176169" y="1635853"/>
+                  <a:pt x="73306" y="1706648"/>
+                  <a:pt x="76686" y="1717696"/>
+                  <a:pt x="79279" y="1728930"/>
                 </a:cubicBezTo>
                 <a:cubicBezTo>
-                  <a:pt x="264731" y="1709654"/>
-                  <a:pt x="119881" y="1603920"/>
-                  <a:pt x="243281" y="1686187"/>
+                  <a:pt x="85076" y="1754051"/>
+                  <a:pt x="91001" y="1779151"/>
+                  <a:pt x="96057" y="1804431"/>
                 </a:cubicBezTo>
                 <a:cubicBezTo>
-                  <a:pt x="248437" y="1689625"/>
-                  <a:pt x="291499" y="1723630"/>
-                  <a:pt x="302004" y="1728132"/>
+                  <a:pt x="102188" y="1835088"/>
+                  <a:pt x="104779" y="1866502"/>
+                  <a:pt x="112835" y="1896710"/>
                 </a:cubicBezTo>
                 <a:cubicBezTo>
-                  <a:pt x="312601" y="1732674"/>
-                  <a:pt x="324375" y="1733725"/>
-                  <a:pt x="335560" y="1736521"/>
+                  <a:pt x="117565" y="1914449"/>
+                  <a:pt x="136024" y="1939883"/>
+                  <a:pt x="146391" y="1955433"/>
                 </a:cubicBezTo>
                 <a:cubicBezTo>
-                  <a:pt x="343949" y="1742114"/>
-                  <a:pt x="351514" y="1749204"/>
-                  <a:pt x="360727" y="1753299"/>
+                  <a:pt x="162513" y="2036041"/>
+                  <a:pt x="143772" y="1961470"/>
+                  <a:pt x="171558" y="2030934"/>
                 </a:cubicBezTo>
                 <a:cubicBezTo>
-                  <a:pt x="398477" y="1770077"/>
-                  <a:pt x="404769" y="1765883"/>
-                  <a:pt x="436228" y="1778466"/>
+                  <a:pt x="189304" y="2075300"/>
+                  <a:pt x="206781" y="2119826"/>
+                  <a:pt x="221892" y="2165158"/>
                 </a:cubicBezTo>
                 <a:cubicBezTo>
-                  <a:pt x="541050" y="1820395"/>
-                  <a:pt x="490233" y="1808286"/>
-                  <a:pt x="587229" y="1820411"/>
+                  <a:pt x="240933" y="2222282"/>
+                  <a:pt x="216966" y="2152021"/>
+                  <a:pt x="247059" y="2232270"/>
                 </a:cubicBezTo>
                 <a:cubicBezTo>
-                  <a:pt x="595618" y="1823207"/>
-                  <a:pt x="603764" y="1826882"/>
-                  <a:pt x="612396" y="1828800"/>
+                  <a:pt x="250164" y="2240550"/>
+                  <a:pt x="251493" y="2249528"/>
+                  <a:pt x="255448" y="2257437"/>
                 </a:cubicBezTo>
                 <a:cubicBezTo>
-                  <a:pt x="672636" y="1842187"/>
-                  <a:pt x="736185" y="1842380"/>
-                  <a:pt x="796954" y="1845578"/>
+                  <a:pt x="259957" y="2266455"/>
+                  <a:pt x="267146" y="2273895"/>
+                  <a:pt x="272226" y="2282604"/>
+                </a:cubicBezTo>
+                <a:cubicBezTo>
+                  <a:pt x="286732" y="2307472"/>
+                  <a:pt x="299665" y="2333237"/>
+                  <a:pt x="314171" y="2358105"/>
+                </a:cubicBezTo>
+                <a:cubicBezTo>
+                  <a:pt x="319251" y="2366814"/>
+                  <a:pt x="326440" y="2374254"/>
+                  <a:pt x="330949" y="2383272"/>
+                </a:cubicBezTo>
+                <a:cubicBezTo>
+                  <a:pt x="334904" y="2391181"/>
+                  <a:pt x="334433" y="2401081"/>
+                  <a:pt x="339338" y="2408439"/>
+                </a:cubicBezTo>
+                <a:cubicBezTo>
+                  <a:pt x="345919" y="2418310"/>
+                  <a:pt x="356116" y="2425217"/>
+                  <a:pt x="364505" y="2433606"/>
+                </a:cubicBezTo>
+                <a:cubicBezTo>
+                  <a:pt x="367301" y="2441995"/>
+                  <a:pt x="367989" y="2451415"/>
+                  <a:pt x="372894" y="2458773"/>
+                </a:cubicBezTo>
+                <a:cubicBezTo>
+                  <a:pt x="379475" y="2468644"/>
+                  <a:pt x="390340" y="2474932"/>
+                  <a:pt x="398061" y="2483940"/>
+                </a:cubicBezTo>
+                <a:cubicBezTo>
+                  <a:pt x="407160" y="2494555"/>
+                  <a:pt x="415270" y="2506000"/>
+                  <a:pt x="423228" y="2517495"/>
+                </a:cubicBezTo>
+                <a:cubicBezTo>
+                  <a:pt x="440445" y="2542364"/>
+                  <a:pt x="455414" y="2568798"/>
+                  <a:pt x="473562" y="2592996"/>
+                </a:cubicBezTo>
+                <a:cubicBezTo>
+                  <a:pt x="480680" y="2602487"/>
+                  <a:pt x="491134" y="2609049"/>
+                  <a:pt x="498729" y="2618163"/>
+                </a:cubicBezTo>
+                <a:cubicBezTo>
+                  <a:pt x="505184" y="2625908"/>
+                  <a:pt x="507762" y="2636875"/>
+                  <a:pt x="515507" y="2643330"/>
+                </a:cubicBezTo>
+                <a:cubicBezTo>
+                  <a:pt x="525114" y="2651336"/>
+                  <a:pt x="537878" y="2654515"/>
+                  <a:pt x="549063" y="2660108"/>
+                </a:cubicBezTo>
+                <a:cubicBezTo>
+                  <a:pt x="594905" y="2728871"/>
+                  <a:pt x="520186" y="2622842"/>
+                  <a:pt x="632953" y="2735609"/>
+                </a:cubicBezTo>
+                <a:cubicBezTo>
+                  <a:pt x="680929" y="2783585"/>
+                  <a:pt x="632787" y="2740748"/>
+                  <a:pt x="691675" y="2777554"/>
+                </a:cubicBezTo>
+                <a:cubicBezTo>
+                  <a:pt x="703531" y="2784964"/>
+                  <a:pt x="713092" y="2795784"/>
+                  <a:pt x="725231" y="2802721"/>
+                </a:cubicBezTo>
+                <a:cubicBezTo>
+                  <a:pt x="732909" y="2807108"/>
+                  <a:pt x="742270" y="2807627"/>
+                  <a:pt x="750398" y="2811110"/>
+                </a:cubicBezTo>
+                <a:cubicBezTo>
+                  <a:pt x="761892" y="2816036"/>
+                  <a:pt x="773022" y="2821815"/>
+                  <a:pt x="783954" y="2827888"/>
+                </a:cubicBezTo>
+                <a:cubicBezTo>
+                  <a:pt x="798207" y="2835807"/>
+                  <a:pt x="812332" y="2844010"/>
+                  <a:pt x="825899" y="2853055"/>
+                </a:cubicBezTo>
+                <a:cubicBezTo>
+                  <a:pt x="837532" y="2860811"/>
+                  <a:pt x="846949" y="2871969"/>
+                  <a:pt x="859455" y="2878222"/>
+                </a:cubicBezTo>
+                <a:cubicBezTo>
+                  <a:pt x="869767" y="2883378"/>
+                  <a:pt x="881826" y="2883815"/>
+                  <a:pt x="893011" y="2886611"/>
+                </a:cubicBezTo>
+                <a:cubicBezTo>
+                  <a:pt x="906993" y="2895000"/>
+                  <a:pt x="920372" y="2904486"/>
+                  <a:pt x="934956" y="2911778"/>
+                </a:cubicBezTo>
+                <a:cubicBezTo>
+                  <a:pt x="946775" y="2917688"/>
+                  <a:pt x="985127" y="2932105"/>
+                  <a:pt x="1002068" y="2936945"/>
+                </a:cubicBezTo>
+                <a:cubicBezTo>
+                  <a:pt x="1013154" y="2940112"/>
+                  <a:pt x="1024686" y="2941688"/>
+                  <a:pt x="1035624" y="2945334"/>
+                </a:cubicBezTo>
+                <a:cubicBezTo>
+                  <a:pt x="1049910" y="2950096"/>
+                  <a:pt x="1063145" y="2957785"/>
+                  <a:pt x="1077569" y="2962112"/>
+                </a:cubicBezTo>
+                <a:cubicBezTo>
+                  <a:pt x="1091226" y="2966209"/>
+                  <a:pt x="1105595" y="2967408"/>
+                  <a:pt x="1119514" y="2970501"/>
+                </a:cubicBezTo>
+                <a:cubicBezTo>
+                  <a:pt x="1151115" y="2977523"/>
+                  <a:pt x="1150211" y="2977937"/>
+                  <a:pt x="1178237" y="2987279"/>
+                </a:cubicBezTo>
+                <a:cubicBezTo>
+                  <a:pt x="1315257" y="2984483"/>
+                  <a:pt x="1452439" y="2986093"/>
+                  <a:pt x="1589298" y="2978890"/>
+                </a:cubicBezTo>
+                <a:cubicBezTo>
+                  <a:pt x="1658762" y="2975234"/>
+                  <a:pt x="1641088" y="2963663"/>
+                  <a:pt x="1689965" y="2945334"/>
+                </a:cubicBezTo>
+                <a:cubicBezTo>
+                  <a:pt x="1700760" y="2941286"/>
+                  <a:pt x="1712435" y="2940112"/>
+                  <a:pt x="1723521" y="2936945"/>
+                </a:cubicBezTo>
+                <a:cubicBezTo>
+                  <a:pt x="1732024" y="2934516"/>
+                  <a:pt x="1740299" y="2931352"/>
+                  <a:pt x="1748688" y="2928556"/>
+                </a:cubicBezTo>
+                <a:cubicBezTo>
+                  <a:pt x="1762670" y="2917371"/>
+                  <a:pt x="1777158" y="2906791"/>
+                  <a:pt x="1790633" y="2895000"/>
+                </a:cubicBezTo>
+                <a:cubicBezTo>
+                  <a:pt x="1799561" y="2887188"/>
+                  <a:pt x="1806146" y="2876729"/>
+                  <a:pt x="1815800" y="2869833"/>
+                </a:cubicBezTo>
+                <a:cubicBezTo>
+                  <a:pt x="1825976" y="2862564"/>
+                  <a:pt x="1839677" y="2860974"/>
+                  <a:pt x="1849356" y="2853055"/>
+                </a:cubicBezTo>
+                <a:cubicBezTo>
+                  <a:pt x="1994231" y="2734521"/>
+                  <a:pt x="1856265" y="2828875"/>
+                  <a:pt x="1933246" y="2777554"/>
+                </a:cubicBezTo>
+                <a:cubicBezTo>
+                  <a:pt x="1941635" y="2763572"/>
+                  <a:pt x="1946883" y="2747139"/>
+                  <a:pt x="1958413" y="2735609"/>
+                </a:cubicBezTo>
+                <a:cubicBezTo>
+                  <a:pt x="1964666" y="2729356"/>
+                  <a:pt x="1977327" y="2733473"/>
+                  <a:pt x="1983580" y="2727220"/>
+                </a:cubicBezTo>
+                <a:cubicBezTo>
+                  <a:pt x="1995110" y="2715690"/>
+                  <a:pt x="1999702" y="2698842"/>
+                  <a:pt x="2008747" y="2685275"/>
+                </a:cubicBezTo>
+                <a:cubicBezTo>
+                  <a:pt x="2016503" y="2673642"/>
+                  <a:pt x="2025896" y="2663173"/>
+                  <a:pt x="2033914" y="2651719"/>
+                </a:cubicBezTo>
+                <a:cubicBezTo>
+                  <a:pt x="2045478" y="2635199"/>
+                  <a:pt x="2056285" y="2618163"/>
+                  <a:pt x="2067470" y="2601385"/>
+                </a:cubicBezTo>
+                <a:cubicBezTo>
+                  <a:pt x="2073063" y="2592996"/>
+                  <a:pt x="2078199" y="2584284"/>
+                  <a:pt x="2084248" y="2576218"/>
+                </a:cubicBezTo>
+                <a:cubicBezTo>
+                  <a:pt x="2101026" y="2553848"/>
+                  <a:pt x="2123567" y="2534809"/>
+                  <a:pt x="2134582" y="2509107"/>
                 </a:cubicBezTo>
                 <a:lnTo>
-                  <a:pt x="981512" y="1853967"/>
+                  <a:pt x="2159749" y="2450384"/>
                 </a:lnTo>
                 <a:cubicBezTo>
-                  <a:pt x="1113787" y="1876013"/>
-                  <a:pt x="932073" y="1847750"/>
-                  <a:pt x="1208015" y="1870745"/>
+                  <a:pt x="2162545" y="2436402"/>
+                  <a:pt x="2164386" y="2422195"/>
+                  <a:pt x="2168138" y="2408439"/>
                 </a:cubicBezTo>
                 <a:cubicBezTo>
-                  <a:pt x="1216827" y="1871479"/>
-                  <a:pt x="1224550" y="1877216"/>
-                  <a:pt x="1233182" y="1879134"/>
+                  <a:pt x="2184901" y="2346974"/>
+                  <a:pt x="2187485" y="2365692"/>
+                  <a:pt x="2201694" y="2299382"/>
                 </a:cubicBezTo>
                 <a:cubicBezTo>
-                  <a:pt x="1249786" y="1882824"/>
-                  <a:pt x="1267081" y="1883140"/>
-                  <a:pt x="1283516" y="1887523"/>
-                </a:cubicBezTo>
-                <a:lnTo>
-                  <a:pt x="1384184" y="1921079"/>
-                </a:lnTo>
-                <a:cubicBezTo>
-                  <a:pt x="1392573" y="1923875"/>
-                  <a:pt x="1400597" y="1928217"/>
-                  <a:pt x="1409351" y="1929468"/>
-                </a:cubicBezTo>
-                <a:lnTo>
-                  <a:pt x="1468073" y="1937857"/>
-                </a:lnTo>
-                <a:cubicBezTo>
-                  <a:pt x="1517052" y="1954183"/>
-                  <a:pt x="1469753" y="1939871"/>
-                  <a:pt x="1543574" y="1954635"/>
+                  <a:pt x="2205837" y="2280048"/>
+                  <a:pt x="2206205" y="2260048"/>
+                  <a:pt x="2210083" y="2240659"/>
                 </a:cubicBezTo>
                 <a:cubicBezTo>
-                  <a:pt x="1554880" y="1956896"/>
-                  <a:pt x="1566044" y="1959857"/>
-                  <a:pt x="1577130" y="1963024"/>
+                  <a:pt x="2211817" y="2231988"/>
+                  <a:pt x="2216145" y="2224023"/>
+                  <a:pt x="2218472" y="2215492"/>
                 </a:cubicBezTo>
                 <a:cubicBezTo>
-                  <a:pt x="1585633" y="1965453"/>
-                  <a:pt x="1593543" y="1970162"/>
-                  <a:pt x="1602297" y="1971413"/>
+                  <a:pt x="2224539" y="2193245"/>
+                  <a:pt x="2229657" y="2170751"/>
+                  <a:pt x="2235250" y="2148380"/>
                 </a:cubicBezTo>
                 <a:cubicBezTo>
-                  <a:pt x="1632873" y="1975781"/>
-                  <a:pt x="1663816" y="1977006"/>
-                  <a:pt x="1694576" y="1979802"/>
+                  <a:pt x="2238046" y="2092453"/>
+                  <a:pt x="2239914" y="2036473"/>
+                  <a:pt x="2243639" y="1980600"/>
                 </a:cubicBezTo>
                 <a:cubicBezTo>
-                  <a:pt x="1779945" y="1996876"/>
-                  <a:pt x="1754919" y="1995468"/>
-                  <a:pt x="1895912" y="1979802"/>
+                  <a:pt x="2245508" y="1952559"/>
+                  <a:pt x="2252028" y="1924813"/>
+                  <a:pt x="2252028" y="1896710"/>
                 </a:cubicBezTo>
                 <a:cubicBezTo>
-                  <a:pt x="1918830" y="1977256"/>
-                  <a:pt x="1940477" y="1967856"/>
-                  <a:pt x="1963024" y="1963024"/>
+                  <a:pt x="2252028" y="1703743"/>
+                  <a:pt x="2248462" y="1510777"/>
+                  <a:pt x="2243639" y="1317870"/>
                 </a:cubicBezTo>
                 <a:cubicBezTo>
-                  <a:pt x="1979656" y="1959460"/>
-                  <a:pt x="1996580" y="1957431"/>
-                  <a:pt x="2013358" y="1954635"/>
+                  <a:pt x="2240189" y="1179885"/>
+                  <a:pt x="2238431" y="1270422"/>
+                  <a:pt x="2226861" y="1183646"/>
                 </a:cubicBezTo>
                 <a:cubicBezTo>
-                  <a:pt x="2021747" y="1949042"/>
-                  <a:pt x="2032227" y="1945730"/>
-                  <a:pt x="2038525" y="1937857"/>
+                  <a:pt x="2223147" y="1155790"/>
+                  <a:pt x="2222641" y="1127548"/>
+                  <a:pt x="2218472" y="1099756"/>
                 </a:cubicBezTo>
                 <a:cubicBezTo>
-                  <a:pt x="2044049" y="1930952"/>
-                  <a:pt x="2046914" y="1921533"/>
-                  <a:pt x="2046914" y="1912690"/>
+                  <a:pt x="2207624" y="1027437"/>
+                  <a:pt x="2205299" y="1034282"/>
+                  <a:pt x="2193305" y="982310"/>
                 </a:cubicBezTo>
                 <a:cubicBezTo>
-                  <a:pt x="2046914" y="1853900"/>
-                  <a:pt x="2043407" y="1795107"/>
-                  <a:pt x="2038525" y="1736521"/>
+                  <a:pt x="2187508" y="957189"/>
+                  <a:pt x="2183088" y="931741"/>
+                  <a:pt x="2176527" y="906809"/>
                 </a:cubicBezTo>
                 <a:cubicBezTo>
-                  <a:pt x="2037791" y="1727709"/>
-                  <a:pt x="2033241" y="1719634"/>
-                  <a:pt x="2030136" y="1711354"/>
+                  <a:pt x="2131303" y="734957"/>
+                  <a:pt x="2171468" y="881579"/>
+                  <a:pt x="2134582" y="789363"/>
                 </a:cubicBezTo>
                 <a:cubicBezTo>
-                  <a:pt x="2024849" y="1697254"/>
-                  <a:pt x="2018504" y="1683561"/>
-                  <a:pt x="2013358" y="1669409"/>
+                  <a:pt x="2090703" y="679667"/>
+                  <a:pt x="2126442" y="722499"/>
+                  <a:pt x="2075859" y="671918"/>
                 </a:cubicBezTo>
                 <a:cubicBezTo>
-                  <a:pt x="2007314" y="1652788"/>
-                  <a:pt x="2007191" y="1633223"/>
-                  <a:pt x="1996580" y="1619075"/>
+                  <a:pt x="2060090" y="640380"/>
+                  <a:pt x="2045836" y="608654"/>
+                  <a:pt x="2025525" y="579639"/>
                 </a:cubicBezTo>
                 <a:cubicBezTo>
-                  <a:pt x="1988191" y="1607890"/>
-                  <a:pt x="1978203" y="1597741"/>
-                  <a:pt x="1971413" y="1585519"/>
+                  <a:pt x="2015257" y="564970"/>
+                  <a:pt x="2002500" y="552175"/>
+                  <a:pt x="1991969" y="537694"/>
                 </a:cubicBezTo>
                 <a:cubicBezTo>
-                  <a:pt x="1964100" y="1572355"/>
-                  <a:pt x="1961369" y="1557043"/>
-                  <a:pt x="1954635" y="1543574"/>
+                  <a:pt x="1930771" y="453547"/>
+                  <a:pt x="1986778" y="512110"/>
+                  <a:pt x="1891301" y="411859"/>
                 </a:cubicBezTo>
                 <a:cubicBezTo>
-                  <a:pt x="1950126" y="1534556"/>
-                  <a:pt x="1942366" y="1527425"/>
-                  <a:pt x="1937857" y="1518407"/>
+                  <a:pt x="1858573" y="377495"/>
+                  <a:pt x="1816956" y="350676"/>
+                  <a:pt x="1790633" y="311191"/>
                 </a:cubicBezTo>
                 <a:cubicBezTo>
-                  <a:pt x="1909315" y="1461322"/>
-                  <a:pt x="1956331" y="1529510"/>
-                  <a:pt x="1912690" y="1459684"/>
+                  <a:pt x="1760557" y="266077"/>
+                  <a:pt x="1787706" y="301290"/>
+                  <a:pt x="1731910" y="252468"/>
                 </a:cubicBezTo>
                 <a:cubicBezTo>
-                  <a:pt x="1864692" y="1382888"/>
-                  <a:pt x="1912502" y="1470618"/>
-                  <a:pt x="1853967" y="1392572"/>
+                  <a:pt x="1722982" y="244656"/>
+                  <a:pt x="1716397" y="234197"/>
+                  <a:pt x="1706743" y="227301"/>
                 </a:cubicBezTo>
                 <a:cubicBezTo>
-                  <a:pt x="1846464" y="1382568"/>
-                  <a:pt x="1844692" y="1369020"/>
-                  <a:pt x="1837189" y="1359016"/>
+                  <a:pt x="1696567" y="220032"/>
+                  <a:pt x="1683191" y="218026"/>
+                  <a:pt x="1673187" y="210523"/>
                 </a:cubicBezTo>
                 <a:cubicBezTo>
-                  <a:pt x="1827698" y="1346361"/>
-                  <a:pt x="1814050" y="1337365"/>
-                  <a:pt x="1803633" y="1325460"/>
+                  <a:pt x="1660532" y="201032"/>
+                  <a:pt x="1652554" y="186089"/>
+                  <a:pt x="1639631" y="176967"/>
                 </a:cubicBezTo>
                 <a:cubicBezTo>
-                  <a:pt x="1794426" y="1314938"/>
-                  <a:pt x="1788916" y="1301194"/>
-                  <a:pt x="1778466" y="1291905"/>
+                  <a:pt x="1604760" y="152352"/>
+                  <a:pt x="1567176" y="131816"/>
+                  <a:pt x="1530575" y="109855"/>
                 </a:cubicBezTo>
                 <a:cubicBezTo>
-                  <a:pt x="1763395" y="1278508"/>
-                  <a:pt x="1728132" y="1258349"/>
-                  <a:pt x="1728132" y="1258349"/>
+                  <a:pt x="1511243" y="98256"/>
+                  <a:pt x="1493240" y="83428"/>
+                  <a:pt x="1471852" y="76299"/>
                 </a:cubicBezTo>
                 <a:cubicBezTo>
-                  <a:pt x="1688591" y="1199038"/>
-                  <a:pt x="1740231" y="1270448"/>
-                  <a:pt x="1677798" y="1208015"/>
+                  <a:pt x="1455074" y="70706"/>
+                  <a:pt x="1438139" y="65565"/>
+                  <a:pt x="1421518" y="59521"/>
                 </a:cubicBezTo>
                 <a:cubicBezTo>
-                  <a:pt x="1667911" y="1198128"/>
-                  <a:pt x="1661730" y="1185075"/>
-                  <a:pt x="1652631" y="1174459"/>
+                  <a:pt x="1407366" y="54375"/>
+                  <a:pt x="1394101" y="46705"/>
+                  <a:pt x="1379573" y="42743"/>
                 </a:cubicBezTo>
                 <a:cubicBezTo>
-                  <a:pt x="1644910" y="1165451"/>
-                  <a:pt x="1635059" y="1158406"/>
-                  <a:pt x="1627464" y="1149292"/>
+                  <a:pt x="1363163" y="38268"/>
+                  <a:pt x="1345813" y="38179"/>
+                  <a:pt x="1329239" y="34354"/>
                 </a:cubicBezTo>
                 <a:cubicBezTo>
-                  <a:pt x="1598861" y="1114968"/>
-                  <a:pt x="1621259" y="1131595"/>
-                  <a:pt x="1593908" y="1090569"/>
+                  <a:pt x="1309403" y="29776"/>
+                  <a:pt x="1290422" y="21842"/>
+                  <a:pt x="1270516" y="17576"/>
                 </a:cubicBezTo>
                 <a:cubicBezTo>
-                  <a:pt x="1581561" y="1072049"/>
-                  <a:pt x="1554795" y="1045899"/>
-                  <a:pt x="1543574" y="1023457"/>
+                  <a:pt x="1208707" y="4331"/>
+                  <a:pt x="1083296" y="1499"/>
+                  <a:pt x="1044013" y="798"/>
                 </a:cubicBezTo>
                 <a:cubicBezTo>
-                  <a:pt x="1539619" y="1015548"/>
-                  <a:pt x="1540090" y="1005648"/>
-                  <a:pt x="1535185" y="998290"/>
+                  <a:pt x="943361" y="-999"/>
+                  <a:pt x="842677" y="798"/>
+                  <a:pt x="742009" y="798"/>
                 </a:cubicBezTo>
-                <a:cubicBezTo>
-                  <a:pt x="1528604" y="988419"/>
-                  <a:pt x="1516914" y="982777"/>
-                  <a:pt x="1510018" y="973123"/>
-                </a:cubicBezTo>
-                <a:cubicBezTo>
-                  <a:pt x="1480924" y="932391"/>
-                  <a:pt x="1503107" y="950912"/>
-                  <a:pt x="1484851" y="914400"/>
-                </a:cubicBezTo>
-                <a:cubicBezTo>
-                  <a:pt x="1480342" y="905382"/>
-                  <a:pt x="1472582" y="898251"/>
-                  <a:pt x="1468073" y="889233"/>
-                </a:cubicBezTo>
-                <a:cubicBezTo>
-                  <a:pt x="1464118" y="881324"/>
-                  <a:pt x="1463167" y="872194"/>
-                  <a:pt x="1459684" y="864066"/>
-                </a:cubicBezTo>
-                <a:cubicBezTo>
-                  <a:pt x="1454758" y="852572"/>
-                  <a:pt x="1446861" y="842374"/>
-                  <a:pt x="1442907" y="830510"/>
-                </a:cubicBezTo>
-                <a:cubicBezTo>
-                  <a:pt x="1435615" y="808634"/>
-                  <a:pt x="1433421" y="785274"/>
-                  <a:pt x="1426129" y="763398"/>
-                </a:cubicBezTo>
-                <a:lnTo>
-                  <a:pt x="1417740" y="738231"/>
-                </a:lnTo>
-                <a:cubicBezTo>
-                  <a:pt x="1420536" y="715860"/>
-                  <a:pt x="1422096" y="693300"/>
-                  <a:pt x="1426129" y="671119"/>
-                </a:cubicBezTo>
-                <a:cubicBezTo>
-                  <a:pt x="1427711" y="662419"/>
-                  <a:pt x="1431035" y="654080"/>
-                  <a:pt x="1434518" y="645952"/>
-                </a:cubicBezTo>
-                <a:cubicBezTo>
-                  <a:pt x="1449872" y="610124"/>
-                  <a:pt x="1452373" y="610959"/>
-                  <a:pt x="1476462" y="578840"/>
-                </a:cubicBezTo>
-                <a:cubicBezTo>
-                  <a:pt x="1497548" y="515582"/>
-                  <a:pt x="1469104" y="593555"/>
-                  <a:pt x="1501629" y="528506"/>
-                </a:cubicBezTo>
-                <a:cubicBezTo>
-                  <a:pt x="1533655" y="464454"/>
-                  <a:pt x="1474330" y="550923"/>
-                  <a:pt x="1535185" y="469783"/>
-                </a:cubicBezTo>
-                <a:cubicBezTo>
-                  <a:pt x="1537981" y="461394"/>
-                  <a:pt x="1539280" y="452346"/>
-                  <a:pt x="1543574" y="444616"/>
-                </a:cubicBezTo>
-                <a:cubicBezTo>
-                  <a:pt x="1553367" y="426989"/>
-                  <a:pt x="1570753" y="413412"/>
-                  <a:pt x="1577130" y="394282"/>
-                </a:cubicBezTo>
-                <a:cubicBezTo>
-                  <a:pt x="1588707" y="359551"/>
-                  <a:pt x="1580614" y="376473"/>
-                  <a:pt x="1602297" y="343949"/>
-                </a:cubicBezTo>
-                <a:cubicBezTo>
-                  <a:pt x="1605093" y="332764"/>
-                  <a:pt x="1607519" y="321479"/>
-                  <a:pt x="1610686" y="310393"/>
-                </a:cubicBezTo>
-                <a:cubicBezTo>
-                  <a:pt x="1613115" y="301890"/>
-                  <a:pt x="1619075" y="294069"/>
-                  <a:pt x="1619075" y="285226"/>
-                </a:cubicBezTo>
-                <a:cubicBezTo>
-                  <a:pt x="1619075" y="226436"/>
-                  <a:pt x="1615195" y="167673"/>
-                  <a:pt x="1610686" y="109057"/>
-                </a:cubicBezTo>
-                <a:cubicBezTo>
-                  <a:pt x="1609592" y="94840"/>
-                  <a:pt x="1607304" y="80463"/>
-                  <a:pt x="1602297" y="67112"/>
-                </a:cubicBezTo>
-                <a:cubicBezTo>
-                  <a:pt x="1597139" y="53356"/>
-                  <a:pt x="1571232" y="24031"/>
-                  <a:pt x="1560352" y="16778"/>
-                </a:cubicBezTo>
-                <a:cubicBezTo>
-                  <a:pt x="1544379" y="6129"/>
-                  <a:pt x="1481435" y="710"/>
-                  <a:pt x="1476462" y="0"/>
-                </a:cubicBezTo>
-                <a:lnTo>
-                  <a:pt x="604007" y="8389"/>
-                </a:lnTo>
-                <a:cubicBezTo>
-                  <a:pt x="524871" y="9815"/>
-                  <a:pt x="567055" y="10087"/>
-                  <a:pt x="520118" y="33556"/>
-                </a:cubicBezTo>
-                <a:cubicBezTo>
-                  <a:pt x="485563" y="50834"/>
-                  <a:pt x="520118" y="22371"/>
-                  <a:pt x="511729" y="25167"/>
-                </a:cubicBezTo>
-                <a:close/>
               </a:path>
             </a:pathLst>
           </a:custGeom>
-          <a:noFill/>
+          <a:ln w="38100"/>
         </p:spPr>
         <p:style>
-          <a:lnRef idx="2">
+          <a:lnRef idx="1">
             <a:schemeClr val="accent6"/>
           </a:lnRef>
-          <a:fillRef idx="1">
-            <a:schemeClr val="lt1"/>
+          <a:fillRef idx="0">
+            <a:schemeClr val="accent6"/>
           </a:fillRef>
           <a:effectRef idx="0">
             <a:schemeClr val="accent6"/>
           </a:effectRef>
           <a:fontRef idx="minor">
-            <a:schemeClr val="dk1"/>
+            <a:schemeClr val="tx1"/>
           </a:fontRef>
         </p:style>
         <p:txBody>
@@ -21577,18 +21707,18 @@
 </file>
 
 <file path=customXml/item2.xml><?xml version="1.0" encoding="utf-8"?>
-<p:properties xmlns:p="http://schemas.microsoft.com/office/2006/metadata/properties" xmlns:xsi="http://www.w3.org/2001/XMLSchema-instance" xmlns:pc="http://schemas.microsoft.com/office/infopath/2007/PartnerControls">
-  <documentManagement/>
-</p:properties>
-</file>
-
-<file path=customXml/item3.xml><?xml version="1.0" encoding="utf-8"?>
 <?mso-contentType ?>
 <FormTemplates xmlns="http://schemas.microsoft.com/sharepoint/v3/contenttype/forms">
   <Display>DocumentLibraryForm</Display>
   <Edit>DocumentLibraryForm</Edit>
   <New>DocumentLibraryForm</New>
 </FormTemplates>
+</file>
+
+<file path=customXml/item3.xml><?xml version="1.0" encoding="utf-8"?>
+<p:properties xmlns:p="http://schemas.microsoft.com/office/2006/metadata/properties" xmlns:xsi="http://www.w3.org/2001/XMLSchema-instance" xmlns:pc="http://schemas.microsoft.com/office/infopath/2007/PartnerControls">
+  <documentManagement/>
+</p:properties>
 </file>
 
 <file path=customXml/itemProps1.xml><?xml version="1.0" encoding="utf-8"?>
@@ -21611,18 +21741,18 @@
 </file>
 
 <file path=customXml/itemProps2.xml><?xml version="1.0" encoding="utf-8"?>
+<ds:datastoreItem xmlns:ds="http://schemas.openxmlformats.org/officeDocument/2006/customXml" ds:itemID="{10C75660-6496-4BAB-8878-FA53D17BE5D9}">
+  <ds:schemaRefs>
+    <ds:schemaRef ds:uri="http://schemas.microsoft.com/sharepoint/v3/contenttype/forms"/>
+  </ds:schemaRefs>
+</ds:datastoreItem>
+</file>
+
+<file path=customXml/itemProps3.xml><?xml version="1.0" encoding="utf-8"?>
 <ds:datastoreItem xmlns:ds="http://schemas.openxmlformats.org/officeDocument/2006/customXml" ds:itemID="{A2AA3CB1-2443-4FA1-815D-951C2BDC7424}">
   <ds:schemaRefs>
     <ds:schemaRef ds:uri="http://schemas.microsoft.com/office/2006/metadata/properties"/>
     <ds:schemaRef ds:uri="http://schemas.microsoft.com/office/infopath/2007/PartnerControls"/>
   </ds:schemaRefs>
 </ds:datastoreItem>
-</file>
-
-<file path=customXml/itemProps3.xml><?xml version="1.0" encoding="utf-8"?>
-<ds:datastoreItem xmlns:ds="http://schemas.openxmlformats.org/officeDocument/2006/customXml" ds:itemID="{10C75660-6496-4BAB-8878-FA53D17BE5D9}">
-  <ds:schemaRefs>
-    <ds:schemaRef ds:uri="http://schemas.microsoft.com/sharepoint/v3/contenttype/forms"/>
-  </ds:schemaRefs>
-</ds:datastoreItem>
 </file>
--- a/Evolve Power BI Architecture/Evolving your Power BI Architecture using Dataflows and Shared Datasets.pptx
+++ b/Evolve Power BI Architecture/Evolving your Power BI Architecture using Dataflows and Shared Datasets.pptx
@@ -8131,13 +8131,15 @@
               </a:ext>
             </a:extLst>
           </p:cNvPr>
-          <p:cNvCxnSpPr/>
+          <p:cNvCxnSpPr>
+            <a:cxnSpLocks/>
+          </p:cNvCxnSpPr>
           <p:nvPr/>
         </p:nvCxnSpPr>
         <p:spPr>
           <a:xfrm>
-            <a:off x="5882227" y="1214371"/>
-            <a:ext cx="0" cy="4650537"/>
+            <a:off x="5882227" y="906011"/>
+            <a:ext cx="0" cy="4958897"/>
           </a:xfrm>
           <a:prstGeom prst="line">
             <a:avLst/>
@@ -8360,6 +8362,59 @@
                 <a:cs typeface="Segoe UI" panose="020B0502040204020203" pitchFamily="34" charset="0"/>
               </a:rPr>
               <a:t>Dataflows</a:t>
+            </a:r>
+          </a:p>
+        </p:txBody>
+      </p:sp>
+      <p:sp>
+        <p:nvSpPr>
+          <p:cNvPr id="3" name="Speech Bubble: Oval 2">
+            <a:extLst>
+              <a:ext uri="{FF2B5EF4-FFF2-40B4-BE49-F238E27FC236}">
+                <a16:creationId xmlns:a16="http://schemas.microsoft.com/office/drawing/2014/main" id="{64DA67E0-0CD8-40E8-B8A2-F50CD0CCC534}"/>
+              </a:ext>
+            </a:extLst>
+          </p:cNvPr>
+          <p:cNvSpPr/>
+          <p:nvPr/>
+        </p:nvSpPr>
+        <p:spPr>
+          <a:xfrm>
+            <a:off x="4688932" y="1197424"/>
+            <a:ext cx="1884709" cy="1074794"/>
+          </a:xfrm>
+          <a:prstGeom prst="wedgeEllipseCallout">
+            <a:avLst>
+              <a:gd name="adj1" fmla="val -83639"/>
+              <a:gd name="adj2" fmla="val -25269"/>
+            </a:avLst>
+          </a:prstGeom>
+          <a:solidFill>
+            <a:schemeClr val="bg1"/>
+          </a:solidFill>
+        </p:spPr>
+        <p:style>
+          <a:lnRef idx="2">
+            <a:schemeClr val="accent2"/>
+          </a:lnRef>
+          <a:fillRef idx="1">
+            <a:schemeClr val="lt1"/>
+          </a:fillRef>
+          <a:effectRef idx="0">
+            <a:schemeClr val="accent2"/>
+          </a:effectRef>
+          <a:fontRef idx="minor">
+            <a:schemeClr val="dk1"/>
+          </a:fontRef>
+        </p:style>
+        <p:txBody>
+          <a:bodyPr rtlCol="0" anchor="ctr"/>
+          <a:lstStyle/>
+          <a:p>
+            <a:pPr algn="ctr"/>
+            <a:r>
+              <a:rPr lang="en-IE" sz="1050" dirty="0"/>
+              <a:t>More on dataflows in Dennes’s session next!</a:t>
             </a:r>
           </a:p>
         </p:txBody>
@@ -8394,6 +8449,55 @@
           <a:chExt cx="0" cy="0"/>
         </a:xfrm>
       </p:grpSpPr>
+      <p:sp>
+        <p:nvSpPr>
+          <p:cNvPr id="34" name="Rectangle 33">
+            <a:extLst>
+              <a:ext uri="{FF2B5EF4-FFF2-40B4-BE49-F238E27FC236}">
+                <a16:creationId xmlns:a16="http://schemas.microsoft.com/office/drawing/2014/main" id="{2BEAC518-AFCA-4F01-A8B4-F5CCD70720DB}"/>
+              </a:ext>
+            </a:extLst>
+          </p:cNvPr>
+          <p:cNvSpPr/>
+          <p:nvPr/>
+        </p:nvSpPr>
+        <p:spPr>
+          <a:xfrm>
+            <a:off x="-1" y="1656036"/>
+            <a:ext cx="8384661" cy="2490219"/>
+          </a:xfrm>
+          <a:prstGeom prst="rect">
+            <a:avLst/>
+          </a:prstGeom>
+          <a:ln>
+            <a:noFill/>
+          </a:ln>
+        </p:spPr>
+        <p:style>
+          <a:lnRef idx="2">
+            <a:schemeClr val="accent1">
+              <a:shade val="50000"/>
+            </a:schemeClr>
+          </a:lnRef>
+          <a:fillRef idx="1">
+            <a:schemeClr val="accent1"/>
+          </a:fillRef>
+          <a:effectRef idx="0">
+            <a:schemeClr val="accent1"/>
+          </a:effectRef>
+          <a:fontRef idx="minor">
+            <a:schemeClr val="lt1"/>
+          </a:fontRef>
+        </p:style>
+        <p:txBody>
+          <a:bodyPr rtlCol="0" anchor="ctr"/>
+          <a:lstStyle/>
+          <a:p>
+            <a:pPr algn="ctr"/>
+            <a:endParaRPr lang="en-IE"/>
+          </a:p>
+        </p:txBody>
+      </p:sp>
       <p:sp>
         <p:nvSpPr>
           <p:cNvPr id="2" name="TextBox 1"/>
@@ -10163,7 +10267,7 @@
             </a:ln>
             <a:extLst>
               <a:ext uri="{91240B29-F687-4f45-9708-019B960494DF}">
-                <a14:hiddenLine xmlns:a14="http://schemas.microsoft.com/office/drawing/2010/main" xmlns="" w="9525">
+                <a14:hiddenLine xmlns="" xmlns:a14="http://schemas.microsoft.com/office/drawing/2010/main" w="9525">
                   <a:solidFill>
                     <a:srgbClr val="000000"/>
                   </a:solidFill>
@@ -10483,8 +10587,8 @@
         </p:blipFill>
         <p:spPr>
           <a:xfrm>
-            <a:off x="8744076" y="1863941"/>
-            <a:ext cx="3447924" cy="1994467"/>
+            <a:off x="8384661" y="1656037"/>
+            <a:ext cx="3807339" cy="2202372"/>
           </a:xfrm>
           <a:prstGeom prst="rect">
             <a:avLst/>
@@ -10505,7 +10609,7 @@
         </p:nvSpPr>
         <p:spPr>
           <a:xfrm>
-            <a:off x="1359475" y="3458298"/>
+            <a:off x="1400759" y="682070"/>
             <a:ext cx="4488729" cy="400110"/>
           </a:xfrm>
           <a:prstGeom prst="rect">
@@ -10550,7 +10654,7 @@
         </p:nvSpPr>
         <p:spPr>
           <a:xfrm>
-            <a:off x="0" y="3458298"/>
+            <a:off x="41284" y="682070"/>
             <a:ext cx="1359475" cy="400110"/>
           </a:xfrm>
           <a:prstGeom prst="rect">
@@ -10574,6 +10678,281 @@
                 </a:solidFill>
               </a:rPr>
               <a:t>Slides, etc:</a:t>
+            </a:r>
+          </a:p>
+        </p:txBody>
+      </p:sp>
+      <p:sp>
+        <p:nvSpPr>
+          <p:cNvPr id="27" name="TextBox 26">
+            <a:extLst>
+              <a:ext uri="{FF2B5EF4-FFF2-40B4-BE49-F238E27FC236}">
+                <a16:creationId xmlns:a16="http://schemas.microsoft.com/office/drawing/2014/main" id="{27DE8A75-28CD-41A6-8AE6-4E4C7A5ED881}"/>
+              </a:ext>
+            </a:extLst>
+          </p:cNvPr>
+          <p:cNvSpPr txBox="1"/>
+          <p:nvPr/>
+        </p:nvSpPr>
+        <p:spPr>
+          <a:xfrm>
+            <a:off x="1343767" y="2281528"/>
+            <a:ext cx="7040893" cy="276999"/>
+          </a:xfrm>
+          <a:prstGeom prst="rect">
+            <a:avLst/>
+          </a:prstGeom>
+          <a:noFill/>
+        </p:spPr>
+        <p:txBody>
+          <a:bodyPr wrap="square">
+            <a:spAutoFit/>
+          </a:bodyPr>
+          <a:lstStyle/>
+          <a:p>
+            <a:r>
+              <a:rPr lang="en-IE" sz="1200" dirty="0">
+                <a:solidFill>
+                  <a:schemeClr val="bg1"/>
+                </a:solidFill>
+              </a:rPr>
+              <a:t>https://docs.microsoft.com/en-us/power-bi/guidance/whitepaper-powerbi-enterprise-deployment</a:t>
+            </a:r>
+          </a:p>
+        </p:txBody>
+      </p:sp>
+      <p:sp>
+        <p:nvSpPr>
+          <p:cNvPr id="5" name="TextBox 4">
+            <a:extLst>
+              <a:ext uri="{FF2B5EF4-FFF2-40B4-BE49-F238E27FC236}">
+                <a16:creationId xmlns:a16="http://schemas.microsoft.com/office/drawing/2014/main" id="{A4319C3C-0B2E-4E30-B8D9-3AE0C4BA7E02}"/>
+              </a:ext>
+            </a:extLst>
+          </p:cNvPr>
+          <p:cNvSpPr txBox="1"/>
+          <p:nvPr/>
+        </p:nvSpPr>
+        <p:spPr>
+          <a:xfrm>
+            <a:off x="0" y="1521087"/>
+            <a:ext cx="1414170" cy="400110"/>
+          </a:xfrm>
+          <a:prstGeom prst="rect">
+            <a:avLst/>
+          </a:prstGeom>
+          <a:solidFill>
+            <a:srgbClr val="0271AF"/>
+          </a:solidFill>
+        </p:spPr>
+        <p:txBody>
+          <a:bodyPr wrap="none" rtlCol="0">
+            <a:spAutoFit/>
+          </a:bodyPr>
+          <a:lstStyle/>
+          <a:p>
+            <a:r>
+              <a:rPr lang="en-IE" sz="2000" dirty="0">
+                <a:solidFill>
+                  <a:schemeClr val="bg1"/>
+                </a:solidFill>
+              </a:rPr>
+              <a:t>Other links</a:t>
+            </a:r>
+          </a:p>
+        </p:txBody>
+      </p:sp>
+      <p:sp>
+        <p:nvSpPr>
+          <p:cNvPr id="30" name="TextBox 29">
+            <a:extLst>
+              <a:ext uri="{FF2B5EF4-FFF2-40B4-BE49-F238E27FC236}">
+                <a16:creationId xmlns:a16="http://schemas.microsoft.com/office/drawing/2014/main" id="{162728D2-48AF-418D-BC66-D98E25E9A023}"/>
+              </a:ext>
+            </a:extLst>
+          </p:cNvPr>
+          <p:cNvSpPr txBox="1"/>
+          <p:nvPr/>
+        </p:nvSpPr>
+        <p:spPr>
+          <a:xfrm>
+            <a:off x="1337556" y="2831994"/>
+            <a:ext cx="7148179" cy="276999"/>
+          </a:xfrm>
+          <a:prstGeom prst="rect">
+            <a:avLst/>
+          </a:prstGeom>
+          <a:noFill/>
+        </p:spPr>
+        <p:txBody>
+          <a:bodyPr wrap="square">
+            <a:spAutoFit/>
+          </a:bodyPr>
+          <a:lstStyle/>
+          <a:p>
+            <a:r>
+              <a:rPr lang="en-IE" sz="1200" dirty="0">
+                <a:solidFill>
+                  <a:schemeClr val="bg1"/>
+                </a:solidFill>
+              </a:rPr>
+              <a:t>https://docs.microsoft.com/en-us/power-bi/connect-data/service-datasets-share</a:t>
+            </a:r>
+          </a:p>
+        </p:txBody>
+      </p:sp>
+      <p:sp>
+        <p:nvSpPr>
+          <p:cNvPr id="32" name="TextBox 31">
+            <a:extLst>
+              <a:ext uri="{FF2B5EF4-FFF2-40B4-BE49-F238E27FC236}">
+                <a16:creationId xmlns:a16="http://schemas.microsoft.com/office/drawing/2014/main" id="{48BF06B2-A476-4B2B-AB06-69779B9A813E}"/>
+              </a:ext>
+            </a:extLst>
+          </p:cNvPr>
+          <p:cNvSpPr txBox="1"/>
+          <p:nvPr/>
+        </p:nvSpPr>
+        <p:spPr>
+          <a:xfrm>
+            <a:off x="1306658" y="3397908"/>
+            <a:ext cx="7011998" cy="261610"/>
+          </a:xfrm>
+          <a:prstGeom prst="rect">
+            <a:avLst/>
+          </a:prstGeom>
+          <a:noFill/>
+        </p:spPr>
+        <p:txBody>
+          <a:bodyPr wrap="square">
+            <a:spAutoFit/>
+          </a:bodyPr>
+          <a:lstStyle/>
+          <a:p>
+            <a:r>
+              <a:rPr lang="en-IE" sz="1100" dirty="0">
+                <a:solidFill>
+                  <a:schemeClr val="bg1"/>
+                </a:solidFill>
+              </a:rPr>
+              <a:t>https://docs.microsoft.com/en-us/power-bi/transform-model/dataflows/dataflows-introduction-self-service</a:t>
+            </a:r>
+          </a:p>
+        </p:txBody>
+      </p:sp>
+      <p:sp>
+        <p:nvSpPr>
+          <p:cNvPr id="20" name="TextBox 19">
+            <a:extLst>
+              <a:ext uri="{FF2B5EF4-FFF2-40B4-BE49-F238E27FC236}">
+                <a16:creationId xmlns:a16="http://schemas.microsoft.com/office/drawing/2014/main" id="{8FF3956F-D1F7-4B7C-BF96-E6E9BE84D5BA}"/>
+              </a:ext>
+            </a:extLst>
+          </p:cNvPr>
+          <p:cNvSpPr txBox="1"/>
+          <p:nvPr/>
+        </p:nvSpPr>
+        <p:spPr>
+          <a:xfrm>
+            <a:off x="-2" y="2010057"/>
+            <a:ext cx="2973506" cy="307777"/>
+          </a:xfrm>
+          <a:prstGeom prst="rect">
+            <a:avLst/>
+          </a:prstGeom>
+          <a:noFill/>
+        </p:spPr>
+        <p:txBody>
+          <a:bodyPr wrap="none" rtlCol="0">
+            <a:spAutoFit/>
+          </a:bodyPr>
+          <a:lstStyle/>
+          <a:p>
+            <a:r>
+              <a:rPr lang="en-IE" sz="1400" dirty="0">
+                <a:solidFill>
+                  <a:schemeClr val="bg1"/>
+                </a:solidFill>
+              </a:rPr>
+              <a:t>Enterprise Deployment Whitepaper</a:t>
+            </a:r>
+          </a:p>
+        </p:txBody>
+      </p:sp>
+      <p:sp>
+        <p:nvSpPr>
+          <p:cNvPr id="36" name="TextBox 35">
+            <a:extLst>
+              <a:ext uri="{FF2B5EF4-FFF2-40B4-BE49-F238E27FC236}">
+                <a16:creationId xmlns:a16="http://schemas.microsoft.com/office/drawing/2014/main" id="{4910D7F7-8D9B-4D53-B862-23268013D102}"/>
+              </a:ext>
+            </a:extLst>
+          </p:cNvPr>
+          <p:cNvSpPr txBox="1"/>
+          <p:nvPr/>
+        </p:nvSpPr>
+        <p:spPr>
+          <a:xfrm>
+            <a:off x="-2" y="2603334"/>
+            <a:ext cx="1463093" cy="307777"/>
+          </a:xfrm>
+          <a:prstGeom prst="rect">
+            <a:avLst/>
+          </a:prstGeom>
+          <a:noFill/>
+        </p:spPr>
+        <p:txBody>
+          <a:bodyPr wrap="none" rtlCol="0">
+            <a:spAutoFit/>
+          </a:bodyPr>
+          <a:lstStyle/>
+          <a:p>
+            <a:r>
+              <a:rPr lang="en-IE" sz="1400" dirty="0">
+                <a:solidFill>
+                  <a:schemeClr val="bg1"/>
+                </a:solidFill>
+              </a:rPr>
+              <a:t>Shared Datasets</a:t>
+            </a:r>
+          </a:p>
+        </p:txBody>
+      </p:sp>
+      <p:sp>
+        <p:nvSpPr>
+          <p:cNvPr id="38" name="TextBox 37">
+            <a:extLst>
+              <a:ext uri="{FF2B5EF4-FFF2-40B4-BE49-F238E27FC236}">
+                <a16:creationId xmlns:a16="http://schemas.microsoft.com/office/drawing/2014/main" id="{982A0E61-FABF-4E07-93A7-AF54DCD79656}"/>
+              </a:ext>
+            </a:extLst>
+          </p:cNvPr>
+          <p:cNvSpPr txBox="1"/>
+          <p:nvPr/>
+        </p:nvSpPr>
+        <p:spPr>
+          <a:xfrm>
+            <a:off x="-2" y="3170488"/>
+            <a:ext cx="966931" cy="307777"/>
+          </a:xfrm>
+          <a:prstGeom prst="rect">
+            <a:avLst/>
+          </a:prstGeom>
+          <a:noFill/>
+        </p:spPr>
+        <p:txBody>
+          <a:bodyPr wrap="none" rtlCol="0">
+            <a:spAutoFit/>
+          </a:bodyPr>
+          <a:lstStyle/>
+          <a:p>
+            <a:r>
+              <a:rPr lang="en-IE" sz="1400" dirty="0">
+                <a:solidFill>
+                  <a:schemeClr val="bg1"/>
+                </a:solidFill>
+              </a:rPr>
+              <a:t>Dataflows</a:t>
             </a:r>
           </a:p>
         </p:txBody>
@@ -10780,7 +11159,7 @@
                   </a:schemeClr>
                 </a:solidFill>
               </a:rPr>
-              <a:t>Link to slides</a:t>
+              <a:t>Link to slides, content</a:t>
             </a:r>
           </a:p>
         </p:txBody>
@@ -21707,18 +22086,18 @@
 </file>
 
 <file path=customXml/item2.xml><?xml version="1.0" encoding="utf-8"?>
+<p:properties xmlns:p="http://schemas.microsoft.com/office/2006/metadata/properties" xmlns:xsi="http://www.w3.org/2001/XMLSchema-instance" xmlns:pc="http://schemas.microsoft.com/office/infopath/2007/PartnerControls">
+  <documentManagement/>
+</p:properties>
+</file>
+
+<file path=customXml/item3.xml><?xml version="1.0" encoding="utf-8"?>
 <?mso-contentType ?>
 <FormTemplates xmlns="http://schemas.microsoft.com/sharepoint/v3/contenttype/forms">
   <Display>DocumentLibraryForm</Display>
   <Edit>DocumentLibraryForm</Edit>
   <New>DocumentLibraryForm</New>
 </FormTemplates>
-</file>
-
-<file path=customXml/item3.xml><?xml version="1.0" encoding="utf-8"?>
-<p:properties xmlns:p="http://schemas.microsoft.com/office/2006/metadata/properties" xmlns:xsi="http://www.w3.org/2001/XMLSchema-instance" xmlns:pc="http://schemas.microsoft.com/office/infopath/2007/PartnerControls">
-  <documentManagement/>
-</p:properties>
 </file>
 
 <file path=customXml/itemProps1.xml><?xml version="1.0" encoding="utf-8"?>
@@ -21741,18 +22120,18 @@
 </file>
 
 <file path=customXml/itemProps2.xml><?xml version="1.0" encoding="utf-8"?>
-<ds:datastoreItem xmlns:ds="http://schemas.openxmlformats.org/officeDocument/2006/customXml" ds:itemID="{10C75660-6496-4BAB-8878-FA53D17BE5D9}">
-  <ds:schemaRefs>
-    <ds:schemaRef ds:uri="http://schemas.microsoft.com/sharepoint/v3/contenttype/forms"/>
-  </ds:schemaRefs>
-</ds:datastoreItem>
-</file>
-
-<file path=customXml/itemProps3.xml><?xml version="1.0" encoding="utf-8"?>
 <ds:datastoreItem xmlns:ds="http://schemas.openxmlformats.org/officeDocument/2006/customXml" ds:itemID="{A2AA3CB1-2443-4FA1-815D-951C2BDC7424}">
   <ds:schemaRefs>
     <ds:schemaRef ds:uri="http://schemas.microsoft.com/office/2006/metadata/properties"/>
     <ds:schemaRef ds:uri="http://schemas.microsoft.com/office/infopath/2007/PartnerControls"/>
   </ds:schemaRefs>
 </ds:datastoreItem>
+</file>
+
+<file path=customXml/itemProps3.xml><?xml version="1.0" encoding="utf-8"?>
+<ds:datastoreItem xmlns:ds="http://schemas.openxmlformats.org/officeDocument/2006/customXml" ds:itemID="{10C75660-6496-4BAB-8878-FA53D17BE5D9}">
+  <ds:schemaRefs>
+    <ds:schemaRef ds:uri="http://schemas.microsoft.com/sharepoint/v3/contenttype/forms"/>
+  </ds:schemaRefs>
+</ds:datastoreItem>
 </file>